--- a/figs/workflow.pptx
+++ b/figs/workflow.pptx
@@ -105,6 +105,11 @@
       </a:defRPr>
     </a:lvl9pPr>
   </p:defaultTextStyle>
+  <p:extLst>
+    <p:ext uri="{EFAFB233-063F-42B5-8137-9DF3F51BA10A}">
+      <p15:sldGuideLst xmlns:p15="http://schemas.microsoft.com/office/powerpoint/2012/main"/>
+    </p:ext>
+  </p:extLst>
 </p:presentation>
 </file>
 
@@ -255,7 +260,7 @@
           <a:p>
             <a:fld id="{C415CA74-3952-BD4B-AE8D-88D35F82BC16}" type="datetimeFigureOut">
               <a:rPr lang="en-US" smtClean="0"/>
-              <a:t>4/24/20</a:t>
+              <a:t>6/12/20</a:t>
             </a:fld>
             <a:endParaRPr lang="en-US"/>
           </a:p>
@@ -453,7 +458,7 @@
           <a:p>
             <a:fld id="{C415CA74-3952-BD4B-AE8D-88D35F82BC16}" type="datetimeFigureOut">
               <a:rPr lang="en-US" smtClean="0"/>
-              <a:t>4/24/20</a:t>
+              <a:t>6/12/20</a:t>
             </a:fld>
             <a:endParaRPr lang="en-US"/>
           </a:p>
@@ -661,7 +666,7 @@
           <a:p>
             <a:fld id="{C415CA74-3952-BD4B-AE8D-88D35F82BC16}" type="datetimeFigureOut">
               <a:rPr lang="en-US" smtClean="0"/>
-              <a:t>4/24/20</a:t>
+              <a:t>6/12/20</a:t>
             </a:fld>
             <a:endParaRPr lang="en-US"/>
           </a:p>
@@ -859,7 +864,7 @@
           <a:p>
             <a:fld id="{C415CA74-3952-BD4B-AE8D-88D35F82BC16}" type="datetimeFigureOut">
               <a:rPr lang="en-US" smtClean="0"/>
-              <a:t>4/24/20</a:t>
+              <a:t>6/12/20</a:t>
             </a:fld>
             <a:endParaRPr lang="en-US"/>
           </a:p>
@@ -1134,7 +1139,7 @@
           <a:p>
             <a:fld id="{C415CA74-3952-BD4B-AE8D-88D35F82BC16}" type="datetimeFigureOut">
               <a:rPr lang="en-US" smtClean="0"/>
-              <a:t>4/24/20</a:t>
+              <a:t>6/12/20</a:t>
             </a:fld>
             <a:endParaRPr lang="en-US"/>
           </a:p>
@@ -1399,7 +1404,7 @@
           <a:p>
             <a:fld id="{C415CA74-3952-BD4B-AE8D-88D35F82BC16}" type="datetimeFigureOut">
               <a:rPr lang="en-US" smtClean="0"/>
-              <a:t>4/24/20</a:t>
+              <a:t>6/12/20</a:t>
             </a:fld>
             <a:endParaRPr lang="en-US"/>
           </a:p>
@@ -1811,7 +1816,7 @@
           <a:p>
             <a:fld id="{C415CA74-3952-BD4B-AE8D-88D35F82BC16}" type="datetimeFigureOut">
               <a:rPr lang="en-US" smtClean="0"/>
-              <a:t>4/24/20</a:t>
+              <a:t>6/12/20</a:t>
             </a:fld>
             <a:endParaRPr lang="en-US"/>
           </a:p>
@@ -1952,7 +1957,7 @@
           <a:p>
             <a:fld id="{C415CA74-3952-BD4B-AE8D-88D35F82BC16}" type="datetimeFigureOut">
               <a:rPr lang="en-US" smtClean="0"/>
-              <a:t>4/24/20</a:t>
+              <a:t>6/12/20</a:t>
             </a:fld>
             <a:endParaRPr lang="en-US"/>
           </a:p>
@@ -2065,7 +2070,7 @@
           <a:p>
             <a:fld id="{C415CA74-3952-BD4B-AE8D-88D35F82BC16}" type="datetimeFigureOut">
               <a:rPr lang="en-US" smtClean="0"/>
-              <a:t>4/24/20</a:t>
+              <a:t>6/12/20</a:t>
             </a:fld>
             <a:endParaRPr lang="en-US"/>
           </a:p>
@@ -2376,7 +2381,7 @@
           <a:p>
             <a:fld id="{C415CA74-3952-BD4B-AE8D-88D35F82BC16}" type="datetimeFigureOut">
               <a:rPr lang="en-US" smtClean="0"/>
-              <a:t>4/24/20</a:t>
+              <a:t>6/12/20</a:t>
             </a:fld>
             <a:endParaRPr lang="en-US"/>
           </a:p>
@@ -2664,7 +2669,7 @@
           <a:p>
             <a:fld id="{C415CA74-3952-BD4B-AE8D-88D35F82BC16}" type="datetimeFigureOut">
               <a:rPr lang="en-US" smtClean="0"/>
-              <a:t>4/24/20</a:t>
+              <a:t>6/12/20</a:t>
             </a:fld>
             <a:endParaRPr lang="en-US"/>
           </a:p>
@@ -2905,7 +2910,7 @@
           <a:p>
             <a:fld id="{C415CA74-3952-BD4B-AE8D-88D35F82BC16}" type="datetimeFigureOut">
               <a:rPr lang="en-US" smtClean="0"/>
-              <a:t>4/24/20</a:t>
+              <a:t>6/12/20</a:t>
             </a:fld>
             <a:endParaRPr lang="en-US"/>
           </a:p>
@@ -3324,10 +3329,10 @@
       </p:grpSpPr>
       <p:grpSp>
         <p:nvGrpSpPr>
-          <p:cNvPr id="25" name="Group 24">
-            <a:extLst>
-              <a:ext uri="{FF2B5EF4-FFF2-40B4-BE49-F238E27FC236}">
-                <a16:creationId xmlns:a16="http://schemas.microsoft.com/office/drawing/2014/main" id="{A4D9F6DD-E01F-784C-902B-EB4DD96180A7}"/>
+          <p:cNvPr id="2" name="Group 1">
+            <a:extLst>
+              <a:ext uri="{FF2B5EF4-FFF2-40B4-BE49-F238E27FC236}">
+                <a16:creationId xmlns:a16="http://schemas.microsoft.com/office/drawing/2014/main" id="{17F6126F-CB62-F241-8DEC-8C3D40A3410C}"/>
               </a:ext>
             </a:extLst>
           </p:cNvPr>
@@ -4133,53 +4138,6 @@
             </a:p>
           </p:txBody>
         </p:sp>
-        <p:pic>
-          <p:nvPicPr>
-            <p:cNvPr id="1038" name="Picture 14" descr="Machine Learning Industrial Training Courses Institute in Delhi">
-              <a:extLst>
-                <a:ext uri="{FF2B5EF4-FFF2-40B4-BE49-F238E27FC236}">
-                  <a16:creationId xmlns:a16="http://schemas.microsoft.com/office/drawing/2014/main" id="{A09F698C-D67D-1D47-B525-806031BEFA18}"/>
-                </a:ext>
-              </a:extLst>
-            </p:cNvPr>
-            <p:cNvPicPr>
-              <a:picLocks noChangeAspect="1" noChangeArrowheads="1"/>
-            </p:cNvPicPr>
-            <p:nvPr/>
-          </p:nvPicPr>
-          <p:blipFill>
-            <a:blip r:embed="rId7">
-              <a:extLst>
-                <a:ext uri="{28A0092B-C50C-407E-A947-70E740481C1C}">
-                  <a14:useLocalDpi xmlns:a14="http://schemas.microsoft.com/office/drawing/2010/main" val="0"/>
-                </a:ext>
-              </a:extLst>
-            </a:blip>
-            <a:srcRect/>
-            <a:stretch>
-              <a:fillRect/>
-            </a:stretch>
-          </p:blipFill>
-          <p:spPr bwMode="auto">
-            <a:xfrm>
-              <a:off x="8036174" y="1070279"/>
-              <a:ext cx="931981" cy="931981"/>
-            </a:xfrm>
-            <a:prstGeom prst="rect">
-              <a:avLst/>
-            </a:prstGeom>
-            <a:noFill/>
-            <a:extLst>
-              <a:ext uri="{909E8E84-426E-40DD-AFC4-6F175D3DCCD1}">
-                <a14:hiddenFill xmlns:a14="http://schemas.microsoft.com/office/drawing/2010/main">
-                  <a:solidFill>
-                    <a:srgbClr val="FFFFFF"/>
-                  </a:solidFill>
-                </a14:hiddenFill>
-              </a:ext>
-            </a:extLst>
-          </p:spPr>
-        </p:pic>
         <p:sp>
           <p:nvSpPr>
             <p:cNvPr id="27" name="Rounded Rectangle 26">
@@ -4259,7 +4217,7 @@
             <p:nvPr/>
           </p:nvPicPr>
           <p:blipFill>
-            <a:blip r:embed="rId8">
+            <a:blip r:embed="rId7">
               <a:extLst>
                 <a:ext uri="{28A0092B-C50C-407E-A947-70E740481C1C}">
                   <a14:useLocalDpi xmlns:a14="http://schemas.microsoft.com/office/drawing/2010/main" val="0"/>
@@ -4370,7 +4328,7 @@
             <p:nvPr/>
           </p:nvPicPr>
           <p:blipFill>
-            <a:blip r:embed="rId9"/>
+            <a:blip r:embed="rId8"/>
             <a:stretch>
               <a:fillRect/>
             </a:stretch>
@@ -4832,7 +4790,7 @@
             <p:nvPr/>
           </p:nvPicPr>
           <p:blipFill>
-            <a:blip r:embed="rId10">
+            <a:blip r:embed="rId9">
               <a:extLst>
                 <a:ext uri="{28A0092B-C50C-407E-A947-70E740481C1C}">
                   <a14:useLocalDpi xmlns:a14="http://schemas.microsoft.com/office/drawing/2010/main" val="0"/>
@@ -4870,6 +4828,53 @@
               <a:extLst>
                 <a:ext uri="{FF2B5EF4-FFF2-40B4-BE49-F238E27FC236}">
                   <a16:creationId xmlns:a16="http://schemas.microsoft.com/office/drawing/2014/main" id="{67B6B685-F74E-4348-BA74-CED4A6391C01}"/>
+                </a:ext>
+              </a:extLst>
+            </p:cNvPr>
+            <p:cNvPicPr>
+              <a:picLocks noChangeAspect="1" noChangeArrowheads="1"/>
+            </p:cNvPicPr>
+            <p:nvPr/>
+          </p:nvPicPr>
+          <p:blipFill>
+            <a:blip r:embed="rId10">
+              <a:extLst>
+                <a:ext uri="{28A0092B-C50C-407E-A947-70E740481C1C}">
+                  <a14:useLocalDpi xmlns:a14="http://schemas.microsoft.com/office/drawing/2010/main" val="0"/>
+                </a:ext>
+              </a:extLst>
+            </a:blip>
+            <a:srcRect/>
+            <a:stretch>
+              <a:fillRect/>
+            </a:stretch>
+          </p:blipFill>
+          <p:spPr bwMode="auto">
+            <a:xfrm>
+              <a:off x="9819057" y="669919"/>
+              <a:ext cx="1559060" cy="1559060"/>
+            </a:xfrm>
+            <a:prstGeom prst="rect">
+              <a:avLst/>
+            </a:prstGeom>
+            <a:noFill/>
+            <a:extLst>
+              <a:ext uri="{909E8E84-426E-40DD-AFC4-6F175D3DCCD1}">
+                <a14:hiddenFill xmlns:a14="http://schemas.microsoft.com/office/drawing/2010/main">
+                  <a:solidFill>
+                    <a:srgbClr val="FFFFFF"/>
+                  </a:solidFill>
+                </a14:hiddenFill>
+              </a:ext>
+            </a:extLst>
+          </p:spPr>
+        </p:pic>
+        <p:pic>
+          <p:nvPicPr>
+            <p:cNvPr id="45" name="Picture 2" descr="Image result for nextflow logo">
+              <a:extLst>
+                <a:ext uri="{FF2B5EF4-FFF2-40B4-BE49-F238E27FC236}">
+                  <a16:creationId xmlns:a16="http://schemas.microsoft.com/office/drawing/2014/main" id="{E61C07FB-4ABF-E44A-A107-66B61850A02C}"/>
                 </a:ext>
               </a:extLst>
             </p:cNvPr>
@@ -4893,8 +4898,8 @@
           </p:blipFill>
           <p:spPr bwMode="auto">
             <a:xfrm>
-              <a:off x="9819057" y="669919"/>
-              <a:ext cx="1559060" cy="1559060"/>
+              <a:off x="3711434" y="4385913"/>
+              <a:ext cx="2951371" cy="593215"/>
             </a:xfrm>
             <a:prstGeom prst="rect">
               <a:avLst/>
@@ -4913,10 +4918,10 @@
         </p:pic>
         <p:pic>
           <p:nvPicPr>
-            <p:cNvPr id="45" name="Picture 2" descr="Image result for nextflow logo">
+            <p:cNvPr id="1040" name="Picture 16" descr="@bionitio-team">
               <a:extLst>
                 <a:ext uri="{FF2B5EF4-FFF2-40B4-BE49-F238E27FC236}">
-                  <a16:creationId xmlns:a16="http://schemas.microsoft.com/office/drawing/2014/main" id="{E61C07FB-4ABF-E44A-A107-66B61850A02C}"/>
+                  <a16:creationId xmlns:a16="http://schemas.microsoft.com/office/drawing/2014/main" id="{BEC34F1E-65D8-FD47-B4DF-65BE1C62564A}"/>
                 </a:ext>
               </a:extLst>
             </p:cNvPr>
@@ -4940,8 +4945,8 @@
           </p:blipFill>
           <p:spPr bwMode="auto">
             <a:xfrm>
-              <a:off x="3711434" y="4385913"/>
-              <a:ext cx="2951371" cy="593215"/>
+              <a:off x="3666819" y="958979"/>
+              <a:ext cx="1270000" cy="1270000"/>
             </a:xfrm>
             <a:prstGeom prst="rect">
               <a:avLst/>
@@ -4960,10 +4965,10 @@
         </p:pic>
         <p:pic>
           <p:nvPicPr>
-            <p:cNvPr id="1040" name="Picture 16" descr="@bionitio-team">
+            <p:cNvPr id="34" name="Picture 2" descr="CEMBIO logo header">
               <a:extLst>
                 <a:ext uri="{FF2B5EF4-FFF2-40B4-BE49-F238E27FC236}">
-                  <a16:creationId xmlns:a16="http://schemas.microsoft.com/office/drawing/2014/main" id="{BEC34F1E-65D8-FD47-B4DF-65BE1C62564A}"/>
+                  <a16:creationId xmlns:a16="http://schemas.microsoft.com/office/drawing/2014/main" id="{197219C4-6E9F-6644-87EA-B3486B122EA1}"/>
                 </a:ext>
               </a:extLst>
             </p:cNvPr>
@@ -4987,8 +4992,8 @@
           </p:blipFill>
           <p:spPr bwMode="auto">
             <a:xfrm>
-              <a:off x="3666819" y="958979"/>
-              <a:ext cx="1270000" cy="1270000"/>
+              <a:off x="7882783" y="1290806"/>
+              <a:ext cx="1343523" cy="480760"/>
             </a:xfrm>
             <a:prstGeom prst="rect">
               <a:avLst/>

--- a/figs/workflow.pptx
+++ b/figs/workflow.pptx
@@ -260,7 +260,7 @@
           <a:p>
             <a:fld id="{C415CA74-3952-BD4B-AE8D-88D35F82BC16}" type="datetimeFigureOut">
               <a:rPr lang="en-US" smtClean="0"/>
-              <a:t>6/12/20</a:t>
+              <a:t>8/15/20</a:t>
             </a:fld>
             <a:endParaRPr lang="en-US"/>
           </a:p>
@@ -458,7 +458,7 @@
           <a:p>
             <a:fld id="{C415CA74-3952-BD4B-AE8D-88D35F82BC16}" type="datetimeFigureOut">
               <a:rPr lang="en-US" smtClean="0"/>
-              <a:t>6/12/20</a:t>
+              <a:t>8/15/20</a:t>
             </a:fld>
             <a:endParaRPr lang="en-US"/>
           </a:p>
@@ -666,7 +666,7 @@
           <a:p>
             <a:fld id="{C415CA74-3952-BD4B-AE8D-88D35F82BC16}" type="datetimeFigureOut">
               <a:rPr lang="en-US" smtClean="0"/>
-              <a:t>6/12/20</a:t>
+              <a:t>8/15/20</a:t>
             </a:fld>
             <a:endParaRPr lang="en-US"/>
           </a:p>
@@ -864,7 +864,7 @@
           <a:p>
             <a:fld id="{C415CA74-3952-BD4B-AE8D-88D35F82BC16}" type="datetimeFigureOut">
               <a:rPr lang="en-US" smtClean="0"/>
-              <a:t>6/12/20</a:t>
+              <a:t>8/15/20</a:t>
             </a:fld>
             <a:endParaRPr lang="en-US"/>
           </a:p>
@@ -1139,7 +1139,7 @@
           <a:p>
             <a:fld id="{C415CA74-3952-BD4B-AE8D-88D35F82BC16}" type="datetimeFigureOut">
               <a:rPr lang="en-US" smtClean="0"/>
-              <a:t>6/12/20</a:t>
+              <a:t>8/15/20</a:t>
             </a:fld>
             <a:endParaRPr lang="en-US"/>
           </a:p>
@@ -1404,7 +1404,7 @@
           <a:p>
             <a:fld id="{C415CA74-3952-BD4B-AE8D-88D35F82BC16}" type="datetimeFigureOut">
               <a:rPr lang="en-US" smtClean="0"/>
-              <a:t>6/12/20</a:t>
+              <a:t>8/15/20</a:t>
             </a:fld>
             <a:endParaRPr lang="en-US"/>
           </a:p>
@@ -1816,7 +1816,7 @@
           <a:p>
             <a:fld id="{C415CA74-3952-BD4B-AE8D-88D35F82BC16}" type="datetimeFigureOut">
               <a:rPr lang="en-US" smtClean="0"/>
-              <a:t>6/12/20</a:t>
+              <a:t>8/15/20</a:t>
             </a:fld>
             <a:endParaRPr lang="en-US"/>
           </a:p>
@@ -1957,7 +1957,7 @@
           <a:p>
             <a:fld id="{C415CA74-3952-BD4B-AE8D-88D35F82BC16}" type="datetimeFigureOut">
               <a:rPr lang="en-US" smtClean="0"/>
-              <a:t>6/12/20</a:t>
+              <a:t>8/15/20</a:t>
             </a:fld>
             <a:endParaRPr lang="en-US"/>
           </a:p>
@@ -2070,7 +2070,7 @@
           <a:p>
             <a:fld id="{C415CA74-3952-BD4B-AE8D-88D35F82BC16}" type="datetimeFigureOut">
               <a:rPr lang="en-US" smtClean="0"/>
-              <a:t>6/12/20</a:t>
+              <a:t>8/15/20</a:t>
             </a:fld>
             <a:endParaRPr lang="en-US"/>
           </a:p>
@@ -2381,7 +2381,7 @@
           <a:p>
             <a:fld id="{C415CA74-3952-BD4B-AE8D-88D35F82BC16}" type="datetimeFigureOut">
               <a:rPr lang="en-US" smtClean="0"/>
-              <a:t>6/12/20</a:t>
+              <a:t>8/15/20</a:t>
             </a:fld>
             <a:endParaRPr lang="en-US"/>
           </a:p>
@@ -2669,7 +2669,7 @@
           <a:p>
             <a:fld id="{C415CA74-3952-BD4B-AE8D-88D35F82BC16}" type="datetimeFigureOut">
               <a:rPr lang="en-US" smtClean="0"/>
-              <a:t>6/12/20</a:t>
+              <a:t>8/15/20</a:t>
             </a:fld>
             <a:endParaRPr lang="en-US"/>
           </a:p>
@@ -2910,7 +2910,7 @@
           <a:p>
             <a:fld id="{C415CA74-3952-BD4B-AE8D-88D35F82BC16}" type="datetimeFigureOut">
               <a:rPr lang="en-US" smtClean="0"/>
-              <a:t>6/12/20</a:t>
+              <a:t>8/15/20</a:t>
             </a:fld>
             <a:endParaRPr lang="en-US"/>
           </a:p>
@@ -3329,10 +3329,10 @@
       </p:grpSpPr>
       <p:grpSp>
         <p:nvGrpSpPr>
-          <p:cNvPr id="2" name="Group 1">
-            <a:extLst>
-              <a:ext uri="{FF2B5EF4-FFF2-40B4-BE49-F238E27FC236}">
-                <a16:creationId xmlns:a16="http://schemas.microsoft.com/office/drawing/2014/main" id="{17F6126F-CB62-F241-8DEC-8C3D40A3410C}"/>
+          <p:cNvPr id="7" name="Group 6">
+            <a:extLst>
+              <a:ext uri="{FF2B5EF4-FFF2-40B4-BE49-F238E27FC236}">
+                <a16:creationId xmlns:a16="http://schemas.microsoft.com/office/drawing/2014/main" id="{1B493D92-646C-9742-84F6-7A6FEFB3C832}"/>
               </a:ext>
             </a:extLst>
           </p:cNvPr>
@@ -3393,7 +3393,7 @@
             <a:lstStyle/>
             <a:p>
               <a:pPr algn="ctr"/>
-              <a:endParaRPr lang="en-US"/>
+              <a:endParaRPr lang="en-US" dirty="0"/>
             </a:p>
           </p:txBody>
         </p:sp>
@@ -3411,7 +3411,7 @@
           </p:nvSpPr>
           <p:spPr>
             <a:xfrm>
-              <a:off x="722685" y="2413416"/>
+              <a:off x="722685" y="3056509"/>
               <a:ext cx="991981" cy="1379095"/>
             </a:xfrm>
             <a:prstGeom prst="roundRect">
@@ -3498,7 +3498,7 @@
           </p:blipFill>
           <p:spPr bwMode="auto">
             <a:xfrm>
-              <a:off x="844857" y="2506063"/>
+              <a:off x="844857" y="3149156"/>
               <a:ext cx="747635" cy="783237"/>
             </a:xfrm>
             <a:prstGeom prst="rect">
@@ -3530,7 +3530,7 @@
           </p:nvSpPr>
           <p:spPr>
             <a:xfrm>
-              <a:off x="2045517" y="2413416"/>
+              <a:off x="2045517" y="3056509"/>
               <a:ext cx="991981" cy="1379095"/>
             </a:xfrm>
             <a:prstGeom prst="roundRect">
@@ -3617,7 +3617,7 @@
           </p:blipFill>
           <p:spPr bwMode="auto">
             <a:xfrm>
-              <a:off x="2247715" y="2506063"/>
+              <a:off x="2247715" y="3149156"/>
               <a:ext cx="619027" cy="950337"/>
             </a:xfrm>
             <a:prstGeom prst="rect">
@@ -4357,7 +4357,7 @@
           </p:nvSpPr>
           <p:spPr>
             <a:xfrm>
-              <a:off x="1793433" y="2991397"/>
+              <a:off x="1793433" y="3634490"/>
               <a:ext cx="218229" cy="297432"/>
             </a:xfrm>
             <a:prstGeom prst="notchedRightArrow">
@@ -4410,8 +4410,8 @@
             <p:nvPr/>
           </p:nvSpPr>
           <p:spPr>
-            <a:xfrm>
-              <a:off x="3096802" y="2997267"/>
+            <a:xfrm rot="19792549">
+              <a:off x="3096802" y="3459490"/>
               <a:ext cx="218229" cy="297432"/>
             </a:xfrm>
             <a:prstGeom prst="notchedRightArrow">
@@ -4572,8 +4572,8 @@
             <p:nvPr/>
           </p:nvSpPr>
           <p:spPr>
-            <a:xfrm>
-              <a:off x="7251177" y="1615494"/>
+            <a:xfrm rot="16200000">
+              <a:off x="8437418" y="2281140"/>
               <a:ext cx="218229" cy="297432"/>
             </a:xfrm>
             <a:prstGeom prst="notchedRightArrow">
@@ -5008,6 +5008,36 @@
                 </a14:hiddenFill>
               </a:ext>
             </a:extLst>
+          </p:spPr>
+        </p:pic>
+        <p:pic>
+          <p:nvPicPr>
+            <p:cNvPr id="5" name="Picture 4" descr="A close up of a logo&#10;&#10;Description automatically generated">
+              <a:extLst>
+                <a:ext uri="{FF2B5EF4-FFF2-40B4-BE49-F238E27FC236}">
+                  <a16:creationId xmlns:a16="http://schemas.microsoft.com/office/drawing/2014/main" id="{BE6B8959-2FB8-BE49-BFB9-B0678B847F28}"/>
+                </a:ext>
+              </a:extLst>
+            </p:cNvPr>
+            <p:cNvPicPr>
+              <a:picLocks noChangeAspect="1"/>
+            </p:cNvPicPr>
+            <p:nvPr/>
+          </p:nvPicPr>
+          <p:blipFill>
+            <a:blip r:embed="rId14"/>
+            <a:stretch>
+              <a:fillRect/>
+            </a:stretch>
+          </p:blipFill>
+          <p:spPr>
+            <a:xfrm>
+              <a:off x="750327" y="651624"/>
+              <a:ext cx="2152515" cy="2152515"/>
+            </a:xfrm>
+            <a:prstGeom prst="rect">
+              <a:avLst/>
+            </a:prstGeom>
           </p:spPr>
         </p:pic>
       </p:grpSp>

--- a/figs/workflow.pptx
+++ b/figs/workflow.pptx
@@ -2,19 +2,19 @@
 <file path=ppt/presentation.xml><?xml version="1.0" encoding="utf-8"?>
 <p:presentation xmlns:a="http://schemas.openxmlformats.org/drawingml/2006/main" xmlns:r="http://schemas.openxmlformats.org/officeDocument/2006/relationships" xmlns:p="http://schemas.openxmlformats.org/presentationml/2006/main" saveSubsetFonts="1" autoCompressPictures="0">
   <p:sldMasterIdLst>
-    <p:sldMasterId id="2147483648" r:id="rId1"/>
+    <p:sldMasterId id="2147483660" r:id="rId1"/>
   </p:sldMasterIdLst>
   <p:sldIdLst>
     <p:sldId id="256" r:id="rId2"/>
-    <p:sldId id="908" r:id="rId3"/>
+    <p:sldId id="257" r:id="rId3"/>
   </p:sldIdLst>
-  <p:sldSz cx="12192000" cy="6858000"/>
+  <p:sldSz cx="13746163" cy="9144000"/>
   <p:notesSz cx="6858000" cy="9144000"/>
   <p:defaultTextStyle>
     <a:defPPr>
       <a:defRPr lang="en-US"/>
     </a:defPPr>
-    <a:lvl1pPr marL="0" algn="l" defTabSz="914400" rtl="0" eaLnBrk="1" latinLnBrk="0" hangingPunct="1">
+    <a:lvl1pPr marL="0" algn="l" defTabSz="457200" rtl="0" eaLnBrk="1" latinLnBrk="0" hangingPunct="1">
       <a:defRPr sz="1800" kern="1200">
         <a:solidFill>
           <a:schemeClr val="tx1"/>
@@ -24,7 +24,7 @@
         <a:cs typeface="+mn-cs"/>
       </a:defRPr>
     </a:lvl1pPr>
-    <a:lvl2pPr marL="457200" algn="l" defTabSz="914400" rtl="0" eaLnBrk="1" latinLnBrk="0" hangingPunct="1">
+    <a:lvl2pPr marL="457200" algn="l" defTabSz="457200" rtl="0" eaLnBrk="1" latinLnBrk="0" hangingPunct="1">
       <a:defRPr sz="1800" kern="1200">
         <a:solidFill>
           <a:schemeClr val="tx1"/>
@@ -34,7 +34,7 @@
         <a:cs typeface="+mn-cs"/>
       </a:defRPr>
     </a:lvl2pPr>
-    <a:lvl3pPr marL="914400" algn="l" defTabSz="914400" rtl="0" eaLnBrk="1" latinLnBrk="0" hangingPunct="1">
+    <a:lvl3pPr marL="914400" algn="l" defTabSz="457200" rtl="0" eaLnBrk="1" latinLnBrk="0" hangingPunct="1">
       <a:defRPr sz="1800" kern="1200">
         <a:solidFill>
           <a:schemeClr val="tx1"/>
@@ -44,7 +44,7 @@
         <a:cs typeface="+mn-cs"/>
       </a:defRPr>
     </a:lvl3pPr>
-    <a:lvl4pPr marL="1371600" algn="l" defTabSz="914400" rtl="0" eaLnBrk="1" latinLnBrk="0" hangingPunct="1">
+    <a:lvl4pPr marL="1371600" algn="l" defTabSz="457200" rtl="0" eaLnBrk="1" latinLnBrk="0" hangingPunct="1">
       <a:defRPr sz="1800" kern="1200">
         <a:solidFill>
           <a:schemeClr val="tx1"/>
@@ -54,7 +54,7 @@
         <a:cs typeface="+mn-cs"/>
       </a:defRPr>
     </a:lvl4pPr>
-    <a:lvl5pPr marL="1828800" algn="l" defTabSz="914400" rtl="0" eaLnBrk="1" latinLnBrk="0" hangingPunct="1">
+    <a:lvl5pPr marL="1828800" algn="l" defTabSz="457200" rtl="0" eaLnBrk="1" latinLnBrk="0" hangingPunct="1">
       <a:defRPr sz="1800" kern="1200">
         <a:solidFill>
           <a:schemeClr val="tx1"/>
@@ -64,7 +64,7 @@
         <a:cs typeface="+mn-cs"/>
       </a:defRPr>
     </a:lvl5pPr>
-    <a:lvl6pPr marL="2286000" algn="l" defTabSz="914400" rtl="0" eaLnBrk="1" latinLnBrk="0" hangingPunct="1">
+    <a:lvl6pPr marL="2286000" algn="l" defTabSz="457200" rtl="0" eaLnBrk="1" latinLnBrk="0" hangingPunct="1">
       <a:defRPr sz="1800" kern="1200">
         <a:solidFill>
           <a:schemeClr val="tx1"/>
@@ -74,7 +74,7 @@
         <a:cs typeface="+mn-cs"/>
       </a:defRPr>
     </a:lvl6pPr>
-    <a:lvl7pPr marL="2743200" algn="l" defTabSz="914400" rtl="0" eaLnBrk="1" latinLnBrk="0" hangingPunct="1">
+    <a:lvl7pPr marL="2743200" algn="l" defTabSz="457200" rtl="0" eaLnBrk="1" latinLnBrk="0" hangingPunct="1">
       <a:defRPr sz="1800" kern="1200">
         <a:solidFill>
           <a:schemeClr val="tx1"/>
@@ -84,7 +84,7 @@
         <a:cs typeface="+mn-cs"/>
       </a:defRPr>
     </a:lvl7pPr>
-    <a:lvl8pPr marL="3200400" algn="l" defTabSz="914400" rtl="0" eaLnBrk="1" latinLnBrk="0" hangingPunct="1">
+    <a:lvl8pPr marL="3200400" algn="l" defTabSz="457200" rtl="0" eaLnBrk="1" latinLnBrk="0" hangingPunct="1">
       <a:defRPr sz="1800" kern="1200">
         <a:solidFill>
           <a:schemeClr val="tx1"/>
@@ -94,7 +94,7 @@
         <a:cs typeface="+mn-cs"/>
       </a:defRPr>
     </a:lvl8pPr>
-    <a:lvl9pPr marL="3657600" algn="l" defTabSz="914400" rtl="0" eaLnBrk="1" latinLnBrk="0" hangingPunct="1">
+    <a:lvl9pPr marL="3657600" algn="l" defTabSz="457200" rtl="0" eaLnBrk="1" latinLnBrk="0" hangingPunct="1">
       <a:defRPr sz="1800" kern="1200">
         <a:solidFill>
           <a:schemeClr val="tx1"/>
@@ -132,13 +132,7 @@
       </p:grpSpPr>
       <p:sp>
         <p:nvSpPr>
-          <p:cNvPr id="2" name="Title 1">
-            <a:extLst>
-              <a:ext uri="{FF2B5EF4-FFF2-40B4-BE49-F238E27FC236}">
-                <a16:creationId xmlns:a16="http://schemas.microsoft.com/office/drawing/2014/main" id="{E14361E7-421D-C840-94BC-96A91BD89C4E}"/>
-              </a:ext>
-            </a:extLst>
-          </p:cNvPr>
+          <p:cNvPr id="2" name="Title 1"/>
           <p:cNvSpPr>
             <a:spLocks noGrp="1"/>
           </p:cNvSpPr>
@@ -148,15 +142,15 @@
         </p:nvSpPr>
         <p:spPr>
           <a:xfrm>
-            <a:off x="1524000" y="1122363"/>
-            <a:ext cx="9144000" cy="2387600"/>
+            <a:off x="1030962" y="1496484"/>
+            <a:ext cx="11684239" cy="3183467"/>
           </a:xfrm>
         </p:spPr>
         <p:txBody>
           <a:bodyPr anchor="b"/>
           <a:lstStyle>
             <a:lvl1pPr algn="ctr">
-              <a:defRPr sz="6000"/>
+              <a:defRPr sz="8000"/>
             </a:lvl1pPr>
           </a:lstStyle>
           <a:p>
@@ -164,18 +158,13 @@
               <a:rPr lang="en-US"/>
               <a:t>Click to edit Master title style</a:t>
             </a:r>
+            <a:endParaRPr lang="en-US" dirty="0"/>
           </a:p>
         </p:txBody>
       </p:sp>
       <p:sp>
         <p:nvSpPr>
-          <p:cNvPr id="3" name="Subtitle 2">
-            <a:extLst>
-              <a:ext uri="{FF2B5EF4-FFF2-40B4-BE49-F238E27FC236}">
-                <a16:creationId xmlns:a16="http://schemas.microsoft.com/office/drawing/2014/main" id="{D49AA09D-1B0D-A841-A3CA-62B53D608A99}"/>
-              </a:ext>
-            </a:extLst>
-          </p:cNvPr>
+          <p:cNvPr id="3" name="Subtitle 2"/>
           <p:cNvSpPr>
             <a:spLocks noGrp="1"/>
           </p:cNvSpPr>
@@ -185,8 +174,8 @@
         </p:nvSpPr>
         <p:spPr>
           <a:xfrm>
-            <a:off x="1524000" y="3602038"/>
-            <a:ext cx="9144000" cy="1655762"/>
+            <a:off x="1718271" y="4802717"/>
+            <a:ext cx="10309622" cy="2207683"/>
           </a:xfrm>
         </p:spPr>
         <p:txBody>
@@ -194,39 +183,39 @@
           <a:lstStyle>
             <a:lvl1pPr marL="0" indent="0" algn="ctr">
               <a:buNone/>
+              <a:defRPr sz="3200"/>
+            </a:lvl1pPr>
+            <a:lvl2pPr marL="609585" indent="0" algn="ctr">
+              <a:buNone/>
+              <a:defRPr sz="2667"/>
+            </a:lvl2pPr>
+            <a:lvl3pPr marL="1219170" indent="0" algn="ctr">
+              <a:buNone/>
               <a:defRPr sz="2400"/>
-            </a:lvl1pPr>
-            <a:lvl2pPr marL="457200" indent="0" algn="ctr">
+            </a:lvl3pPr>
+            <a:lvl4pPr marL="1828754" indent="0" algn="ctr">
               <a:buNone/>
-              <a:defRPr sz="2000"/>
-            </a:lvl2pPr>
-            <a:lvl3pPr marL="914400" indent="0" algn="ctr">
+              <a:defRPr sz="2133"/>
+            </a:lvl4pPr>
+            <a:lvl5pPr marL="2438339" indent="0" algn="ctr">
               <a:buNone/>
-              <a:defRPr sz="1800"/>
-            </a:lvl3pPr>
-            <a:lvl4pPr marL="1371600" indent="0" algn="ctr">
+              <a:defRPr sz="2133"/>
+            </a:lvl5pPr>
+            <a:lvl6pPr marL="3047924" indent="0" algn="ctr">
               <a:buNone/>
-              <a:defRPr sz="1600"/>
-            </a:lvl4pPr>
-            <a:lvl5pPr marL="1828800" indent="0" algn="ctr">
+              <a:defRPr sz="2133"/>
+            </a:lvl6pPr>
+            <a:lvl7pPr marL="3657509" indent="0" algn="ctr">
               <a:buNone/>
-              <a:defRPr sz="1600"/>
-            </a:lvl5pPr>
-            <a:lvl6pPr marL="2286000" indent="0" algn="ctr">
+              <a:defRPr sz="2133"/>
+            </a:lvl7pPr>
+            <a:lvl8pPr marL="4267093" indent="0" algn="ctr">
               <a:buNone/>
-              <a:defRPr sz="1600"/>
-            </a:lvl6pPr>
-            <a:lvl7pPr marL="2743200" indent="0" algn="ctr">
+              <a:defRPr sz="2133"/>
+            </a:lvl8pPr>
+            <a:lvl9pPr marL="4876678" indent="0" algn="ctr">
               <a:buNone/>
-              <a:defRPr sz="1600"/>
-            </a:lvl7pPr>
-            <a:lvl8pPr marL="3200400" indent="0" algn="ctr">
-              <a:buNone/>
-              <a:defRPr sz="1600"/>
-            </a:lvl8pPr>
-            <a:lvl9pPr marL="3657600" indent="0" algn="ctr">
-              <a:buNone/>
-              <a:defRPr sz="1600"/>
+              <a:defRPr sz="2133"/>
             </a:lvl9pPr>
           </a:lstStyle>
           <a:p>
@@ -234,18 +223,13 @@
               <a:rPr lang="en-US"/>
               <a:t>Click to edit Master subtitle style</a:t>
             </a:r>
+            <a:endParaRPr lang="en-US" dirty="0"/>
           </a:p>
         </p:txBody>
       </p:sp>
       <p:sp>
         <p:nvSpPr>
-          <p:cNvPr id="4" name="Date Placeholder 3">
-            <a:extLst>
-              <a:ext uri="{FF2B5EF4-FFF2-40B4-BE49-F238E27FC236}">
-                <a16:creationId xmlns:a16="http://schemas.microsoft.com/office/drawing/2014/main" id="{203E043B-BAE6-BA40-ABFC-308CA7097B88}"/>
-              </a:ext>
-            </a:extLst>
-          </p:cNvPr>
+          <p:cNvPr id="4" name="Date Placeholder 3"/>
           <p:cNvSpPr>
             <a:spLocks noGrp="1"/>
           </p:cNvSpPr>
@@ -260,7 +244,7 @@
           <a:p>
             <a:fld id="{C415CA74-3952-BD4B-AE8D-88D35F82BC16}" type="datetimeFigureOut">
               <a:rPr lang="en-US" smtClean="0"/>
-              <a:t>8/15/20</a:t>
+              <a:t>9/30/20</a:t>
             </a:fld>
             <a:endParaRPr lang="en-US"/>
           </a:p>
@@ -268,13 +252,7 @@
       </p:sp>
       <p:sp>
         <p:nvSpPr>
-          <p:cNvPr id="5" name="Footer Placeholder 4">
-            <a:extLst>
-              <a:ext uri="{FF2B5EF4-FFF2-40B4-BE49-F238E27FC236}">
-                <a16:creationId xmlns:a16="http://schemas.microsoft.com/office/drawing/2014/main" id="{764226FA-8B00-DC4C-94EA-40DDD45502B8}"/>
-              </a:ext>
-            </a:extLst>
-          </p:cNvPr>
+          <p:cNvPr id="5" name="Footer Placeholder 4"/>
           <p:cNvSpPr>
             <a:spLocks noGrp="1"/>
           </p:cNvSpPr>
@@ -293,13 +271,7 @@
       </p:sp>
       <p:sp>
         <p:nvSpPr>
-          <p:cNvPr id="6" name="Slide Number Placeholder 5">
-            <a:extLst>
-              <a:ext uri="{FF2B5EF4-FFF2-40B4-BE49-F238E27FC236}">
-                <a16:creationId xmlns:a16="http://schemas.microsoft.com/office/drawing/2014/main" id="{825DD121-7C08-C34E-824F-1AC90D348C8F}"/>
-              </a:ext>
-            </a:extLst>
-          </p:cNvPr>
+          <p:cNvPr id="6" name="Slide Number Placeholder 5"/>
           <p:cNvSpPr>
             <a:spLocks noGrp="1"/>
           </p:cNvSpPr>
@@ -323,7 +295,7 @@
     </p:spTree>
     <p:extLst>
       <p:ext uri="{BB962C8B-B14F-4D97-AF65-F5344CB8AC3E}">
-        <p14:creationId xmlns:p14="http://schemas.microsoft.com/office/powerpoint/2010/main" val="661150469"/>
+        <p14:creationId xmlns:p14="http://schemas.microsoft.com/office/powerpoint/2010/main" val="3018898065"/>
       </p:ext>
     </p:extLst>
   </p:cSld>
@@ -352,13 +324,7 @@
       </p:grpSpPr>
       <p:sp>
         <p:nvSpPr>
-          <p:cNvPr id="2" name="Title 1">
-            <a:extLst>
-              <a:ext uri="{FF2B5EF4-FFF2-40B4-BE49-F238E27FC236}">
-                <a16:creationId xmlns:a16="http://schemas.microsoft.com/office/drawing/2014/main" id="{75050AE9-7E2E-4441-879A-0E8480730838}"/>
-              </a:ext>
-            </a:extLst>
-          </p:cNvPr>
+          <p:cNvPr id="2" name="Title 1"/>
           <p:cNvSpPr>
             <a:spLocks noGrp="1"/>
           </p:cNvSpPr>
@@ -375,18 +341,13 @@
               <a:rPr lang="en-US"/>
               <a:t>Click to edit Master title style</a:t>
             </a:r>
+            <a:endParaRPr lang="en-US" dirty="0"/>
           </a:p>
         </p:txBody>
       </p:sp>
       <p:sp>
         <p:nvSpPr>
-          <p:cNvPr id="3" name="Vertical Text Placeholder 2">
-            <a:extLst>
-              <a:ext uri="{FF2B5EF4-FFF2-40B4-BE49-F238E27FC236}">
-                <a16:creationId xmlns:a16="http://schemas.microsoft.com/office/drawing/2014/main" id="{E2884E70-1300-1F43-92F1-5ED87C0B2952}"/>
-              </a:ext>
-            </a:extLst>
-          </p:cNvPr>
+          <p:cNvPr id="3" name="Vertical Text Placeholder 2"/>
           <p:cNvSpPr>
             <a:spLocks noGrp="1"/>
           </p:cNvSpPr>
@@ -402,7 +363,7 @@
             <a:pPr lvl="0"/>
             <a:r>
               <a:rPr lang="en-US"/>
-              <a:t>Edit Master text styles</a:t>
+              <a:t>Click to edit Master text styles</a:t>
             </a:r>
           </a:p>
           <a:p>
@@ -432,18 +393,13 @@
               <a:rPr lang="en-US"/>
               <a:t>Fifth level</a:t>
             </a:r>
+            <a:endParaRPr lang="en-US" dirty="0"/>
           </a:p>
         </p:txBody>
       </p:sp>
       <p:sp>
         <p:nvSpPr>
-          <p:cNvPr id="4" name="Date Placeholder 3">
-            <a:extLst>
-              <a:ext uri="{FF2B5EF4-FFF2-40B4-BE49-F238E27FC236}">
-                <a16:creationId xmlns:a16="http://schemas.microsoft.com/office/drawing/2014/main" id="{7407647D-46A9-2D49-96D0-B6D4CB30C83B}"/>
-              </a:ext>
-            </a:extLst>
-          </p:cNvPr>
+          <p:cNvPr id="4" name="Date Placeholder 3"/>
           <p:cNvSpPr>
             <a:spLocks noGrp="1"/>
           </p:cNvSpPr>
@@ -458,7 +414,7 @@
           <a:p>
             <a:fld id="{C415CA74-3952-BD4B-AE8D-88D35F82BC16}" type="datetimeFigureOut">
               <a:rPr lang="en-US" smtClean="0"/>
-              <a:t>8/15/20</a:t>
+              <a:t>9/30/20</a:t>
             </a:fld>
             <a:endParaRPr lang="en-US"/>
           </a:p>
@@ -466,13 +422,7 @@
       </p:sp>
       <p:sp>
         <p:nvSpPr>
-          <p:cNvPr id="5" name="Footer Placeholder 4">
-            <a:extLst>
-              <a:ext uri="{FF2B5EF4-FFF2-40B4-BE49-F238E27FC236}">
-                <a16:creationId xmlns:a16="http://schemas.microsoft.com/office/drawing/2014/main" id="{2BD61926-B2E4-5645-A608-231FDF44E4C7}"/>
-              </a:ext>
-            </a:extLst>
-          </p:cNvPr>
+          <p:cNvPr id="5" name="Footer Placeholder 4"/>
           <p:cNvSpPr>
             <a:spLocks noGrp="1"/>
           </p:cNvSpPr>
@@ -491,13 +441,7 @@
       </p:sp>
       <p:sp>
         <p:nvSpPr>
-          <p:cNvPr id="6" name="Slide Number Placeholder 5">
-            <a:extLst>
-              <a:ext uri="{FF2B5EF4-FFF2-40B4-BE49-F238E27FC236}">
-                <a16:creationId xmlns:a16="http://schemas.microsoft.com/office/drawing/2014/main" id="{6A5A078B-3CC4-CC4D-A580-102C8D6A5A2D}"/>
-              </a:ext>
-            </a:extLst>
-          </p:cNvPr>
+          <p:cNvPr id="6" name="Slide Number Placeholder 5"/>
           <p:cNvSpPr>
             <a:spLocks noGrp="1"/>
           </p:cNvSpPr>
@@ -521,7 +465,7 @@
     </p:spTree>
     <p:extLst>
       <p:ext uri="{BB962C8B-B14F-4D97-AF65-F5344CB8AC3E}">
-        <p14:creationId xmlns:p14="http://schemas.microsoft.com/office/powerpoint/2010/main" val="2401491770"/>
+        <p14:creationId xmlns:p14="http://schemas.microsoft.com/office/powerpoint/2010/main" val="1631696818"/>
       </p:ext>
     </p:extLst>
   </p:cSld>
@@ -550,13 +494,7 @@
       </p:grpSpPr>
       <p:sp>
         <p:nvSpPr>
-          <p:cNvPr id="2" name="Vertical Title 1">
-            <a:extLst>
-              <a:ext uri="{FF2B5EF4-FFF2-40B4-BE49-F238E27FC236}">
-                <a16:creationId xmlns:a16="http://schemas.microsoft.com/office/drawing/2014/main" id="{E4BE9721-3AF7-714E-B2BA-543F37C04255}"/>
-              </a:ext>
-            </a:extLst>
-          </p:cNvPr>
+          <p:cNvPr id="2" name="Vertical Title 1"/>
           <p:cNvSpPr>
             <a:spLocks noGrp="1"/>
           </p:cNvSpPr>
@@ -566,8 +504,8 @@
         </p:nvSpPr>
         <p:spPr>
           <a:xfrm>
-            <a:off x="8724900" y="365125"/>
-            <a:ext cx="2628900" cy="5811838"/>
+            <a:off x="9837099" y="486834"/>
+            <a:ext cx="2964016" cy="7749117"/>
           </a:xfrm>
         </p:spPr>
         <p:txBody>
@@ -578,18 +516,13 @@
               <a:rPr lang="en-US"/>
               <a:t>Click to edit Master title style</a:t>
             </a:r>
+            <a:endParaRPr lang="en-US" dirty="0"/>
           </a:p>
         </p:txBody>
       </p:sp>
       <p:sp>
         <p:nvSpPr>
-          <p:cNvPr id="3" name="Vertical Text Placeholder 2">
-            <a:extLst>
-              <a:ext uri="{FF2B5EF4-FFF2-40B4-BE49-F238E27FC236}">
-                <a16:creationId xmlns:a16="http://schemas.microsoft.com/office/drawing/2014/main" id="{B39FC9F9-4697-1C45-84B2-F84BBEBFF1DA}"/>
-              </a:ext>
-            </a:extLst>
-          </p:cNvPr>
+          <p:cNvPr id="3" name="Vertical Text Placeholder 2"/>
           <p:cNvSpPr>
             <a:spLocks noGrp="1"/>
           </p:cNvSpPr>
@@ -599,8 +532,8 @@
         </p:nvSpPr>
         <p:spPr>
           <a:xfrm>
-            <a:off x="838200" y="365125"/>
-            <a:ext cx="7734300" cy="5811838"/>
+            <a:off x="945050" y="486834"/>
+            <a:ext cx="8720222" cy="7749117"/>
           </a:xfrm>
         </p:spPr>
         <p:txBody>
@@ -610,7 +543,7 @@
             <a:pPr lvl="0"/>
             <a:r>
               <a:rPr lang="en-US"/>
-              <a:t>Edit Master text styles</a:t>
+              <a:t>Click to edit Master text styles</a:t>
             </a:r>
           </a:p>
           <a:p>
@@ -640,18 +573,13 @@
               <a:rPr lang="en-US"/>
               <a:t>Fifth level</a:t>
             </a:r>
+            <a:endParaRPr lang="en-US" dirty="0"/>
           </a:p>
         </p:txBody>
       </p:sp>
       <p:sp>
         <p:nvSpPr>
-          <p:cNvPr id="4" name="Date Placeholder 3">
-            <a:extLst>
-              <a:ext uri="{FF2B5EF4-FFF2-40B4-BE49-F238E27FC236}">
-                <a16:creationId xmlns:a16="http://schemas.microsoft.com/office/drawing/2014/main" id="{50A0578E-D029-F542-8963-91CEBAB9C5F9}"/>
-              </a:ext>
-            </a:extLst>
-          </p:cNvPr>
+          <p:cNvPr id="4" name="Date Placeholder 3"/>
           <p:cNvSpPr>
             <a:spLocks noGrp="1"/>
           </p:cNvSpPr>
@@ -666,7 +594,7 @@
           <a:p>
             <a:fld id="{C415CA74-3952-BD4B-AE8D-88D35F82BC16}" type="datetimeFigureOut">
               <a:rPr lang="en-US" smtClean="0"/>
-              <a:t>8/15/20</a:t>
+              <a:t>9/30/20</a:t>
             </a:fld>
             <a:endParaRPr lang="en-US"/>
           </a:p>
@@ -674,13 +602,7 @@
       </p:sp>
       <p:sp>
         <p:nvSpPr>
-          <p:cNvPr id="5" name="Footer Placeholder 4">
-            <a:extLst>
-              <a:ext uri="{FF2B5EF4-FFF2-40B4-BE49-F238E27FC236}">
-                <a16:creationId xmlns:a16="http://schemas.microsoft.com/office/drawing/2014/main" id="{3C160469-FCE9-D549-B418-3DCC7252F329}"/>
-              </a:ext>
-            </a:extLst>
-          </p:cNvPr>
+          <p:cNvPr id="5" name="Footer Placeholder 4"/>
           <p:cNvSpPr>
             <a:spLocks noGrp="1"/>
           </p:cNvSpPr>
@@ -699,13 +621,7 @@
       </p:sp>
       <p:sp>
         <p:nvSpPr>
-          <p:cNvPr id="6" name="Slide Number Placeholder 5">
-            <a:extLst>
-              <a:ext uri="{FF2B5EF4-FFF2-40B4-BE49-F238E27FC236}">
-                <a16:creationId xmlns:a16="http://schemas.microsoft.com/office/drawing/2014/main" id="{5E176A53-8904-FB41-8BE9-5188D19DA7E8}"/>
-              </a:ext>
-            </a:extLst>
-          </p:cNvPr>
+          <p:cNvPr id="6" name="Slide Number Placeholder 5"/>
           <p:cNvSpPr>
             <a:spLocks noGrp="1"/>
           </p:cNvSpPr>
@@ -729,7 +645,7 @@
     </p:spTree>
     <p:extLst>
       <p:ext uri="{BB962C8B-B14F-4D97-AF65-F5344CB8AC3E}">
-        <p14:creationId xmlns:p14="http://schemas.microsoft.com/office/powerpoint/2010/main" val="656344267"/>
+        <p14:creationId xmlns:p14="http://schemas.microsoft.com/office/powerpoint/2010/main" val="3701415780"/>
       </p:ext>
     </p:extLst>
   </p:cSld>
@@ -758,13 +674,7 @@
       </p:grpSpPr>
       <p:sp>
         <p:nvSpPr>
-          <p:cNvPr id="2" name="Title 1">
-            <a:extLst>
-              <a:ext uri="{FF2B5EF4-FFF2-40B4-BE49-F238E27FC236}">
-                <a16:creationId xmlns:a16="http://schemas.microsoft.com/office/drawing/2014/main" id="{C329233E-0E93-754A-ADA2-BB3C77B11697}"/>
-              </a:ext>
-            </a:extLst>
-          </p:cNvPr>
+          <p:cNvPr id="2" name="Title 1"/>
           <p:cNvSpPr>
             <a:spLocks noGrp="1"/>
           </p:cNvSpPr>
@@ -781,18 +691,13 @@
               <a:rPr lang="en-US"/>
               <a:t>Click to edit Master title style</a:t>
             </a:r>
+            <a:endParaRPr lang="en-US" dirty="0"/>
           </a:p>
         </p:txBody>
       </p:sp>
       <p:sp>
         <p:nvSpPr>
-          <p:cNvPr id="3" name="Content Placeholder 2">
-            <a:extLst>
-              <a:ext uri="{FF2B5EF4-FFF2-40B4-BE49-F238E27FC236}">
-                <a16:creationId xmlns:a16="http://schemas.microsoft.com/office/drawing/2014/main" id="{B706309B-410F-104F-8B01-95A80546C51C}"/>
-              </a:ext>
-            </a:extLst>
-          </p:cNvPr>
+          <p:cNvPr id="3" name="Content Placeholder 2"/>
           <p:cNvSpPr>
             <a:spLocks noGrp="1"/>
           </p:cNvSpPr>
@@ -808,7 +713,7 @@
             <a:pPr lvl="0"/>
             <a:r>
               <a:rPr lang="en-US"/>
-              <a:t>Edit Master text styles</a:t>
+              <a:t>Click to edit Master text styles</a:t>
             </a:r>
           </a:p>
           <a:p>
@@ -838,18 +743,13 @@
               <a:rPr lang="en-US"/>
               <a:t>Fifth level</a:t>
             </a:r>
+            <a:endParaRPr lang="en-US" dirty="0"/>
           </a:p>
         </p:txBody>
       </p:sp>
       <p:sp>
         <p:nvSpPr>
-          <p:cNvPr id="4" name="Date Placeholder 3">
-            <a:extLst>
-              <a:ext uri="{FF2B5EF4-FFF2-40B4-BE49-F238E27FC236}">
-                <a16:creationId xmlns:a16="http://schemas.microsoft.com/office/drawing/2014/main" id="{86CA8D99-F32F-1B44-8D1C-7516DC434A24}"/>
-              </a:ext>
-            </a:extLst>
-          </p:cNvPr>
+          <p:cNvPr id="4" name="Date Placeholder 3"/>
           <p:cNvSpPr>
             <a:spLocks noGrp="1"/>
           </p:cNvSpPr>
@@ -864,7 +764,7 @@
           <a:p>
             <a:fld id="{C415CA74-3952-BD4B-AE8D-88D35F82BC16}" type="datetimeFigureOut">
               <a:rPr lang="en-US" smtClean="0"/>
-              <a:t>8/15/20</a:t>
+              <a:t>9/30/20</a:t>
             </a:fld>
             <a:endParaRPr lang="en-US"/>
           </a:p>
@@ -872,13 +772,7 @@
       </p:sp>
       <p:sp>
         <p:nvSpPr>
-          <p:cNvPr id="5" name="Footer Placeholder 4">
-            <a:extLst>
-              <a:ext uri="{FF2B5EF4-FFF2-40B4-BE49-F238E27FC236}">
-                <a16:creationId xmlns:a16="http://schemas.microsoft.com/office/drawing/2014/main" id="{96C9A766-375E-FA4D-B4D2-79A8B8F662BF}"/>
-              </a:ext>
-            </a:extLst>
-          </p:cNvPr>
+          <p:cNvPr id="5" name="Footer Placeholder 4"/>
           <p:cNvSpPr>
             <a:spLocks noGrp="1"/>
           </p:cNvSpPr>
@@ -897,13 +791,7 @@
       </p:sp>
       <p:sp>
         <p:nvSpPr>
-          <p:cNvPr id="6" name="Slide Number Placeholder 5">
-            <a:extLst>
-              <a:ext uri="{FF2B5EF4-FFF2-40B4-BE49-F238E27FC236}">
-                <a16:creationId xmlns:a16="http://schemas.microsoft.com/office/drawing/2014/main" id="{2511627A-3475-B548-A69D-4BF3EA51EC96}"/>
-              </a:ext>
-            </a:extLst>
-          </p:cNvPr>
+          <p:cNvPr id="6" name="Slide Number Placeholder 5"/>
           <p:cNvSpPr>
             <a:spLocks noGrp="1"/>
           </p:cNvSpPr>
@@ -927,7 +815,7 @@
     </p:spTree>
     <p:extLst>
       <p:ext uri="{BB962C8B-B14F-4D97-AF65-F5344CB8AC3E}">
-        <p14:creationId xmlns:p14="http://schemas.microsoft.com/office/powerpoint/2010/main" val="4251434390"/>
+        <p14:creationId xmlns:p14="http://schemas.microsoft.com/office/powerpoint/2010/main" val="3520359869"/>
       </p:ext>
     </p:extLst>
   </p:cSld>
@@ -956,13 +844,7 @@
       </p:grpSpPr>
       <p:sp>
         <p:nvSpPr>
-          <p:cNvPr id="2" name="Title 1">
-            <a:extLst>
-              <a:ext uri="{FF2B5EF4-FFF2-40B4-BE49-F238E27FC236}">
-                <a16:creationId xmlns:a16="http://schemas.microsoft.com/office/drawing/2014/main" id="{0FFC9B0C-6681-D74C-8FC1-40520BF1E258}"/>
-              </a:ext>
-            </a:extLst>
-          </p:cNvPr>
+          <p:cNvPr id="2" name="Title 1"/>
           <p:cNvSpPr>
             <a:spLocks noGrp="1"/>
           </p:cNvSpPr>
@@ -972,15 +854,15 @@
         </p:nvSpPr>
         <p:spPr>
           <a:xfrm>
-            <a:off x="831850" y="1709738"/>
-            <a:ext cx="10515600" cy="2852737"/>
+            <a:off x="937890" y="2279653"/>
+            <a:ext cx="11856066" cy="3803649"/>
           </a:xfrm>
         </p:spPr>
         <p:txBody>
           <a:bodyPr anchor="b"/>
           <a:lstStyle>
             <a:lvl1pPr>
-              <a:defRPr sz="6000"/>
+              <a:defRPr sz="8000"/>
             </a:lvl1pPr>
           </a:lstStyle>
           <a:p>
@@ -988,18 +870,13 @@
               <a:rPr lang="en-US"/>
               <a:t>Click to edit Master title style</a:t>
             </a:r>
+            <a:endParaRPr lang="en-US" dirty="0"/>
           </a:p>
         </p:txBody>
       </p:sp>
       <p:sp>
         <p:nvSpPr>
-          <p:cNvPr id="3" name="Text Placeholder 2">
-            <a:extLst>
-              <a:ext uri="{FF2B5EF4-FFF2-40B4-BE49-F238E27FC236}">
-                <a16:creationId xmlns:a16="http://schemas.microsoft.com/office/drawing/2014/main" id="{7FABBE90-324D-7740-B294-748C1ECB18CC}"/>
-              </a:ext>
-            </a:extLst>
-          </p:cNvPr>
+          <p:cNvPr id="3" name="Text Placeholder 2"/>
           <p:cNvSpPr>
             <a:spLocks noGrp="1"/>
           </p:cNvSpPr>
@@ -1009,14 +886,32 @@
         </p:nvSpPr>
         <p:spPr>
           <a:xfrm>
-            <a:off x="831850" y="4589463"/>
-            <a:ext cx="10515600" cy="1500187"/>
+            <a:off x="937890" y="6119286"/>
+            <a:ext cx="11856066" cy="2000249"/>
           </a:xfrm>
         </p:spPr>
         <p:txBody>
           <a:bodyPr/>
           <a:lstStyle>
             <a:lvl1pPr marL="0" indent="0">
+              <a:buNone/>
+              <a:defRPr sz="3200">
+                <a:solidFill>
+                  <a:schemeClr val="tx1"/>
+                </a:solidFill>
+              </a:defRPr>
+            </a:lvl1pPr>
+            <a:lvl2pPr marL="609585" indent="0">
+              <a:buNone/>
+              <a:defRPr sz="2667">
+                <a:solidFill>
+                  <a:schemeClr val="tx1">
+                    <a:tint val="75000"/>
+                  </a:schemeClr>
+                </a:solidFill>
+              </a:defRPr>
+            </a:lvl2pPr>
+            <a:lvl3pPr marL="1219170" indent="0">
               <a:buNone/>
               <a:defRPr sz="2400">
                 <a:solidFill>
@@ -1025,30 +920,10 @@
                   </a:schemeClr>
                 </a:solidFill>
               </a:defRPr>
-            </a:lvl1pPr>
-            <a:lvl2pPr marL="457200" indent="0">
+            </a:lvl3pPr>
+            <a:lvl4pPr marL="1828754" indent="0">
               <a:buNone/>
-              <a:defRPr sz="2000">
-                <a:solidFill>
-                  <a:schemeClr val="tx1">
-                    <a:tint val="75000"/>
-                  </a:schemeClr>
-                </a:solidFill>
-              </a:defRPr>
-            </a:lvl2pPr>
-            <a:lvl3pPr marL="914400" indent="0">
-              <a:buNone/>
-              <a:defRPr sz="1800">
-                <a:solidFill>
-                  <a:schemeClr val="tx1">
-                    <a:tint val="75000"/>
-                  </a:schemeClr>
-                </a:solidFill>
-              </a:defRPr>
-            </a:lvl3pPr>
-            <a:lvl4pPr marL="1371600" indent="0">
-              <a:buNone/>
-              <a:defRPr sz="1600">
+              <a:defRPr sz="2133">
                 <a:solidFill>
                   <a:schemeClr val="tx1">
                     <a:tint val="75000"/>
@@ -1056,9 +931,9 @@
                 </a:solidFill>
               </a:defRPr>
             </a:lvl4pPr>
-            <a:lvl5pPr marL="1828800" indent="0">
+            <a:lvl5pPr marL="2438339" indent="0">
               <a:buNone/>
-              <a:defRPr sz="1600">
+              <a:defRPr sz="2133">
                 <a:solidFill>
                   <a:schemeClr val="tx1">
                     <a:tint val="75000"/>
@@ -1066,9 +941,9 @@
                 </a:solidFill>
               </a:defRPr>
             </a:lvl5pPr>
-            <a:lvl6pPr marL="2286000" indent="0">
+            <a:lvl6pPr marL="3047924" indent="0">
               <a:buNone/>
-              <a:defRPr sz="1600">
+              <a:defRPr sz="2133">
                 <a:solidFill>
                   <a:schemeClr val="tx1">
                     <a:tint val="75000"/>
@@ -1076,9 +951,9 @@
                 </a:solidFill>
               </a:defRPr>
             </a:lvl6pPr>
-            <a:lvl7pPr marL="2743200" indent="0">
+            <a:lvl7pPr marL="3657509" indent="0">
               <a:buNone/>
-              <a:defRPr sz="1600">
+              <a:defRPr sz="2133">
                 <a:solidFill>
                   <a:schemeClr val="tx1">
                     <a:tint val="75000"/>
@@ -1086,9 +961,9 @@
                 </a:solidFill>
               </a:defRPr>
             </a:lvl7pPr>
-            <a:lvl8pPr marL="3200400" indent="0">
+            <a:lvl8pPr marL="4267093" indent="0">
               <a:buNone/>
-              <a:defRPr sz="1600">
+              <a:defRPr sz="2133">
                 <a:solidFill>
                   <a:schemeClr val="tx1">
                     <a:tint val="75000"/>
@@ -1096,9 +971,9 @@
                 </a:solidFill>
               </a:defRPr>
             </a:lvl8pPr>
-            <a:lvl9pPr marL="3657600" indent="0">
+            <a:lvl9pPr marL="4876678" indent="0">
               <a:buNone/>
-              <a:defRPr sz="1600">
+              <a:defRPr sz="2133">
                 <a:solidFill>
                   <a:schemeClr val="tx1">
                     <a:tint val="75000"/>
@@ -1111,20 +986,14 @@
             <a:pPr lvl="0"/>
             <a:r>
               <a:rPr lang="en-US"/>
-              <a:t>Edit Master text styles</a:t>
+              <a:t>Click to edit Master text styles</a:t>
             </a:r>
           </a:p>
         </p:txBody>
       </p:sp>
       <p:sp>
         <p:nvSpPr>
-          <p:cNvPr id="4" name="Date Placeholder 3">
-            <a:extLst>
-              <a:ext uri="{FF2B5EF4-FFF2-40B4-BE49-F238E27FC236}">
-                <a16:creationId xmlns:a16="http://schemas.microsoft.com/office/drawing/2014/main" id="{03827A4A-BFAD-4B43-B575-F2C701955E29}"/>
-              </a:ext>
-            </a:extLst>
-          </p:cNvPr>
+          <p:cNvPr id="4" name="Date Placeholder 3"/>
           <p:cNvSpPr>
             <a:spLocks noGrp="1"/>
           </p:cNvSpPr>
@@ -1139,7 +1008,7 @@
           <a:p>
             <a:fld id="{C415CA74-3952-BD4B-AE8D-88D35F82BC16}" type="datetimeFigureOut">
               <a:rPr lang="en-US" smtClean="0"/>
-              <a:t>8/15/20</a:t>
+              <a:t>9/30/20</a:t>
             </a:fld>
             <a:endParaRPr lang="en-US"/>
           </a:p>
@@ -1147,13 +1016,7 @@
       </p:sp>
       <p:sp>
         <p:nvSpPr>
-          <p:cNvPr id="5" name="Footer Placeholder 4">
-            <a:extLst>
-              <a:ext uri="{FF2B5EF4-FFF2-40B4-BE49-F238E27FC236}">
-                <a16:creationId xmlns:a16="http://schemas.microsoft.com/office/drawing/2014/main" id="{A78E22A9-61C3-2D4A-A80E-4C08A4C43485}"/>
-              </a:ext>
-            </a:extLst>
-          </p:cNvPr>
+          <p:cNvPr id="5" name="Footer Placeholder 4"/>
           <p:cNvSpPr>
             <a:spLocks noGrp="1"/>
           </p:cNvSpPr>
@@ -1172,13 +1035,7 @@
       </p:sp>
       <p:sp>
         <p:nvSpPr>
-          <p:cNvPr id="6" name="Slide Number Placeholder 5">
-            <a:extLst>
-              <a:ext uri="{FF2B5EF4-FFF2-40B4-BE49-F238E27FC236}">
-                <a16:creationId xmlns:a16="http://schemas.microsoft.com/office/drawing/2014/main" id="{9E152471-F0D8-9742-8DA4-2211364F37B8}"/>
-              </a:ext>
-            </a:extLst>
-          </p:cNvPr>
+          <p:cNvPr id="6" name="Slide Number Placeholder 5"/>
           <p:cNvSpPr>
             <a:spLocks noGrp="1"/>
           </p:cNvSpPr>
@@ -1202,7 +1059,7 @@
     </p:spTree>
     <p:extLst>
       <p:ext uri="{BB962C8B-B14F-4D97-AF65-F5344CB8AC3E}">
-        <p14:creationId xmlns:p14="http://schemas.microsoft.com/office/powerpoint/2010/main" val="3058600546"/>
+        <p14:creationId xmlns:p14="http://schemas.microsoft.com/office/powerpoint/2010/main" val="1543884615"/>
       </p:ext>
     </p:extLst>
   </p:cSld>
@@ -1231,13 +1088,7 @@
       </p:grpSpPr>
       <p:sp>
         <p:nvSpPr>
-          <p:cNvPr id="2" name="Title 1">
-            <a:extLst>
-              <a:ext uri="{FF2B5EF4-FFF2-40B4-BE49-F238E27FC236}">
-                <a16:creationId xmlns:a16="http://schemas.microsoft.com/office/drawing/2014/main" id="{0B7B41C5-A021-FB4F-BE6F-791CFCDA9E76}"/>
-              </a:ext>
-            </a:extLst>
-          </p:cNvPr>
+          <p:cNvPr id="2" name="Title 1"/>
           <p:cNvSpPr>
             <a:spLocks noGrp="1"/>
           </p:cNvSpPr>
@@ -1254,18 +1105,13 @@
               <a:rPr lang="en-US"/>
               <a:t>Click to edit Master title style</a:t>
             </a:r>
+            <a:endParaRPr lang="en-US" dirty="0"/>
           </a:p>
         </p:txBody>
       </p:sp>
       <p:sp>
         <p:nvSpPr>
-          <p:cNvPr id="3" name="Content Placeholder 2">
-            <a:extLst>
-              <a:ext uri="{FF2B5EF4-FFF2-40B4-BE49-F238E27FC236}">
-                <a16:creationId xmlns:a16="http://schemas.microsoft.com/office/drawing/2014/main" id="{60C3844E-F0AD-2D4B-B82D-640569F43004}"/>
-              </a:ext>
-            </a:extLst>
-          </p:cNvPr>
+          <p:cNvPr id="3" name="Content Placeholder 2"/>
           <p:cNvSpPr>
             <a:spLocks noGrp="1"/>
           </p:cNvSpPr>
@@ -1275,8 +1121,8 @@
         </p:nvSpPr>
         <p:spPr>
           <a:xfrm>
-            <a:off x="838200" y="1825625"/>
-            <a:ext cx="5181600" cy="4351338"/>
+            <a:off x="945049" y="2434167"/>
+            <a:ext cx="5842119" cy="5801784"/>
           </a:xfrm>
         </p:spPr>
         <p:txBody>
@@ -1286,7 +1132,7 @@
             <a:pPr lvl="0"/>
             <a:r>
               <a:rPr lang="en-US"/>
-              <a:t>Edit Master text styles</a:t>
+              <a:t>Click to edit Master text styles</a:t>
             </a:r>
           </a:p>
           <a:p>
@@ -1316,18 +1162,13 @@
               <a:rPr lang="en-US"/>
               <a:t>Fifth level</a:t>
             </a:r>
+            <a:endParaRPr lang="en-US" dirty="0"/>
           </a:p>
         </p:txBody>
       </p:sp>
       <p:sp>
         <p:nvSpPr>
-          <p:cNvPr id="4" name="Content Placeholder 3">
-            <a:extLst>
-              <a:ext uri="{FF2B5EF4-FFF2-40B4-BE49-F238E27FC236}">
-                <a16:creationId xmlns:a16="http://schemas.microsoft.com/office/drawing/2014/main" id="{2C96C9D9-43C9-404B-B063-27D58E7660CE}"/>
-              </a:ext>
-            </a:extLst>
-          </p:cNvPr>
+          <p:cNvPr id="4" name="Content Placeholder 3"/>
           <p:cNvSpPr>
             <a:spLocks noGrp="1"/>
           </p:cNvSpPr>
@@ -1337,8 +1178,8 @@
         </p:nvSpPr>
         <p:spPr>
           <a:xfrm>
-            <a:off x="6172200" y="1825625"/>
-            <a:ext cx="5181600" cy="4351338"/>
+            <a:off x="6958995" y="2434167"/>
+            <a:ext cx="5842119" cy="5801784"/>
           </a:xfrm>
         </p:spPr>
         <p:txBody>
@@ -1348,7 +1189,7 @@
             <a:pPr lvl="0"/>
             <a:r>
               <a:rPr lang="en-US"/>
-              <a:t>Edit Master text styles</a:t>
+              <a:t>Click to edit Master text styles</a:t>
             </a:r>
           </a:p>
           <a:p>
@@ -1378,18 +1219,13 @@
               <a:rPr lang="en-US"/>
               <a:t>Fifth level</a:t>
             </a:r>
+            <a:endParaRPr lang="en-US" dirty="0"/>
           </a:p>
         </p:txBody>
       </p:sp>
       <p:sp>
         <p:nvSpPr>
-          <p:cNvPr id="5" name="Date Placeholder 4">
-            <a:extLst>
-              <a:ext uri="{FF2B5EF4-FFF2-40B4-BE49-F238E27FC236}">
-                <a16:creationId xmlns:a16="http://schemas.microsoft.com/office/drawing/2014/main" id="{A5A90225-1C5F-B94E-9384-9C6982D7C9A6}"/>
-              </a:ext>
-            </a:extLst>
-          </p:cNvPr>
+          <p:cNvPr id="5" name="Date Placeholder 4"/>
           <p:cNvSpPr>
             <a:spLocks noGrp="1"/>
           </p:cNvSpPr>
@@ -1404,7 +1240,7 @@
           <a:p>
             <a:fld id="{C415CA74-3952-BD4B-AE8D-88D35F82BC16}" type="datetimeFigureOut">
               <a:rPr lang="en-US" smtClean="0"/>
-              <a:t>8/15/20</a:t>
+              <a:t>9/30/20</a:t>
             </a:fld>
             <a:endParaRPr lang="en-US"/>
           </a:p>
@@ -1412,13 +1248,7 @@
       </p:sp>
       <p:sp>
         <p:nvSpPr>
-          <p:cNvPr id="6" name="Footer Placeholder 5">
-            <a:extLst>
-              <a:ext uri="{FF2B5EF4-FFF2-40B4-BE49-F238E27FC236}">
-                <a16:creationId xmlns:a16="http://schemas.microsoft.com/office/drawing/2014/main" id="{B92B97C9-3E3F-6A4E-9DB7-CD9A960C29BA}"/>
-              </a:ext>
-            </a:extLst>
-          </p:cNvPr>
+          <p:cNvPr id="6" name="Footer Placeholder 5"/>
           <p:cNvSpPr>
             <a:spLocks noGrp="1"/>
           </p:cNvSpPr>
@@ -1437,13 +1267,7 @@
       </p:sp>
       <p:sp>
         <p:nvSpPr>
-          <p:cNvPr id="7" name="Slide Number Placeholder 6">
-            <a:extLst>
-              <a:ext uri="{FF2B5EF4-FFF2-40B4-BE49-F238E27FC236}">
-                <a16:creationId xmlns:a16="http://schemas.microsoft.com/office/drawing/2014/main" id="{E6A24474-157E-3A4E-855B-55CDBA7ECAC6}"/>
-              </a:ext>
-            </a:extLst>
-          </p:cNvPr>
+          <p:cNvPr id="7" name="Slide Number Placeholder 6"/>
           <p:cNvSpPr>
             <a:spLocks noGrp="1"/>
           </p:cNvSpPr>
@@ -1467,7 +1291,7 @@
     </p:spTree>
     <p:extLst>
       <p:ext uri="{BB962C8B-B14F-4D97-AF65-F5344CB8AC3E}">
-        <p14:creationId xmlns:p14="http://schemas.microsoft.com/office/powerpoint/2010/main" val="2691911948"/>
+        <p14:creationId xmlns:p14="http://schemas.microsoft.com/office/powerpoint/2010/main" val="3546389288"/>
       </p:ext>
     </p:extLst>
   </p:cSld>
@@ -1496,13 +1320,7 @@
       </p:grpSpPr>
       <p:sp>
         <p:nvSpPr>
-          <p:cNvPr id="2" name="Title 1">
-            <a:extLst>
-              <a:ext uri="{FF2B5EF4-FFF2-40B4-BE49-F238E27FC236}">
-                <a16:creationId xmlns:a16="http://schemas.microsoft.com/office/drawing/2014/main" id="{B2FE7E99-5002-AB4C-801D-8E77E58BD46A}"/>
-              </a:ext>
-            </a:extLst>
-          </p:cNvPr>
+          <p:cNvPr id="2" name="Title 1"/>
           <p:cNvSpPr>
             <a:spLocks noGrp="1"/>
           </p:cNvSpPr>
@@ -1512,8 +1330,8 @@
         </p:nvSpPr>
         <p:spPr>
           <a:xfrm>
-            <a:off x="839788" y="365125"/>
-            <a:ext cx="10515600" cy="1325563"/>
+            <a:off x="946839" y="486836"/>
+            <a:ext cx="11856066" cy="1767417"/>
           </a:xfrm>
         </p:spPr>
         <p:txBody>
@@ -1524,18 +1342,13 @@
               <a:rPr lang="en-US"/>
               <a:t>Click to edit Master title style</a:t>
             </a:r>
+            <a:endParaRPr lang="en-US" dirty="0"/>
           </a:p>
         </p:txBody>
       </p:sp>
       <p:sp>
         <p:nvSpPr>
-          <p:cNvPr id="3" name="Text Placeholder 2">
-            <a:extLst>
-              <a:ext uri="{FF2B5EF4-FFF2-40B4-BE49-F238E27FC236}">
-                <a16:creationId xmlns:a16="http://schemas.microsoft.com/office/drawing/2014/main" id="{4F3EA419-CB34-5740-8E3D-CB183928BF4B}"/>
-              </a:ext>
-            </a:extLst>
-          </p:cNvPr>
+          <p:cNvPr id="3" name="Text Placeholder 2"/>
           <p:cNvSpPr>
             <a:spLocks noGrp="1"/>
           </p:cNvSpPr>
@@ -1545,8 +1358,8 @@
         </p:nvSpPr>
         <p:spPr>
           <a:xfrm>
-            <a:off x="839788" y="1681163"/>
-            <a:ext cx="5157787" cy="823912"/>
+            <a:off x="946841" y="2241551"/>
+            <a:ext cx="5815270" cy="1098549"/>
           </a:xfrm>
         </p:spPr>
         <p:txBody>
@@ -1554,59 +1367,53 @@
           <a:lstStyle>
             <a:lvl1pPr marL="0" indent="0">
               <a:buNone/>
+              <a:defRPr sz="3200" b="1"/>
+            </a:lvl1pPr>
+            <a:lvl2pPr marL="609585" indent="0">
+              <a:buNone/>
+              <a:defRPr sz="2667" b="1"/>
+            </a:lvl2pPr>
+            <a:lvl3pPr marL="1219170" indent="0">
+              <a:buNone/>
               <a:defRPr sz="2400" b="1"/>
-            </a:lvl1pPr>
-            <a:lvl2pPr marL="457200" indent="0">
+            </a:lvl3pPr>
+            <a:lvl4pPr marL="1828754" indent="0">
               <a:buNone/>
-              <a:defRPr sz="2000" b="1"/>
-            </a:lvl2pPr>
-            <a:lvl3pPr marL="914400" indent="0">
+              <a:defRPr sz="2133" b="1"/>
+            </a:lvl4pPr>
+            <a:lvl5pPr marL="2438339" indent="0">
               <a:buNone/>
-              <a:defRPr sz="1800" b="1"/>
-            </a:lvl3pPr>
-            <a:lvl4pPr marL="1371600" indent="0">
+              <a:defRPr sz="2133" b="1"/>
+            </a:lvl5pPr>
+            <a:lvl6pPr marL="3047924" indent="0">
               <a:buNone/>
-              <a:defRPr sz="1600" b="1"/>
-            </a:lvl4pPr>
-            <a:lvl5pPr marL="1828800" indent="0">
+              <a:defRPr sz="2133" b="1"/>
+            </a:lvl6pPr>
+            <a:lvl7pPr marL="3657509" indent="0">
               <a:buNone/>
-              <a:defRPr sz="1600" b="1"/>
-            </a:lvl5pPr>
-            <a:lvl6pPr marL="2286000" indent="0">
+              <a:defRPr sz="2133" b="1"/>
+            </a:lvl7pPr>
+            <a:lvl8pPr marL="4267093" indent="0">
               <a:buNone/>
-              <a:defRPr sz="1600" b="1"/>
-            </a:lvl6pPr>
-            <a:lvl7pPr marL="2743200" indent="0">
+              <a:defRPr sz="2133" b="1"/>
+            </a:lvl8pPr>
+            <a:lvl9pPr marL="4876678" indent="0">
               <a:buNone/>
-              <a:defRPr sz="1600" b="1"/>
-            </a:lvl7pPr>
-            <a:lvl8pPr marL="3200400" indent="0">
-              <a:buNone/>
-              <a:defRPr sz="1600" b="1"/>
-            </a:lvl8pPr>
-            <a:lvl9pPr marL="3657600" indent="0">
-              <a:buNone/>
-              <a:defRPr sz="1600" b="1"/>
+              <a:defRPr sz="2133" b="1"/>
             </a:lvl9pPr>
           </a:lstStyle>
           <a:p>
             <a:pPr lvl="0"/>
             <a:r>
               <a:rPr lang="en-US"/>
-              <a:t>Edit Master text styles</a:t>
+              <a:t>Click to edit Master text styles</a:t>
             </a:r>
           </a:p>
         </p:txBody>
       </p:sp>
       <p:sp>
         <p:nvSpPr>
-          <p:cNvPr id="4" name="Content Placeholder 3">
-            <a:extLst>
-              <a:ext uri="{FF2B5EF4-FFF2-40B4-BE49-F238E27FC236}">
-                <a16:creationId xmlns:a16="http://schemas.microsoft.com/office/drawing/2014/main" id="{1AB27C04-240D-2F4D-BB74-CB2B236A1EFC}"/>
-              </a:ext>
-            </a:extLst>
-          </p:cNvPr>
+          <p:cNvPr id="4" name="Content Placeholder 3"/>
           <p:cNvSpPr>
             <a:spLocks noGrp="1"/>
           </p:cNvSpPr>
@@ -1616,8 +1423,8 @@
         </p:nvSpPr>
         <p:spPr>
           <a:xfrm>
-            <a:off x="839788" y="2505075"/>
-            <a:ext cx="5157787" cy="3684588"/>
+            <a:off x="946841" y="3340100"/>
+            <a:ext cx="5815270" cy="4912784"/>
           </a:xfrm>
         </p:spPr>
         <p:txBody>
@@ -1627,7 +1434,7 @@
             <a:pPr lvl="0"/>
             <a:r>
               <a:rPr lang="en-US"/>
-              <a:t>Edit Master text styles</a:t>
+              <a:t>Click to edit Master text styles</a:t>
             </a:r>
           </a:p>
           <a:p>
@@ -1657,18 +1464,13 @@
               <a:rPr lang="en-US"/>
               <a:t>Fifth level</a:t>
             </a:r>
+            <a:endParaRPr lang="en-US" dirty="0"/>
           </a:p>
         </p:txBody>
       </p:sp>
       <p:sp>
         <p:nvSpPr>
-          <p:cNvPr id="5" name="Text Placeholder 4">
-            <a:extLst>
-              <a:ext uri="{FF2B5EF4-FFF2-40B4-BE49-F238E27FC236}">
-                <a16:creationId xmlns:a16="http://schemas.microsoft.com/office/drawing/2014/main" id="{658F0905-99E8-9044-9351-AA75028BA64E}"/>
-              </a:ext>
-            </a:extLst>
-          </p:cNvPr>
+          <p:cNvPr id="5" name="Text Placeholder 4"/>
           <p:cNvSpPr>
             <a:spLocks noGrp="1"/>
           </p:cNvSpPr>
@@ -1678,8 +1480,8 @@
         </p:nvSpPr>
         <p:spPr>
           <a:xfrm>
-            <a:off x="6172200" y="1681163"/>
-            <a:ext cx="5183188" cy="823912"/>
+            <a:off x="6958996" y="2241551"/>
+            <a:ext cx="5843910" cy="1098549"/>
           </a:xfrm>
         </p:spPr>
         <p:txBody>
@@ -1687,59 +1489,53 @@
           <a:lstStyle>
             <a:lvl1pPr marL="0" indent="0">
               <a:buNone/>
+              <a:defRPr sz="3200" b="1"/>
+            </a:lvl1pPr>
+            <a:lvl2pPr marL="609585" indent="0">
+              <a:buNone/>
+              <a:defRPr sz="2667" b="1"/>
+            </a:lvl2pPr>
+            <a:lvl3pPr marL="1219170" indent="0">
+              <a:buNone/>
               <a:defRPr sz="2400" b="1"/>
-            </a:lvl1pPr>
-            <a:lvl2pPr marL="457200" indent="0">
+            </a:lvl3pPr>
+            <a:lvl4pPr marL="1828754" indent="0">
               <a:buNone/>
-              <a:defRPr sz="2000" b="1"/>
-            </a:lvl2pPr>
-            <a:lvl3pPr marL="914400" indent="0">
+              <a:defRPr sz="2133" b="1"/>
+            </a:lvl4pPr>
+            <a:lvl5pPr marL="2438339" indent="0">
               <a:buNone/>
-              <a:defRPr sz="1800" b="1"/>
-            </a:lvl3pPr>
-            <a:lvl4pPr marL="1371600" indent="0">
+              <a:defRPr sz="2133" b="1"/>
+            </a:lvl5pPr>
+            <a:lvl6pPr marL="3047924" indent="0">
               <a:buNone/>
-              <a:defRPr sz="1600" b="1"/>
-            </a:lvl4pPr>
-            <a:lvl5pPr marL="1828800" indent="0">
+              <a:defRPr sz="2133" b="1"/>
+            </a:lvl6pPr>
+            <a:lvl7pPr marL="3657509" indent="0">
               <a:buNone/>
-              <a:defRPr sz="1600" b="1"/>
-            </a:lvl5pPr>
-            <a:lvl6pPr marL="2286000" indent="0">
+              <a:defRPr sz="2133" b="1"/>
+            </a:lvl7pPr>
+            <a:lvl8pPr marL="4267093" indent="0">
               <a:buNone/>
-              <a:defRPr sz="1600" b="1"/>
-            </a:lvl6pPr>
-            <a:lvl7pPr marL="2743200" indent="0">
+              <a:defRPr sz="2133" b="1"/>
+            </a:lvl8pPr>
+            <a:lvl9pPr marL="4876678" indent="0">
               <a:buNone/>
-              <a:defRPr sz="1600" b="1"/>
-            </a:lvl7pPr>
-            <a:lvl8pPr marL="3200400" indent="0">
-              <a:buNone/>
-              <a:defRPr sz="1600" b="1"/>
-            </a:lvl8pPr>
-            <a:lvl9pPr marL="3657600" indent="0">
-              <a:buNone/>
-              <a:defRPr sz="1600" b="1"/>
+              <a:defRPr sz="2133" b="1"/>
             </a:lvl9pPr>
           </a:lstStyle>
           <a:p>
             <a:pPr lvl="0"/>
             <a:r>
               <a:rPr lang="en-US"/>
-              <a:t>Edit Master text styles</a:t>
+              <a:t>Click to edit Master text styles</a:t>
             </a:r>
           </a:p>
         </p:txBody>
       </p:sp>
       <p:sp>
         <p:nvSpPr>
-          <p:cNvPr id="6" name="Content Placeholder 5">
-            <a:extLst>
-              <a:ext uri="{FF2B5EF4-FFF2-40B4-BE49-F238E27FC236}">
-                <a16:creationId xmlns:a16="http://schemas.microsoft.com/office/drawing/2014/main" id="{97DFDC74-7CA5-4144-A38D-D4871B1BC338}"/>
-              </a:ext>
-            </a:extLst>
-          </p:cNvPr>
+          <p:cNvPr id="6" name="Content Placeholder 5"/>
           <p:cNvSpPr>
             <a:spLocks noGrp="1"/>
           </p:cNvSpPr>
@@ -1749,8 +1545,8 @@
         </p:nvSpPr>
         <p:spPr>
           <a:xfrm>
-            <a:off x="6172200" y="2505075"/>
-            <a:ext cx="5183188" cy="3684588"/>
+            <a:off x="6958996" y="3340100"/>
+            <a:ext cx="5843910" cy="4912784"/>
           </a:xfrm>
         </p:spPr>
         <p:txBody>
@@ -1760,7 +1556,7 @@
             <a:pPr lvl="0"/>
             <a:r>
               <a:rPr lang="en-US"/>
-              <a:t>Edit Master text styles</a:t>
+              <a:t>Click to edit Master text styles</a:t>
             </a:r>
           </a:p>
           <a:p>
@@ -1790,18 +1586,13 @@
               <a:rPr lang="en-US"/>
               <a:t>Fifth level</a:t>
             </a:r>
+            <a:endParaRPr lang="en-US" dirty="0"/>
           </a:p>
         </p:txBody>
       </p:sp>
       <p:sp>
         <p:nvSpPr>
-          <p:cNvPr id="7" name="Date Placeholder 6">
-            <a:extLst>
-              <a:ext uri="{FF2B5EF4-FFF2-40B4-BE49-F238E27FC236}">
-                <a16:creationId xmlns:a16="http://schemas.microsoft.com/office/drawing/2014/main" id="{36C23B6B-43C7-C24B-ABD3-2E1146CABE66}"/>
-              </a:ext>
-            </a:extLst>
-          </p:cNvPr>
+          <p:cNvPr id="7" name="Date Placeholder 6"/>
           <p:cNvSpPr>
             <a:spLocks noGrp="1"/>
           </p:cNvSpPr>
@@ -1816,7 +1607,7 @@
           <a:p>
             <a:fld id="{C415CA74-3952-BD4B-AE8D-88D35F82BC16}" type="datetimeFigureOut">
               <a:rPr lang="en-US" smtClean="0"/>
-              <a:t>8/15/20</a:t>
+              <a:t>9/30/20</a:t>
             </a:fld>
             <a:endParaRPr lang="en-US"/>
           </a:p>
@@ -1824,13 +1615,7 @@
       </p:sp>
       <p:sp>
         <p:nvSpPr>
-          <p:cNvPr id="8" name="Footer Placeholder 7">
-            <a:extLst>
-              <a:ext uri="{FF2B5EF4-FFF2-40B4-BE49-F238E27FC236}">
-                <a16:creationId xmlns:a16="http://schemas.microsoft.com/office/drawing/2014/main" id="{A0341EC2-8517-F54B-820A-D0713CAF2570}"/>
-              </a:ext>
-            </a:extLst>
-          </p:cNvPr>
+          <p:cNvPr id="8" name="Footer Placeholder 7"/>
           <p:cNvSpPr>
             <a:spLocks noGrp="1"/>
           </p:cNvSpPr>
@@ -1849,13 +1634,7 @@
       </p:sp>
       <p:sp>
         <p:nvSpPr>
-          <p:cNvPr id="9" name="Slide Number Placeholder 8">
-            <a:extLst>
-              <a:ext uri="{FF2B5EF4-FFF2-40B4-BE49-F238E27FC236}">
-                <a16:creationId xmlns:a16="http://schemas.microsoft.com/office/drawing/2014/main" id="{5125D1DE-FC26-3A45-8DD9-AFBAA07DC404}"/>
-              </a:ext>
-            </a:extLst>
-          </p:cNvPr>
+          <p:cNvPr id="9" name="Slide Number Placeholder 8"/>
           <p:cNvSpPr>
             <a:spLocks noGrp="1"/>
           </p:cNvSpPr>
@@ -1879,7 +1658,7 @@
     </p:spTree>
     <p:extLst>
       <p:ext uri="{BB962C8B-B14F-4D97-AF65-F5344CB8AC3E}">
-        <p14:creationId xmlns:p14="http://schemas.microsoft.com/office/powerpoint/2010/main" val="366817635"/>
+        <p14:creationId xmlns:p14="http://schemas.microsoft.com/office/powerpoint/2010/main" val="3823082017"/>
       </p:ext>
     </p:extLst>
   </p:cSld>
@@ -1908,13 +1687,7 @@
       </p:grpSpPr>
       <p:sp>
         <p:nvSpPr>
-          <p:cNvPr id="2" name="Title 1">
-            <a:extLst>
-              <a:ext uri="{FF2B5EF4-FFF2-40B4-BE49-F238E27FC236}">
-                <a16:creationId xmlns:a16="http://schemas.microsoft.com/office/drawing/2014/main" id="{4734E2C5-6474-2B43-84B7-74CFA06B12AF}"/>
-              </a:ext>
-            </a:extLst>
-          </p:cNvPr>
+          <p:cNvPr id="2" name="Title 1"/>
           <p:cNvSpPr>
             <a:spLocks noGrp="1"/>
           </p:cNvSpPr>
@@ -1931,18 +1704,13 @@
               <a:rPr lang="en-US"/>
               <a:t>Click to edit Master title style</a:t>
             </a:r>
+            <a:endParaRPr lang="en-US" dirty="0"/>
           </a:p>
         </p:txBody>
       </p:sp>
       <p:sp>
         <p:nvSpPr>
-          <p:cNvPr id="3" name="Date Placeholder 2">
-            <a:extLst>
-              <a:ext uri="{FF2B5EF4-FFF2-40B4-BE49-F238E27FC236}">
-                <a16:creationId xmlns:a16="http://schemas.microsoft.com/office/drawing/2014/main" id="{8B0F95D8-953F-2E41-BAD4-620E05A3F8EA}"/>
-              </a:ext>
-            </a:extLst>
-          </p:cNvPr>
+          <p:cNvPr id="3" name="Date Placeholder 2"/>
           <p:cNvSpPr>
             <a:spLocks noGrp="1"/>
           </p:cNvSpPr>
@@ -1957,7 +1725,7 @@
           <a:p>
             <a:fld id="{C415CA74-3952-BD4B-AE8D-88D35F82BC16}" type="datetimeFigureOut">
               <a:rPr lang="en-US" smtClean="0"/>
-              <a:t>8/15/20</a:t>
+              <a:t>9/30/20</a:t>
             </a:fld>
             <a:endParaRPr lang="en-US"/>
           </a:p>
@@ -1965,13 +1733,7 @@
       </p:sp>
       <p:sp>
         <p:nvSpPr>
-          <p:cNvPr id="4" name="Footer Placeholder 3">
-            <a:extLst>
-              <a:ext uri="{FF2B5EF4-FFF2-40B4-BE49-F238E27FC236}">
-                <a16:creationId xmlns:a16="http://schemas.microsoft.com/office/drawing/2014/main" id="{F26D0A47-3B4D-4641-851D-06CE61B224DB}"/>
-              </a:ext>
-            </a:extLst>
-          </p:cNvPr>
+          <p:cNvPr id="4" name="Footer Placeholder 3"/>
           <p:cNvSpPr>
             <a:spLocks noGrp="1"/>
           </p:cNvSpPr>
@@ -1990,13 +1752,7 @@
       </p:sp>
       <p:sp>
         <p:nvSpPr>
-          <p:cNvPr id="5" name="Slide Number Placeholder 4">
-            <a:extLst>
-              <a:ext uri="{FF2B5EF4-FFF2-40B4-BE49-F238E27FC236}">
-                <a16:creationId xmlns:a16="http://schemas.microsoft.com/office/drawing/2014/main" id="{4F44FFBC-0DA3-1C48-83C5-AFE52767B287}"/>
-              </a:ext>
-            </a:extLst>
-          </p:cNvPr>
+          <p:cNvPr id="5" name="Slide Number Placeholder 4"/>
           <p:cNvSpPr>
             <a:spLocks noGrp="1"/>
           </p:cNvSpPr>
@@ -2020,7 +1776,7 @@
     </p:spTree>
     <p:extLst>
       <p:ext uri="{BB962C8B-B14F-4D97-AF65-F5344CB8AC3E}">
-        <p14:creationId xmlns:p14="http://schemas.microsoft.com/office/powerpoint/2010/main" val="3738758183"/>
+        <p14:creationId xmlns:p14="http://schemas.microsoft.com/office/powerpoint/2010/main" val="1155843581"/>
       </p:ext>
     </p:extLst>
   </p:cSld>
@@ -2049,13 +1805,7 @@
       </p:grpSpPr>
       <p:sp>
         <p:nvSpPr>
-          <p:cNvPr id="2" name="Date Placeholder 1">
-            <a:extLst>
-              <a:ext uri="{FF2B5EF4-FFF2-40B4-BE49-F238E27FC236}">
-                <a16:creationId xmlns:a16="http://schemas.microsoft.com/office/drawing/2014/main" id="{FEBE47BF-55C1-DA49-A314-4D4188225BB5}"/>
-              </a:ext>
-            </a:extLst>
-          </p:cNvPr>
+          <p:cNvPr id="2" name="Date Placeholder 1"/>
           <p:cNvSpPr>
             <a:spLocks noGrp="1"/>
           </p:cNvSpPr>
@@ -2070,7 +1820,7 @@
           <a:p>
             <a:fld id="{C415CA74-3952-BD4B-AE8D-88D35F82BC16}" type="datetimeFigureOut">
               <a:rPr lang="en-US" smtClean="0"/>
-              <a:t>8/15/20</a:t>
+              <a:t>9/30/20</a:t>
             </a:fld>
             <a:endParaRPr lang="en-US"/>
           </a:p>
@@ -2078,13 +1828,7 @@
       </p:sp>
       <p:sp>
         <p:nvSpPr>
-          <p:cNvPr id="3" name="Footer Placeholder 2">
-            <a:extLst>
-              <a:ext uri="{FF2B5EF4-FFF2-40B4-BE49-F238E27FC236}">
-                <a16:creationId xmlns:a16="http://schemas.microsoft.com/office/drawing/2014/main" id="{47C67ACE-A83B-6D4D-B9D3-F3A82065640C}"/>
-              </a:ext>
-            </a:extLst>
-          </p:cNvPr>
+          <p:cNvPr id="3" name="Footer Placeholder 2"/>
           <p:cNvSpPr>
             <a:spLocks noGrp="1"/>
           </p:cNvSpPr>
@@ -2103,13 +1847,7 @@
       </p:sp>
       <p:sp>
         <p:nvSpPr>
-          <p:cNvPr id="4" name="Slide Number Placeholder 3">
-            <a:extLst>
-              <a:ext uri="{FF2B5EF4-FFF2-40B4-BE49-F238E27FC236}">
-                <a16:creationId xmlns:a16="http://schemas.microsoft.com/office/drawing/2014/main" id="{2A677321-2446-FA40-A58D-88FDCFD2C610}"/>
-              </a:ext>
-            </a:extLst>
-          </p:cNvPr>
+          <p:cNvPr id="4" name="Slide Number Placeholder 3"/>
           <p:cNvSpPr>
             <a:spLocks noGrp="1"/>
           </p:cNvSpPr>
@@ -2133,7 +1871,7 @@
     </p:spTree>
     <p:extLst>
       <p:ext uri="{BB962C8B-B14F-4D97-AF65-F5344CB8AC3E}">
-        <p14:creationId xmlns:p14="http://schemas.microsoft.com/office/powerpoint/2010/main" val="337199550"/>
+        <p14:creationId xmlns:p14="http://schemas.microsoft.com/office/powerpoint/2010/main" val="2986030118"/>
       </p:ext>
     </p:extLst>
   </p:cSld>
@@ -2162,13 +1900,7 @@
       </p:grpSpPr>
       <p:sp>
         <p:nvSpPr>
-          <p:cNvPr id="2" name="Title 1">
-            <a:extLst>
-              <a:ext uri="{FF2B5EF4-FFF2-40B4-BE49-F238E27FC236}">
-                <a16:creationId xmlns:a16="http://schemas.microsoft.com/office/drawing/2014/main" id="{C5EB1B3D-7F18-3043-95A2-7D88B7D2A85A}"/>
-              </a:ext>
-            </a:extLst>
-          </p:cNvPr>
+          <p:cNvPr id="2" name="Title 1"/>
           <p:cNvSpPr>
             <a:spLocks noGrp="1"/>
           </p:cNvSpPr>
@@ -2178,15 +1910,15 @@
         </p:nvSpPr>
         <p:spPr>
           <a:xfrm>
-            <a:off x="839788" y="457200"/>
-            <a:ext cx="3932237" cy="1600200"/>
+            <a:off x="946839" y="609600"/>
+            <a:ext cx="4433495" cy="2133600"/>
           </a:xfrm>
         </p:spPr>
         <p:txBody>
           <a:bodyPr anchor="b"/>
           <a:lstStyle>
             <a:lvl1pPr>
-              <a:defRPr sz="3200"/>
+              <a:defRPr sz="4267"/>
             </a:lvl1pPr>
           </a:lstStyle>
           <a:p>
@@ -2194,18 +1926,13 @@
               <a:rPr lang="en-US"/>
               <a:t>Click to edit Master title style</a:t>
             </a:r>
+            <a:endParaRPr lang="en-US" dirty="0"/>
           </a:p>
         </p:txBody>
       </p:sp>
       <p:sp>
         <p:nvSpPr>
-          <p:cNvPr id="3" name="Content Placeholder 2">
-            <a:extLst>
-              <a:ext uri="{FF2B5EF4-FFF2-40B4-BE49-F238E27FC236}">
-                <a16:creationId xmlns:a16="http://schemas.microsoft.com/office/drawing/2014/main" id="{E8115F34-4786-7342-8264-6392582AC9FD}"/>
-              </a:ext>
-            </a:extLst>
-          </p:cNvPr>
+          <p:cNvPr id="3" name="Content Placeholder 2"/>
           <p:cNvSpPr>
             <a:spLocks noGrp="1"/>
           </p:cNvSpPr>
@@ -2215,46 +1942,46 @@
         </p:nvSpPr>
         <p:spPr>
           <a:xfrm>
-            <a:off x="5183188" y="987425"/>
-            <a:ext cx="6172200" cy="4873625"/>
+            <a:off x="5843910" y="1316569"/>
+            <a:ext cx="6958995" cy="6498167"/>
           </a:xfrm>
         </p:spPr>
         <p:txBody>
           <a:bodyPr/>
           <a:lstStyle>
             <a:lvl1pPr>
-              <a:defRPr sz="3200"/>
+              <a:defRPr sz="4267"/>
             </a:lvl1pPr>
             <a:lvl2pPr>
-              <a:defRPr sz="2800"/>
+              <a:defRPr sz="3733"/>
             </a:lvl2pPr>
             <a:lvl3pPr>
-              <a:defRPr sz="2400"/>
+              <a:defRPr sz="3200"/>
             </a:lvl3pPr>
             <a:lvl4pPr>
-              <a:defRPr sz="2000"/>
+              <a:defRPr sz="2667"/>
             </a:lvl4pPr>
             <a:lvl5pPr>
-              <a:defRPr sz="2000"/>
+              <a:defRPr sz="2667"/>
             </a:lvl5pPr>
             <a:lvl6pPr>
-              <a:defRPr sz="2000"/>
+              <a:defRPr sz="2667"/>
             </a:lvl6pPr>
             <a:lvl7pPr>
-              <a:defRPr sz="2000"/>
+              <a:defRPr sz="2667"/>
             </a:lvl7pPr>
             <a:lvl8pPr>
-              <a:defRPr sz="2000"/>
+              <a:defRPr sz="2667"/>
             </a:lvl8pPr>
             <a:lvl9pPr>
-              <a:defRPr sz="2000"/>
+              <a:defRPr sz="2667"/>
             </a:lvl9pPr>
           </a:lstStyle>
           <a:p>
             <a:pPr lvl="0"/>
             <a:r>
               <a:rPr lang="en-US"/>
-              <a:t>Edit Master text styles</a:t>
+              <a:t>Click to edit Master text styles</a:t>
             </a:r>
           </a:p>
           <a:p>
@@ -2284,18 +2011,13 @@
               <a:rPr lang="en-US"/>
               <a:t>Fifth level</a:t>
             </a:r>
+            <a:endParaRPr lang="en-US" dirty="0"/>
           </a:p>
         </p:txBody>
       </p:sp>
       <p:sp>
         <p:nvSpPr>
-          <p:cNvPr id="4" name="Text Placeholder 3">
-            <a:extLst>
-              <a:ext uri="{FF2B5EF4-FFF2-40B4-BE49-F238E27FC236}">
-                <a16:creationId xmlns:a16="http://schemas.microsoft.com/office/drawing/2014/main" id="{90B69765-7027-6F4E-858B-C5E694A49E8B}"/>
-              </a:ext>
-            </a:extLst>
-          </p:cNvPr>
+          <p:cNvPr id="4" name="Text Placeholder 3"/>
           <p:cNvSpPr>
             <a:spLocks noGrp="1"/>
           </p:cNvSpPr>
@@ -2305,8 +2027,8 @@
         </p:nvSpPr>
         <p:spPr>
           <a:xfrm>
-            <a:off x="839788" y="2057400"/>
-            <a:ext cx="3932237" cy="3811588"/>
+            <a:off x="946839" y="2743200"/>
+            <a:ext cx="4433495" cy="5082117"/>
           </a:xfrm>
         </p:spPr>
         <p:txBody>
@@ -2314,59 +2036,53 @@
           <a:lstStyle>
             <a:lvl1pPr marL="0" indent="0">
               <a:buNone/>
+              <a:defRPr sz="2133"/>
+            </a:lvl1pPr>
+            <a:lvl2pPr marL="609585" indent="0">
+              <a:buNone/>
+              <a:defRPr sz="1867"/>
+            </a:lvl2pPr>
+            <a:lvl3pPr marL="1219170" indent="0">
+              <a:buNone/>
               <a:defRPr sz="1600"/>
-            </a:lvl1pPr>
-            <a:lvl2pPr marL="457200" indent="0">
+            </a:lvl3pPr>
+            <a:lvl4pPr marL="1828754" indent="0">
               <a:buNone/>
-              <a:defRPr sz="1400"/>
-            </a:lvl2pPr>
-            <a:lvl3pPr marL="914400" indent="0">
+              <a:defRPr sz="1333"/>
+            </a:lvl4pPr>
+            <a:lvl5pPr marL="2438339" indent="0">
               <a:buNone/>
-              <a:defRPr sz="1200"/>
-            </a:lvl3pPr>
-            <a:lvl4pPr marL="1371600" indent="0">
+              <a:defRPr sz="1333"/>
+            </a:lvl5pPr>
+            <a:lvl6pPr marL="3047924" indent="0">
               <a:buNone/>
-              <a:defRPr sz="1000"/>
-            </a:lvl4pPr>
-            <a:lvl5pPr marL="1828800" indent="0">
+              <a:defRPr sz="1333"/>
+            </a:lvl6pPr>
+            <a:lvl7pPr marL="3657509" indent="0">
               <a:buNone/>
-              <a:defRPr sz="1000"/>
-            </a:lvl5pPr>
-            <a:lvl6pPr marL="2286000" indent="0">
+              <a:defRPr sz="1333"/>
+            </a:lvl7pPr>
+            <a:lvl8pPr marL="4267093" indent="0">
               <a:buNone/>
-              <a:defRPr sz="1000"/>
-            </a:lvl6pPr>
-            <a:lvl7pPr marL="2743200" indent="0">
+              <a:defRPr sz="1333"/>
+            </a:lvl8pPr>
+            <a:lvl9pPr marL="4876678" indent="0">
               <a:buNone/>
-              <a:defRPr sz="1000"/>
-            </a:lvl7pPr>
-            <a:lvl8pPr marL="3200400" indent="0">
-              <a:buNone/>
-              <a:defRPr sz="1000"/>
-            </a:lvl8pPr>
-            <a:lvl9pPr marL="3657600" indent="0">
-              <a:buNone/>
-              <a:defRPr sz="1000"/>
+              <a:defRPr sz="1333"/>
             </a:lvl9pPr>
           </a:lstStyle>
           <a:p>
             <a:pPr lvl="0"/>
             <a:r>
               <a:rPr lang="en-US"/>
-              <a:t>Edit Master text styles</a:t>
+              <a:t>Click to edit Master text styles</a:t>
             </a:r>
           </a:p>
         </p:txBody>
       </p:sp>
       <p:sp>
         <p:nvSpPr>
-          <p:cNvPr id="5" name="Date Placeholder 4">
-            <a:extLst>
-              <a:ext uri="{FF2B5EF4-FFF2-40B4-BE49-F238E27FC236}">
-                <a16:creationId xmlns:a16="http://schemas.microsoft.com/office/drawing/2014/main" id="{1BA70EFF-BD12-D040-8D95-3198CD888BFB}"/>
-              </a:ext>
-            </a:extLst>
-          </p:cNvPr>
+          <p:cNvPr id="5" name="Date Placeholder 4"/>
           <p:cNvSpPr>
             <a:spLocks noGrp="1"/>
           </p:cNvSpPr>
@@ -2381,7 +2097,7 @@
           <a:p>
             <a:fld id="{C415CA74-3952-BD4B-AE8D-88D35F82BC16}" type="datetimeFigureOut">
               <a:rPr lang="en-US" smtClean="0"/>
-              <a:t>8/15/20</a:t>
+              <a:t>9/30/20</a:t>
             </a:fld>
             <a:endParaRPr lang="en-US"/>
           </a:p>
@@ -2389,13 +2105,7 @@
       </p:sp>
       <p:sp>
         <p:nvSpPr>
-          <p:cNvPr id="6" name="Footer Placeholder 5">
-            <a:extLst>
-              <a:ext uri="{FF2B5EF4-FFF2-40B4-BE49-F238E27FC236}">
-                <a16:creationId xmlns:a16="http://schemas.microsoft.com/office/drawing/2014/main" id="{8F75ECAB-FC86-C945-A082-66B249FF50D9}"/>
-              </a:ext>
-            </a:extLst>
-          </p:cNvPr>
+          <p:cNvPr id="6" name="Footer Placeholder 5"/>
           <p:cNvSpPr>
             <a:spLocks noGrp="1"/>
           </p:cNvSpPr>
@@ -2414,13 +2124,7 @@
       </p:sp>
       <p:sp>
         <p:nvSpPr>
-          <p:cNvPr id="7" name="Slide Number Placeholder 6">
-            <a:extLst>
-              <a:ext uri="{FF2B5EF4-FFF2-40B4-BE49-F238E27FC236}">
-                <a16:creationId xmlns:a16="http://schemas.microsoft.com/office/drawing/2014/main" id="{13E605EF-3C9D-E143-9ECB-6FFDE1B67FF3}"/>
-              </a:ext>
-            </a:extLst>
-          </p:cNvPr>
+          <p:cNvPr id="7" name="Slide Number Placeholder 6"/>
           <p:cNvSpPr>
             <a:spLocks noGrp="1"/>
           </p:cNvSpPr>
@@ -2444,7 +2148,7 @@
     </p:spTree>
     <p:extLst>
       <p:ext uri="{BB962C8B-B14F-4D97-AF65-F5344CB8AC3E}">
-        <p14:creationId xmlns:p14="http://schemas.microsoft.com/office/powerpoint/2010/main" val="3361555341"/>
+        <p14:creationId xmlns:p14="http://schemas.microsoft.com/office/powerpoint/2010/main" val="3004067333"/>
       </p:ext>
     </p:extLst>
   </p:cSld>
@@ -2473,13 +2177,7 @@
       </p:grpSpPr>
       <p:sp>
         <p:nvSpPr>
-          <p:cNvPr id="2" name="Title 1">
-            <a:extLst>
-              <a:ext uri="{FF2B5EF4-FFF2-40B4-BE49-F238E27FC236}">
-                <a16:creationId xmlns:a16="http://schemas.microsoft.com/office/drawing/2014/main" id="{52F4402D-20A5-C44A-B2BA-70B101F9B17C}"/>
-              </a:ext>
-            </a:extLst>
-          </p:cNvPr>
+          <p:cNvPr id="2" name="Title 1"/>
           <p:cNvSpPr>
             <a:spLocks noGrp="1"/>
           </p:cNvSpPr>
@@ -2489,15 +2187,15 @@
         </p:nvSpPr>
         <p:spPr>
           <a:xfrm>
-            <a:off x="839788" y="457200"/>
-            <a:ext cx="3932237" cy="1600200"/>
+            <a:off x="946839" y="609600"/>
+            <a:ext cx="4433495" cy="2133600"/>
           </a:xfrm>
         </p:spPr>
         <p:txBody>
           <a:bodyPr anchor="b"/>
           <a:lstStyle>
             <a:lvl1pPr>
-              <a:defRPr sz="3200"/>
+              <a:defRPr sz="4267"/>
             </a:lvl1pPr>
           </a:lstStyle>
           <a:p>
@@ -2505,20 +2203,15 @@
               <a:rPr lang="en-US"/>
               <a:t>Click to edit Master title style</a:t>
             </a:r>
+            <a:endParaRPr lang="en-US" dirty="0"/>
           </a:p>
         </p:txBody>
       </p:sp>
       <p:sp>
         <p:nvSpPr>
-          <p:cNvPr id="3" name="Picture Placeholder 2">
-            <a:extLst>
-              <a:ext uri="{FF2B5EF4-FFF2-40B4-BE49-F238E27FC236}">
-                <a16:creationId xmlns:a16="http://schemas.microsoft.com/office/drawing/2014/main" id="{680D6658-0EC1-7442-AF0E-56FBED327E3A}"/>
-              </a:ext>
-            </a:extLst>
-          </p:cNvPr>
+          <p:cNvPr id="3" name="Picture Placeholder 2"/>
           <p:cNvSpPr>
-            <a:spLocks noGrp="1"/>
+            <a:spLocks noGrp="1" noChangeAspect="1"/>
           </p:cNvSpPr>
           <p:nvPr>
             <p:ph type="pic" idx="1"/>
@@ -2526,64 +2219,62 @@
         </p:nvSpPr>
         <p:spPr>
           <a:xfrm>
-            <a:off x="5183188" y="987425"/>
-            <a:ext cx="6172200" cy="4873625"/>
+            <a:off x="5843910" y="1316569"/>
+            <a:ext cx="6958995" cy="6498167"/>
           </a:xfrm>
         </p:spPr>
         <p:txBody>
-          <a:bodyPr/>
+          <a:bodyPr anchor="t"/>
           <a:lstStyle>
             <a:lvl1pPr marL="0" indent="0">
               <a:buNone/>
+              <a:defRPr sz="4267"/>
+            </a:lvl1pPr>
+            <a:lvl2pPr marL="609585" indent="0">
+              <a:buNone/>
+              <a:defRPr sz="3733"/>
+            </a:lvl2pPr>
+            <a:lvl3pPr marL="1219170" indent="0">
+              <a:buNone/>
               <a:defRPr sz="3200"/>
-            </a:lvl1pPr>
-            <a:lvl2pPr marL="457200" indent="0">
+            </a:lvl3pPr>
+            <a:lvl4pPr marL="1828754" indent="0">
               <a:buNone/>
-              <a:defRPr sz="2800"/>
-            </a:lvl2pPr>
-            <a:lvl3pPr marL="914400" indent="0">
+              <a:defRPr sz="2667"/>
+            </a:lvl4pPr>
+            <a:lvl5pPr marL="2438339" indent="0">
               <a:buNone/>
-              <a:defRPr sz="2400"/>
-            </a:lvl3pPr>
-            <a:lvl4pPr marL="1371600" indent="0">
+              <a:defRPr sz="2667"/>
+            </a:lvl5pPr>
+            <a:lvl6pPr marL="3047924" indent="0">
               <a:buNone/>
-              <a:defRPr sz="2000"/>
-            </a:lvl4pPr>
-            <a:lvl5pPr marL="1828800" indent="0">
+              <a:defRPr sz="2667"/>
+            </a:lvl6pPr>
+            <a:lvl7pPr marL="3657509" indent="0">
               <a:buNone/>
-              <a:defRPr sz="2000"/>
-            </a:lvl5pPr>
-            <a:lvl6pPr marL="2286000" indent="0">
+              <a:defRPr sz="2667"/>
+            </a:lvl7pPr>
+            <a:lvl8pPr marL="4267093" indent="0">
               <a:buNone/>
-              <a:defRPr sz="2000"/>
-            </a:lvl6pPr>
-            <a:lvl7pPr marL="2743200" indent="0">
+              <a:defRPr sz="2667"/>
+            </a:lvl8pPr>
+            <a:lvl9pPr marL="4876678" indent="0">
               <a:buNone/>
-              <a:defRPr sz="2000"/>
-            </a:lvl7pPr>
-            <a:lvl8pPr marL="3200400" indent="0">
-              <a:buNone/>
-              <a:defRPr sz="2000"/>
-            </a:lvl8pPr>
-            <a:lvl9pPr marL="3657600" indent="0">
-              <a:buNone/>
-              <a:defRPr sz="2000"/>
+              <a:defRPr sz="2667"/>
             </a:lvl9pPr>
           </a:lstStyle>
           <a:p>
-            <a:endParaRPr lang="en-US"/>
+            <a:r>
+              <a:rPr lang="en-US"/>
+              <a:t>Click icon to add picture</a:t>
+            </a:r>
+            <a:endParaRPr lang="en-US" dirty="0"/>
           </a:p>
         </p:txBody>
       </p:sp>
       <p:sp>
         <p:nvSpPr>
-          <p:cNvPr id="4" name="Text Placeholder 3">
-            <a:extLst>
-              <a:ext uri="{FF2B5EF4-FFF2-40B4-BE49-F238E27FC236}">
-                <a16:creationId xmlns:a16="http://schemas.microsoft.com/office/drawing/2014/main" id="{C1F140F3-02D1-4D47-96A1-00B2507F625E}"/>
-              </a:ext>
-            </a:extLst>
-          </p:cNvPr>
+          <p:cNvPr id="4" name="Text Placeholder 3"/>
           <p:cNvSpPr>
             <a:spLocks noGrp="1"/>
           </p:cNvSpPr>
@@ -2593,8 +2284,8 @@
         </p:nvSpPr>
         <p:spPr>
           <a:xfrm>
-            <a:off x="839788" y="2057400"/>
-            <a:ext cx="3932237" cy="3811588"/>
+            <a:off x="946839" y="2743200"/>
+            <a:ext cx="4433495" cy="5082117"/>
           </a:xfrm>
         </p:spPr>
         <p:txBody>
@@ -2602,59 +2293,53 @@
           <a:lstStyle>
             <a:lvl1pPr marL="0" indent="0">
               <a:buNone/>
+              <a:defRPr sz="2133"/>
+            </a:lvl1pPr>
+            <a:lvl2pPr marL="609585" indent="0">
+              <a:buNone/>
+              <a:defRPr sz="1867"/>
+            </a:lvl2pPr>
+            <a:lvl3pPr marL="1219170" indent="0">
+              <a:buNone/>
               <a:defRPr sz="1600"/>
-            </a:lvl1pPr>
-            <a:lvl2pPr marL="457200" indent="0">
+            </a:lvl3pPr>
+            <a:lvl4pPr marL="1828754" indent="0">
               <a:buNone/>
-              <a:defRPr sz="1400"/>
-            </a:lvl2pPr>
-            <a:lvl3pPr marL="914400" indent="0">
+              <a:defRPr sz="1333"/>
+            </a:lvl4pPr>
+            <a:lvl5pPr marL="2438339" indent="0">
               <a:buNone/>
-              <a:defRPr sz="1200"/>
-            </a:lvl3pPr>
-            <a:lvl4pPr marL="1371600" indent="0">
+              <a:defRPr sz="1333"/>
+            </a:lvl5pPr>
+            <a:lvl6pPr marL="3047924" indent="0">
               <a:buNone/>
-              <a:defRPr sz="1000"/>
-            </a:lvl4pPr>
-            <a:lvl5pPr marL="1828800" indent="0">
+              <a:defRPr sz="1333"/>
+            </a:lvl6pPr>
+            <a:lvl7pPr marL="3657509" indent="0">
               <a:buNone/>
-              <a:defRPr sz="1000"/>
-            </a:lvl5pPr>
-            <a:lvl6pPr marL="2286000" indent="0">
+              <a:defRPr sz="1333"/>
+            </a:lvl7pPr>
+            <a:lvl8pPr marL="4267093" indent="0">
               <a:buNone/>
-              <a:defRPr sz="1000"/>
-            </a:lvl6pPr>
-            <a:lvl7pPr marL="2743200" indent="0">
+              <a:defRPr sz="1333"/>
+            </a:lvl8pPr>
+            <a:lvl9pPr marL="4876678" indent="0">
               <a:buNone/>
-              <a:defRPr sz="1000"/>
-            </a:lvl7pPr>
-            <a:lvl8pPr marL="3200400" indent="0">
-              <a:buNone/>
-              <a:defRPr sz="1000"/>
-            </a:lvl8pPr>
-            <a:lvl9pPr marL="3657600" indent="0">
-              <a:buNone/>
-              <a:defRPr sz="1000"/>
+              <a:defRPr sz="1333"/>
             </a:lvl9pPr>
           </a:lstStyle>
           <a:p>
             <a:pPr lvl="0"/>
             <a:r>
               <a:rPr lang="en-US"/>
-              <a:t>Edit Master text styles</a:t>
+              <a:t>Click to edit Master text styles</a:t>
             </a:r>
           </a:p>
         </p:txBody>
       </p:sp>
       <p:sp>
         <p:nvSpPr>
-          <p:cNvPr id="5" name="Date Placeholder 4">
-            <a:extLst>
-              <a:ext uri="{FF2B5EF4-FFF2-40B4-BE49-F238E27FC236}">
-                <a16:creationId xmlns:a16="http://schemas.microsoft.com/office/drawing/2014/main" id="{4479F194-1FE8-0245-B1C0-FD059D2CF594}"/>
-              </a:ext>
-            </a:extLst>
-          </p:cNvPr>
+          <p:cNvPr id="5" name="Date Placeholder 4"/>
           <p:cNvSpPr>
             <a:spLocks noGrp="1"/>
           </p:cNvSpPr>
@@ -2669,7 +2354,7 @@
           <a:p>
             <a:fld id="{C415CA74-3952-BD4B-AE8D-88D35F82BC16}" type="datetimeFigureOut">
               <a:rPr lang="en-US" smtClean="0"/>
-              <a:t>8/15/20</a:t>
+              <a:t>9/30/20</a:t>
             </a:fld>
             <a:endParaRPr lang="en-US"/>
           </a:p>
@@ -2677,13 +2362,7 @@
       </p:sp>
       <p:sp>
         <p:nvSpPr>
-          <p:cNvPr id="6" name="Footer Placeholder 5">
-            <a:extLst>
-              <a:ext uri="{FF2B5EF4-FFF2-40B4-BE49-F238E27FC236}">
-                <a16:creationId xmlns:a16="http://schemas.microsoft.com/office/drawing/2014/main" id="{64E37A88-6556-9149-8BC3-90AAE5466DB1}"/>
-              </a:ext>
-            </a:extLst>
-          </p:cNvPr>
+          <p:cNvPr id="6" name="Footer Placeholder 5"/>
           <p:cNvSpPr>
             <a:spLocks noGrp="1"/>
           </p:cNvSpPr>
@@ -2702,13 +2381,7 @@
       </p:sp>
       <p:sp>
         <p:nvSpPr>
-          <p:cNvPr id="7" name="Slide Number Placeholder 6">
-            <a:extLst>
-              <a:ext uri="{FF2B5EF4-FFF2-40B4-BE49-F238E27FC236}">
-                <a16:creationId xmlns:a16="http://schemas.microsoft.com/office/drawing/2014/main" id="{D758D932-205C-3B4A-9F51-7391E4EC21E0}"/>
-              </a:ext>
-            </a:extLst>
-          </p:cNvPr>
+          <p:cNvPr id="7" name="Slide Number Placeholder 6"/>
           <p:cNvSpPr>
             <a:spLocks noGrp="1"/>
           </p:cNvSpPr>
@@ -2732,7 +2405,7 @@
     </p:spTree>
     <p:extLst>
       <p:ext uri="{BB962C8B-B14F-4D97-AF65-F5344CB8AC3E}">
-        <p14:creationId xmlns:p14="http://schemas.microsoft.com/office/powerpoint/2010/main" val="3952648094"/>
+        <p14:creationId xmlns:p14="http://schemas.microsoft.com/office/powerpoint/2010/main" val="2907295176"/>
       </p:ext>
     </p:extLst>
   </p:cSld>
@@ -2766,13 +2439,7 @@
       </p:grpSpPr>
       <p:sp>
         <p:nvSpPr>
-          <p:cNvPr id="2" name="Title Placeholder 1">
-            <a:extLst>
-              <a:ext uri="{FF2B5EF4-FFF2-40B4-BE49-F238E27FC236}">
-                <a16:creationId xmlns:a16="http://schemas.microsoft.com/office/drawing/2014/main" id="{913BC7CC-6EE9-AE4C-B431-DFE662D190D0}"/>
-              </a:ext>
-            </a:extLst>
-          </p:cNvPr>
+          <p:cNvPr id="2" name="Title Placeholder 1"/>
           <p:cNvSpPr>
             <a:spLocks noGrp="1"/>
           </p:cNvSpPr>
@@ -2782,8 +2449,8 @@
         </p:nvSpPr>
         <p:spPr>
           <a:xfrm>
-            <a:off x="838200" y="365125"/>
-            <a:ext cx="10515600" cy="1325563"/>
+            <a:off x="945049" y="486836"/>
+            <a:ext cx="11856066" cy="1767417"/>
           </a:xfrm>
           <a:prstGeom prst="rect">
             <a:avLst/>
@@ -2799,18 +2466,13 @@
               <a:rPr lang="en-US"/>
               <a:t>Click to edit Master title style</a:t>
             </a:r>
+            <a:endParaRPr lang="en-US" dirty="0"/>
           </a:p>
         </p:txBody>
       </p:sp>
       <p:sp>
         <p:nvSpPr>
-          <p:cNvPr id="3" name="Text Placeholder 2">
-            <a:extLst>
-              <a:ext uri="{FF2B5EF4-FFF2-40B4-BE49-F238E27FC236}">
-                <a16:creationId xmlns:a16="http://schemas.microsoft.com/office/drawing/2014/main" id="{9591855F-08D9-F24D-A538-2E3D20FDD9AF}"/>
-              </a:ext>
-            </a:extLst>
-          </p:cNvPr>
+          <p:cNvPr id="3" name="Text Placeholder 2"/>
           <p:cNvSpPr>
             <a:spLocks noGrp="1"/>
           </p:cNvSpPr>
@@ -2820,8 +2482,8 @@
         </p:nvSpPr>
         <p:spPr>
           <a:xfrm>
-            <a:off x="838200" y="1825625"/>
-            <a:ext cx="10515600" cy="4351338"/>
+            <a:off x="945049" y="2434167"/>
+            <a:ext cx="11856066" cy="5801784"/>
           </a:xfrm>
           <a:prstGeom prst="rect">
             <a:avLst/>
@@ -2836,7 +2498,7 @@
             <a:pPr lvl="0"/>
             <a:r>
               <a:rPr lang="en-US"/>
-              <a:t>Edit Master text styles</a:t>
+              <a:t>Click to edit Master text styles</a:t>
             </a:r>
           </a:p>
           <a:p>
@@ -2866,18 +2528,13 @@
               <a:rPr lang="en-US"/>
               <a:t>Fifth level</a:t>
             </a:r>
+            <a:endParaRPr lang="en-US" dirty="0"/>
           </a:p>
         </p:txBody>
       </p:sp>
       <p:sp>
         <p:nvSpPr>
-          <p:cNvPr id="4" name="Date Placeholder 3">
-            <a:extLst>
-              <a:ext uri="{FF2B5EF4-FFF2-40B4-BE49-F238E27FC236}">
-                <a16:creationId xmlns:a16="http://schemas.microsoft.com/office/drawing/2014/main" id="{D457E6CD-041E-B242-9A64-3EF5C6AFBB53}"/>
-              </a:ext>
-            </a:extLst>
-          </p:cNvPr>
+          <p:cNvPr id="4" name="Date Placeholder 3"/>
           <p:cNvSpPr>
             <a:spLocks noGrp="1"/>
           </p:cNvSpPr>
@@ -2887,8 +2544,8 @@
         </p:nvSpPr>
         <p:spPr>
           <a:xfrm>
-            <a:off x="838200" y="6356350"/>
-            <a:ext cx="2743200" cy="365125"/>
+            <a:off x="945049" y="8475136"/>
+            <a:ext cx="3092887" cy="486833"/>
           </a:xfrm>
           <a:prstGeom prst="rect">
             <a:avLst/>
@@ -2898,7 +2555,7 @@
           <a:bodyPr vert="horz" lIns="91440" tIns="45720" rIns="91440" bIns="45720" rtlCol="0" anchor="ctr"/>
           <a:lstStyle>
             <a:lvl1pPr algn="l">
-              <a:defRPr sz="1200">
+              <a:defRPr sz="1600">
                 <a:solidFill>
                   <a:schemeClr val="tx1">
                     <a:tint val="75000"/>
@@ -2910,7 +2567,7 @@
           <a:p>
             <a:fld id="{C415CA74-3952-BD4B-AE8D-88D35F82BC16}" type="datetimeFigureOut">
               <a:rPr lang="en-US" smtClean="0"/>
-              <a:t>8/15/20</a:t>
+              <a:t>9/30/20</a:t>
             </a:fld>
             <a:endParaRPr lang="en-US"/>
           </a:p>
@@ -2918,13 +2575,7 @@
       </p:sp>
       <p:sp>
         <p:nvSpPr>
-          <p:cNvPr id="5" name="Footer Placeholder 4">
-            <a:extLst>
-              <a:ext uri="{FF2B5EF4-FFF2-40B4-BE49-F238E27FC236}">
-                <a16:creationId xmlns:a16="http://schemas.microsoft.com/office/drawing/2014/main" id="{36642C29-240E-F64F-9E9B-E8D42735ADD6}"/>
-              </a:ext>
-            </a:extLst>
-          </p:cNvPr>
+          <p:cNvPr id="5" name="Footer Placeholder 4"/>
           <p:cNvSpPr>
             <a:spLocks noGrp="1"/>
           </p:cNvSpPr>
@@ -2934,8 +2585,8 @@
         </p:nvSpPr>
         <p:spPr>
           <a:xfrm>
-            <a:off x="4038600" y="6356350"/>
-            <a:ext cx="4114800" cy="365125"/>
+            <a:off x="4553417" y="8475136"/>
+            <a:ext cx="4639330" cy="486833"/>
           </a:xfrm>
           <a:prstGeom prst="rect">
             <a:avLst/>
@@ -2945,7 +2596,7 @@
           <a:bodyPr vert="horz" lIns="91440" tIns="45720" rIns="91440" bIns="45720" rtlCol="0" anchor="ctr"/>
           <a:lstStyle>
             <a:lvl1pPr algn="ctr">
-              <a:defRPr sz="1200">
+              <a:defRPr sz="1600">
                 <a:solidFill>
                   <a:schemeClr val="tx1">
                     <a:tint val="75000"/>
@@ -2961,13 +2612,7 @@
       </p:sp>
       <p:sp>
         <p:nvSpPr>
-          <p:cNvPr id="6" name="Slide Number Placeholder 5">
-            <a:extLst>
-              <a:ext uri="{FF2B5EF4-FFF2-40B4-BE49-F238E27FC236}">
-                <a16:creationId xmlns:a16="http://schemas.microsoft.com/office/drawing/2014/main" id="{40C992F2-A3C7-1B4E-AACD-DE952B073274}"/>
-              </a:ext>
-            </a:extLst>
-          </p:cNvPr>
+          <p:cNvPr id="6" name="Slide Number Placeholder 5"/>
           <p:cNvSpPr>
             <a:spLocks noGrp="1"/>
           </p:cNvSpPr>
@@ -2977,8 +2622,8 @@
         </p:nvSpPr>
         <p:spPr>
           <a:xfrm>
-            <a:off x="8610600" y="6356350"/>
-            <a:ext cx="2743200" cy="365125"/>
+            <a:off x="9708227" y="8475136"/>
+            <a:ext cx="3092887" cy="486833"/>
           </a:xfrm>
           <a:prstGeom prst="rect">
             <a:avLst/>
@@ -2988,7 +2633,7 @@
           <a:bodyPr vert="horz" lIns="91440" tIns="45720" rIns="91440" bIns="45720" rtlCol="0" anchor="ctr"/>
           <a:lstStyle>
             <a:lvl1pPr algn="r">
-              <a:defRPr sz="1200">
+              <a:defRPr sz="1600">
                 <a:solidFill>
                   <a:schemeClr val="tx1">
                     <a:tint val="75000"/>
@@ -3009,27 +2654,27 @@
     </p:spTree>
     <p:extLst>
       <p:ext uri="{BB962C8B-B14F-4D97-AF65-F5344CB8AC3E}">
-        <p14:creationId xmlns:p14="http://schemas.microsoft.com/office/powerpoint/2010/main" val="2931736079"/>
+        <p14:creationId xmlns:p14="http://schemas.microsoft.com/office/powerpoint/2010/main" val="1993339520"/>
       </p:ext>
     </p:extLst>
   </p:cSld>
   <p:clrMap bg1="lt1" tx1="dk1" bg2="lt2" tx2="dk2" accent1="accent1" accent2="accent2" accent3="accent3" accent4="accent4" accent5="accent5" accent6="accent6" hlink="hlink" folHlink="folHlink"/>
   <p:sldLayoutIdLst>
-    <p:sldLayoutId id="2147483649" r:id="rId1"/>
-    <p:sldLayoutId id="2147483650" r:id="rId2"/>
-    <p:sldLayoutId id="2147483651" r:id="rId3"/>
-    <p:sldLayoutId id="2147483652" r:id="rId4"/>
-    <p:sldLayoutId id="2147483653" r:id="rId5"/>
-    <p:sldLayoutId id="2147483654" r:id="rId6"/>
-    <p:sldLayoutId id="2147483655" r:id="rId7"/>
-    <p:sldLayoutId id="2147483656" r:id="rId8"/>
-    <p:sldLayoutId id="2147483657" r:id="rId9"/>
-    <p:sldLayoutId id="2147483658" r:id="rId10"/>
-    <p:sldLayoutId id="2147483659" r:id="rId11"/>
+    <p:sldLayoutId id="2147483661" r:id="rId1"/>
+    <p:sldLayoutId id="2147483662" r:id="rId2"/>
+    <p:sldLayoutId id="2147483663" r:id="rId3"/>
+    <p:sldLayoutId id="2147483664" r:id="rId4"/>
+    <p:sldLayoutId id="2147483665" r:id="rId5"/>
+    <p:sldLayoutId id="2147483666" r:id="rId6"/>
+    <p:sldLayoutId id="2147483667" r:id="rId7"/>
+    <p:sldLayoutId id="2147483668" r:id="rId8"/>
+    <p:sldLayoutId id="2147483669" r:id="rId9"/>
+    <p:sldLayoutId id="2147483670" r:id="rId10"/>
+    <p:sldLayoutId id="2147483671" r:id="rId11"/>
   </p:sldLayoutIdLst>
   <p:txStyles>
     <p:titleStyle>
-      <a:lvl1pPr algn="l" defTabSz="914400" rtl="0" eaLnBrk="1" latinLnBrk="0" hangingPunct="1">
+      <a:lvl1pPr algn="l" defTabSz="1219170" rtl="0" eaLnBrk="1" latinLnBrk="0" hangingPunct="1">
         <a:lnSpc>
           <a:spcPct val="90000"/>
         </a:lnSpc>
@@ -3037,7 +2682,7 @@
           <a:spcPct val="0"/>
         </a:spcBef>
         <a:buNone/>
-        <a:defRPr sz="4400" kern="1200">
+        <a:defRPr sz="5867" kern="1200">
           <a:solidFill>
             <a:schemeClr val="tx1"/>
           </a:solidFill>
@@ -3048,16 +2693,16 @@
       </a:lvl1pPr>
     </p:titleStyle>
     <p:bodyStyle>
-      <a:lvl1pPr marL="228600" indent="-228600" algn="l" defTabSz="914400" rtl="0" eaLnBrk="1" latinLnBrk="0" hangingPunct="1">
+      <a:lvl1pPr marL="304792" indent="-304792" algn="l" defTabSz="1219170" rtl="0" eaLnBrk="1" latinLnBrk="0" hangingPunct="1">
         <a:lnSpc>
           <a:spcPct val="90000"/>
         </a:lnSpc>
         <a:spcBef>
-          <a:spcPts val="1000"/>
+          <a:spcPts val="1333"/>
         </a:spcBef>
         <a:buFont typeface="Arial" panose="020B0604020202020204" pitchFamily="34" charset="0"/>
         <a:buChar char="•"/>
-        <a:defRPr sz="2800" kern="1200">
+        <a:defRPr sz="3733" kern="1200">
           <a:solidFill>
             <a:schemeClr val="tx1"/>
           </a:solidFill>
@@ -3066,12 +2711,48 @@
           <a:cs typeface="+mn-cs"/>
         </a:defRPr>
       </a:lvl1pPr>
-      <a:lvl2pPr marL="685800" indent="-228600" algn="l" defTabSz="914400" rtl="0" eaLnBrk="1" latinLnBrk="0" hangingPunct="1">
+      <a:lvl2pPr marL="914377" indent="-304792" algn="l" defTabSz="1219170" rtl="0" eaLnBrk="1" latinLnBrk="0" hangingPunct="1">
         <a:lnSpc>
           <a:spcPct val="90000"/>
         </a:lnSpc>
         <a:spcBef>
-          <a:spcPts val="500"/>
+          <a:spcPts val="667"/>
+        </a:spcBef>
+        <a:buFont typeface="Arial" panose="020B0604020202020204" pitchFamily="34" charset="0"/>
+        <a:buChar char="•"/>
+        <a:defRPr sz="3200" kern="1200">
+          <a:solidFill>
+            <a:schemeClr val="tx1"/>
+          </a:solidFill>
+          <a:latin typeface="+mn-lt"/>
+          <a:ea typeface="+mn-ea"/>
+          <a:cs typeface="+mn-cs"/>
+        </a:defRPr>
+      </a:lvl2pPr>
+      <a:lvl3pPr marL="1523962" indent="-304792" algn="l" defTabSz="1219170" rtl="0" eaLnBrk="1" latinLnBrk="0" hangingPunct="1">
+        <a:lnSpc>
+          <a:spcPct val="90000"/>
+        </a:lnSpc>
+        <a:spcBef>
+          <a:spcPts val="667"/>
+        </a:spcBef>
+        <a:buFont typeface="Arial" panose="020B0604020202020204" pitchFamily="34" charset="0"/>
+        <a:buChar char="•"/>
+        <a:defRPr sz="2667" kern="1200">
+          <a:solidFill>
+            <a:schemeClr val="tx1"/>
+          </a:solidFill>
+          <a:latin typeface="+mn-lt"/>
+          <a:ea typeface="+mn-ea"/>
+          <a:cs typeface="+mn-cs"/>
+        </a:defRPr>
+      </a:lvl3pPr>
+      <a:lvl4pPr marL="2133547" indent="-304792" algn="l" defTabSz="1219170" rtl="0" eaLnBrk="1" latinLnBrk="0" hangingPunct="1">
+        <a:lnSpc>
+          <a:spcPct val="90000"/>
+        </a:lnSpc>
+        <a:spcBef>
+          <a:spcPts val="667"/>
         </a:spcBef>
         <a:buFont typeface="Arial" panose="020B0604020202020204" pitchFamily="34" charset="0"/>
         <a:buChar char="•"/>
@@ -3083,53 +2764,17 @@
           <a:ea typeface="+mn-ea"/>
           <a:cs typeface="+mn-cs"/>
         </a:defRPr>
-      </a:lvl2pPr>
-      <a:lvl3pPr marL="1143000" indent="-228600" algn="l" defTabSz="914400" rtl="0" eaLnBrk="1" latinLnBrk="0" hangingPunct="1">
+      </a:lvl4pPr>
+      <a:lvl5pPr marL="2743131" indent="-304792" algn="l" defTabSz="1219170" rtl="0" eaLnBrk="1" latinLnBrk="0" hangingPunct="1">
         <a:lnSpc>
           <a:spcPct val="90000"/>
         </a:lnSpc>
         <a:spcBef>
-          <a:spcPts val="500"/>
+          <a:spcPts val="667"/>
         </a:spcBef>
         <a:buFont typeface="Arial" panose="020B0604020202020204" pitchFamily="34" charset="0"/>
         <a:buChar char="•"/>
-        <a:defRPr sz="2000" kern="1200">
-          <a:solidFill>
-            <a:schemeClr val="tx1"/>
-          </a:solidFill>
-          <a:latin typeface="+mn-lt"/>
-          <a:ea typeface="+mn-ea"/>
-          <a:cs typeface="+mn-cs"/>
-        </a:defRPr>
-      </a:lvl3pPr>
-      <a:lvl4pPr marL="1600200" indent="-228600" algn="l" defTabSz="914400" rtl="0" eaLnBrk="1" latinLnBrk="0" hangingPunct="1">
-        <a:lnSpc>
-          <a:spcPct val="90000"/>
-        </a:lnSpc>
-        <a:spcBef>
-          <a:spcPts val="500"/>
-        </a:spcBef>
-        <a:buFont typeface="Arial" panose="020B0604020202020204" pitchFamily="34" charset="0"/>
-        <a:buChar char="•"/>
-        <a:defRPr sz="1800" kern="1200">
-          <a:solidFill>
-            <a:schemeClr val="tx1"/>
-          </a:solidFill>
-          <a:latin typeface="+mn-lt"/>
-          <a:ea typeface="+mn-ea"/>
-          <a:cs typeface="+mn-cs"/>
-        </a:defRPr>
-      </a:lvl4pPr>
-      <a:lvl5pPr marL="2057400" indent="-228600" algn="l" defTabSz="914400" rtl="0" eaLnBrk="1" latinLnBrk="0" hangingPunct="1">
-        <a:lnSpc>
-          <a:spcPct val="90000"/>
-        </a:lnSpc>
-        <a:spcBef>
-          <a:spcPts val="500"/>
-        </a:spcBef>
-        <a:buFont typeface="Arial" panose="020B0604020202020204" pitchFamily="34" charset="0"/>
-        <a:buChar char="•"/>
-        <a:defRPr sz="1800" kern="1200">
+        <a:defRPr sz="2400" kern="1200">
           <a:solidFill>
             <a:schemeClr val="tx1"/>
           </a:solidFill>
@@ -3138,16 +2783,16 @@
           <a:cs typeface="+mn-cs"/>
         </a:defRPr>
       </a:lvl5pPr>
-      <a:lvl6pPr marL="2514600" indent="-228600" algn="l" defTabSz="914400" rtl="0" eaLnBrk="1" latinLnBrk="0" hangingPunct="1">
+      <a:lvl6pPr marL="3352716" indent="-304792" algn="l" defTabSz="1219170" rtl="0" eaLnBrk="1" latinLnBrk="0" hangingPunct="1">
         <a:lnSpc>
           <a:spcPct val="90000"/>
         </a:lnSpc>
         <a:spcBef>
-          <a:spcPts val="500"/>
+          <a:spcPts val="667"/>
         </a:spcBef>
         <a:buFont typeface="Arial" panose="020B0604020202020204" pitchFamily="34" charset="0"/>
         <a:buChar char="•"/>
-        <a:defRPr sz="1800" kern="1200">
+        <a:defRPr sz="2400" kern="1200">
           <a:solidFill>
             <a:schemeClr val="tx1"/>
           </a:solidFill>
@@ -3156,16 +2801,16 @@
           <a:cs typeface="+mn-cs"/>
         </a:defRPr>
       </a:lvl6pPr>
-      <a:lvl7pPr marL="2971800" indent="-228600" algn="l" defTabSz="914400" rtl="0" eaLnBrk="1" latinLnBrk="0" hangingPunct="1">
+      <a:lvl7pPr marL="3962301" indent="-304792" algn="l" defTabSz="1219170" rtl="0" eaLnBrk="1" latinLnBrk="0" hangingPunct="1">
         <a:lnSpc>
           <a:spcPct val="90000"/>
         </a:lnSpc>
         <a:spcBef>
-          <a:spcPts val="500"/>
+          <a:spcPts val="667"/>
         </a:spcBef>
         <a:buFont typeface="Arial" panose="020B0604020202020204" pitchFamily="34" charset="0"/>
         <a:buChar char="•"/>
-        <a:defRPr sz="1800" kern="1200">
+        <a:defRPr sz="2400" kern="1200">
           <a:solidFill>
             <a:schemeClr val="tx1"/>
           </a:solidFill>
@@ -3174,16 +2819,16 @@
           <a:cs typeface="+mn-cs"/>
         </a:defRPr>
       </a:lvl7pPr>
-      <a:lvl8pPr marL="3429000" indent="-228600" algn="l" defTabSz="914400" rtl="0" eaLnBrk="1" latinLnBrk="0" hangingPunct="1">
+      <a:lvl8pPr marL="4571886" indent="-304792" algn="l" defTabSz="1219170" rtl="0" eaLnBrk="1" latinLnBrk="0" hangingPunct="1">
         <a:lnSpc>
           <a:spcPct val="90000"/>
         </a:lnSpc>
         <a:spcBef>
-          <a:spcPts val="500"/>
+          <a:spcPts val="667"/>
         </a:spcBef>
         <a:buFont typeface="Arial" panose="020B0604020202020204" pitchFamily="34" charset="0"/>
         <a:buChar char="•"/>
-        <a:defRPr sz="1800" kern="1200">
+        <a:defRPr sz="2400" kern="1200">
           <a:solidFill>
             <a:schemeClr val="tx1"/>
           </a:solidFill>
@@ -3192,16 +2837,16 @@
           <a:cs typeface="+mn-cs"/>
         </a:defRPr>
       </a:lvl8pPr>
-      <a:lvl9pPr marL="3886200" indent="-228600" algn="l" defTabSz="914400" rtl="0" eaLnBrk="1" latinLnBrk="0" hangingPunct="1">
+      <a:lvl9pPr marL="5181470" indent="-304792" algn="l" defTabSz="1219170" rtl="0" eaLnBrk="1" latinLnBrk="0" hangingPunct="1">
         <a:lnSpc>
           <a:spcPct val="90000"/>
         </a:lnSpc>
         <a:spcBef>
-          <a:spcPts val="500"/>
+          <a:spcPts val="667"/>
         </a:spcBef>
         <a:buFont typeface="Arial" panose="020B0604020202020204" pitchFamily="34" charset="0"/>
         <a:buChar char="•"/>
-        <a:defRPr sz="1800" kern="1200">
+        <a:defRPr sz="2400" kern="1200">
           <a:solidFill>
             <a:schemeClr val="tx1"/>
           </a:solidFill>
@@ -3215,8 +2860,8 @@
       <a:defPPr>
         <a:defRPr lang="en-US"/>
       </a:defPPr>
-      <a:lvl1pPr marL="0" algn="l" defTabSz="914400" rtl="0" eaLnBrk="1" latinLnBrk="0" hangingPunct="1">
-        <a:defRPr sz="1800" kern="1200">
+      <a:lvl1pPr marL="0" algn="l" defTabSz="1219170" rtl="0" eaLnBrk="1" latinLnBrk="0" hangingPunct="1">
+        <a:defRPr sz="2400" kern="1200">
           <a:solidFill>
             <a:schemeClr val="tx1"/>
           </a:solidFill>
@@ -3225,8 +2870,8 @@
           <a:cs typeface="+mn-cs"/>
         </a:defRPr>
       </a:lvl1pPr>
-      <a:lvl2pPr marL="457200" algn="l" defTabSz="914400" rtl="0" eaLnBrk="1" latinLnBrk="0" hangingPunct="1">
-        <a:defRPr sz="1800" kern="1200">
+      <a:lvl2pPr marL="609585" algn="l" defTabSz="1219170" rtl="0" eaLnBrk="1" latinLnBrk="0" hangingPunct="1">
+        <a:defRPr sz="2400" kern="1200">
           <a:solidFill>
             <a:schemeClr val="tx1"/>
           </a:solidFill>
@@ -3235,8 +2880,8 @@
           <a:cs typeface="+mn-cs"/>
         </a:defRPr>
       </a:lvl2pPr>
-      <a:lvl3pPr marL="914400" algn="l" defTabSz="914400" rtl="0" eaLnBrk="1" latinLnBrk="0" hangingPunct="1">
-        <a:defRPr sz="1800" kern="1200">
+      <a:lvl3pPr marL="1219170" algn="l" defTabSz="1219170" rtl="0" eaLnBrk="1" latinLnBrk="0" hangingPunct="1">
+        <a:defRPr sz="2400" kern="1200">
           <a:solidFill>
             <a:schemeClr val="tx1"/>
           </a:solidFill>
@@ -3245,8 +2890,8 @@
           <a:cs typeface="+mn-cs"/>
         </a:defRPr>
       </a:lvl3pPr>
-      <a:lvl4pPr marL="1371600" algn="l" defTabSz="914400" rtl="0" eaLnBrk="1" latinLnBrk="0" hangingPunct="1">
-        <a:defRPr sz="1800" kern="1200">
+      <a:lvl4pPr marL="1828754" algn="l" defTabSz="1219170" rtl="0" eaLnBrk="1" latinLnBrk="0" hangingPunct="1">
+        <a:defRPr sz="2400" kern="1200">
           <a:solidFill>
             <a:schemeClr val="tx1"/>
           </a:solidFill>
@@ -3255,8 +2900,8 @@
           <a:cs typeface="+mn-cs"/>
         </a:defRPr>
       </a:lvl4pPr>
-      <a:lvl5pPr marL="1828800" algn="l" defTabSz="914400" rtl="0" eaLnBrk="1" latinLnBrk="0" hangingPunct="1">
-        <a:defRPr sz="1800" kern="1200">
+      <a:lvl5pPr marL="2438339" algn="l" defTabSz="1219170" rtl="0" eaLnBrk="1" latinLnBrk="0" hangingPunct="1">
+        <a:defRPr sz="2400" kern="1200">
           <a:solidFill>
             <a:schemeClr val="tx1"/>
           </a:solidFill>
@@ -3265,8 +2910,8 @@
           <a:cs typeface="+mn-cs"/>
         </a:defRPr>
       </a:lvl5pPr>
-      <a:lvl6pPr marL="2286000" algn="l" defTabSz="914400" rtl="0" eaLnBrk="1" latinLnBrk="0" hangingPunct="1">
-        <a:defRPr sz="1800" kern="1200">
+      <a:lvl6pPr marL="3047924" algn="l" defTabSz="1219170" rtl="0" eaLnBrk="1" latinLnBrk="0" hangingPunct="1">
+        <a:defRPr sz="2400" kern="1200">
           <a:solidFill>
             <a:schemeClr val="tx1"/>
           </a:solidFill>
@@ -3275,8 +2920,8 @@
           <a:cs typeface="+mn-cs"/>
         </a:defRPr>
       </a:lvl6pPr>
-      <a:lvl7pPr marL="2743200" algn="l" defTabSz="914400" rtl="0" eaLnBrk="1" latinLnBrk="0" hangingPunct="1">
-        <a:defRPr sz="1800" kern="1200">
+      <a:lvl7pPr marL="3657509" algn="l" defTabSz="1219170" rtl="0" eaLnBrk="1" latinLnBrk="0" hangingPunct="1">
+        <a:defRPr sz="2400" kern="1200">
           <a:solidFill>
             <a:schemeClr val="tx1"/>
           </a:solidFill>
@@ -3285,8 +2930,8 @@
           <a:cs typeface="+mn-cs"/>
         </a:defRPr>
       </a:lvl7pPr>
-      <a:lvl8pPr marL="3200400" algn="l" defTabSz="914400" rtl="0" eaLnBrk="1" latinLnBrk="0" hangingPunct="1">
-        <a:defRPr sz="1800" kern="1200">
+      <a:lvl8pPr marL="4267093" algn="l" defTabSz="1219170" rtl="0" eaLnBrk="1" latinLnBrk="0" hangingPunct="1">
+        <a:defRPr sz="2400" kern="1200">
           <a:solidFill>
             <a:schemeClr val="tx1"/>
           </a:solidFill>
@@ -3295,8 +2940,8 @@
           <a:cs typeface="+mn-cs"/>
         </a:defRPr>
       </a:lvl8pPr>
-      <a:lvl9pPr marL="3657600" algn="l" defTabSz="914400" rtl="0" eaLnBrk="1" latinLnBrk="0" hangingPunct="1">
-        <a:defRPr sz="1800" kern="1200">
+      <a:lvl9pPr marL="4876678" algn="l" defTabSz="1219170" rtl="0" eaLnBrk="1" latinLnBrk="0" hangingPunct="1">
+        <a:defRPr sz="2400" kern="1200">
           <a:solidFill>
             <a:schemeClr val="tx1"/>
           </a:solidFill>
@@ -3341,7 +2986,7 @@
         </p:nvGrpSpPr>
         <p:grpSpPr>
           <a:xfrm>
-            <a:off x="722685" y="480060"/>
+            <a:off x="1499767" y="1623060"/>
             <a:ext cx="11095935" cy="5554980"/>
             <a:chOff x="722685" y="480060"/>
             <a:chExt cx="11095935" cy="5554980"/>
@@ -5071,172 +4716,3052 @@
           <a:chExt cx="0" cy="0"/>
         </a:xfrm>
       </p:grpSpPr>
-      <p:sp>
-        <p:nvSpPr>
-          <p:cNvPr id="18" name="TextBox 17">
+      <p:grpSp>
+        <p:nvGrpSpPr>
+          <p:cNvPr id="55" name="Group 54">
             <a:extLst>
               <a:ext uri="{FF2B5EF4-FFF2-40B4-BE49-F238E27FC236}">
-                <a16:creationId xmlns:a16="http://schemas.microsoft.com/office/drawing/2014/main" id="{AF849B00-7292-4B48-AE99-5BFB39C1AC18}"/>
+                <a16:creationId xmlns:a16="http://schemas.microsoft.com/office/drawing/2014/main" id="{8726700E-AF7D-BF46-B8E5-D91D1DADA38C}"/>
               </a:ext>
             </a:extLst>
           </p:cNvPr>
-          <p:cNvSpPr txBox="1"/>
+          <p:cNvGrpSpPr/>
           <p:nvPr/>
-        </p:nvSpPr>
-        <p:spPr>
+        </p:nvGrpSpPr>
+        <p:grpSpPr>
           <a:xfrm>
-            <a:off x="3429000" y="6183348"/>
-            <a:ext cx="6477000" cy="369332"/>
+            <a:off x="129151" y="1493529"/>
+            <a:ext cx="13246839" cy="5696516"/>
+            <a:chOff x="129151" y="1493529"/>
+            <a:chExt cx="13246839" cy="5696516"/>
           </a:xfrm>
-          <a:prstGeom prst="rect">
-            <a:avLst/>
-          </a:prstGeom>
-          <a:noFill/>
-        </p:spPr>
-        <p:txBody>
-          <a:bodyPr wrap="square" rtlCol="0">
-            <a:spAutoFit/>
-          </a:bodyPr>
-          <a:lstStyle/>
-          <a:p>
-            <a:r>
-              <a:rPr lang="en-US" dirty="0"/>
-              <a:t>RUMP </a:t>
-            </a:r>
-            <a:r>
-              <a:rPr lang="en-US" dirty="0" err="1"/>
-              <a:t>Github</a:t>
-            </a:r>
-            <a:r>
-              <a:rPr lang="en-US" dirty="0"/>
-              <a:t>: </a:t>
-            </a:r>
-            <a:r>
-              <a:rPr lang="en-US" dirty="0">
-                <a:hlinkClick r:id="rId2"/>
-              </a:rPr>
-              <a:t>https://github.com/lemaslab/RUMP</a:t>
-            </a:r>
-            <a:r>
-              <a:rPr lang="en-US" dirty="0"/>
-              <a:t> </a:t>
-            </a:r>
-          </a:p>
-        </p:txBody>
-      </p:sp>
-      <p:sp>
-        <p:nvSpPr>
-          <p:cNvPr id="19" name="Title 1">
+        </p:grpSpPr>
+        <p:sp>
+          <p:nvSpPr>
+            <p:cNvPr id="5" name="Rounded Rectangle 4">
+              <a:extLst>
+                <a:ext uri="{FF2B5EF4-FFF2-40B4-BE49-F238E27FC236}">
+                  <a16:creationId xmlns:a16="http://schemas.microsoft.com/office/drawing/2014/main" id="{F2B10E25-3425-6C4E-A8C3-ED2B274B34CD}"/>
+                </a:ext>
+              </a:extLst>
+            </p:cNvPr>
+            <p:cNvSpPr/>
+            <p:nvPr/>
+          </p:nvSpPr>
+          <p:spPr>
+            <a:xfrm>
+              <a:off x="3066336" y="1812918"/>
+              <a:ext cx="10309654" cy="5344737"/>
+            </a:xfrm>
+            <a:prstGeom prst="roundRect">
+              <a:avLst/>
+            </a:prstGeom>
+            <a:ln w="38100">
+              <a:solidFill>
+                <a:srgbClr val="FF0000"/>
+              </a:solidFill>
+              <a:prstDash val="dash"/>
+            </a:ln>
+          </p:spPr>
+          <p:style>
+            <a:lnRef idx="2">
+              <a:schemeClr val="accent6"/>
+            </a:lnRef>
+            <a:fillRef idx="1">
+              <a:schemeClr val="lt1"/>
+            </a:fillRef>
+            <a:effectRef idx="0">
+              <a:schemeClr val="accent6"/>
+            </a:effectRef>
+            <a:fontRef idx="minor">
+              <a:schemeClr val="dk1"/>
+            </a:fontRef>
+          </p:style>
+          <p:txBody>
+            <a:bodyPr rtlCol="0" anchor="ctr"/>
+            <a:lstStyle/>
+            <a:p>
+              <a:pPr algn="ctr"/>
+              <a:endParaRPr lang="en-US" dirty="0"/>
+            </a:p>
+          </p:txBody>
+        </p:sp>
+        <p:sp>
+          <p:nvSpPr>
+            <p:cNvPr id="6" name="Rounded Rectangle 5">
+              <a:extLst>
+                <a:ext uri="{FF2B5EF4-FFF2-40B4-BE49-F238E27FC236}">
+                  <a16:creationId xmlns:a16="http://schemas.microsoft.com/office/drawing/2014/main" id="{3F5F0DD0-9238-C949-B921-5EB7CD9E9975}"/>
+                </a:ext>
+              </a:extLst>
+            </p:cNvPr>
+            <p:cNvSpPr/>
+            <p:nvPr/>
+          </p:nvSpPr>
+          <p:spPr>
+            <a:xfrm>
+              <a:off x="280567" y="5713362"/>
+              <a:ext cx="991981" cy="1379095"/>
+            </a:xfrm>
+            <a:prstGeom prst="roundRect">
+              <a:avLst/>
+            </a:prstGeom>
+            <a:ln w="38100">
+              <a:solidFill>
+                <a:srgbClr val="FF0000"/>
+              </a:solidFill>
+            </a:ln>
+          </p:spPr>
+          <p:style>
+            <a:lnRef idx="2">
+              <a:schemeClr val="accent2"/>
+            </a:lnRef>
+            <a:fillRef idx="1">
+              <a:schemeClr val="lt1"/>
+            </a:fillRef>
+            <a:effectRef idx="0">
+              <a:schemeClr val="accent2"/>
+            </a:effectRef>
+            <a:fontRef idx="minor">
+              <a:schemeClr val="dk1"/>
+            </a:fontRef>
+          </p:style>
+          <p:txBody>
+            <a:bodyPr rtlCol="0" anchor="ctr"/>
+            <a:lstStyle/>
+            <a:p>
+              <a:pPr algn="ctr"/>
+              <a:endParaRPr lang="en-US" sz="1100" dirty="0"/>
+            </a:p>
+            <a:p>
+              <a:pPr algn="ctr"/>
+              <a:endParaRPr lang="en-US" sz="1100" dirty="0"/>
+            </a:p>
+            <a:p>
+              <a:pPr algn="ctr"/>
+              <a:endParaRPr lang="en-US" sz="1100" dirty="0"/>
+            </a:p>
+            <a:p>
+              <a:pPr algn="ctr"/>
+              <a:endParaRPr lang="en-US" sz="1100" dirty="0"/>
+            </a:p>
+            <a:p>
+              <a:pPr algn="ctr"/>
+              <a:endParaRPr lang="en-US" sz="1100" dirty="0"/>
+            </a:p>
+            <a:p>
+              <a:pPr algn="ctr"/>
+              <a:r>
+                <a:rPr lang="en-US" sz="1100" dirty="0"/>
+                <a:t>Sample Preparation</a:t>
+              </a:r>
+            </a:p>
+          </p:txBody>
+        </p:sp>
+        <p:pic>
+          <p:nvPicPr>
+            <p:cNvPr id="7" name="Picture 6" descr="https://documents.lucidchart.com/documents/966fbf01-d9b7-4749-8747-a6a4ed470af1/pages/0_0?a=432&amp;x=972&amp;y=132&amp;w=168&amp;h=176&amp;store=1&amp;accept=image%2F*&amp;auth=LCA%206e2750aa87be5669f8761a236447553de47d667a-ts%3D1587754664">
+              <a:extLst>
+                <a:ext uri="{FF2B5EF4-FFF2-40B4-BE49-F238E27FC236}">
+                  <a16:creationId xmlns:a16="http://schemas.microsoft.com/office/drawing/2014/main" id="{1310CE87-BD9F-DA4E-A331-3FEFA18BA442}"/>
+                </a:ext>
+              </a:extLst>
+            </p:cNvPr>
+            <p:cNvPicPr>
+              <a:picLocks noChangeAspect="1" noChangeArrowheads="1"/>
+            </p:cNvPicPr>
+            <p:nvPr/>
+          </p:nvPicPr>
+          <p:blipFill>
+            <a:blip r:embed="rId2">
+              <a:extLst>
+                <a:ext uri="{28A0092B-C50C-407E-A947-70E740481C1C}">
+                  <a14:useLocalDpi xmlns:a14="http://schemas.microsoft.com/office/drawing/2010/main" val="0"/>
+                </a:ext>
+              </a:extLst>
+            </a:blip>
+            <a:srcRect/>
+            <a:stretch>
+              <a:fillRect/>
+            </a:stretch>
+          </p:blipFill>
+          <p:spPr bwMode="auto">
+            <a:xfrm>
+              <a:off x="402739" y="5806009"/>
+              <a:ext cx="747635" cy="783237"/>
+            </a:xfrm>
+            <a:prstGeom prst="rect">
+              <a:avLst/>
+            </a:prstGeom>
+            <a:noFill/>
             <a:extLst>
-              <a:ext uri="{FF2B5EF4-FFF2-40B4-BE49-F238E27FC236}">
-                <a16:creationId xmlns:a16="http://schemas.microsoft.com/office/drawing/2014/main" id="{910D7835-FAF7-B343-B4F1-16DBAD805C38}"/>
+              <a:ext uri="{909E8E84-426E-40DD-AFC4-6F175D3DCCD1}">
+                <a14:hiddenFill xmlns:a14="http://schemas.microsoft.com/office/drawing/2010/main">
+                  <a:solidFill>
+                    <a:srgbClr val="FFFFFF"/>
+                  </a:solidFill>
+                </a14:hiddenFill>
               </a:ext>
             </a:extLst>
-          </p:cNvPr>
-          <p:cNvSpPr txBox="1">
-            <a:spLocks/>
-          </p:cNvSpPr>
-          <p:nvPr/>
-        </p:nvSpPr>
-        <p:spPr>
-          <a:xfrm>
-            <a:off x="685800" y="381000"/>
-            <a:ext cx="10820400" cy="430887"/>
-          </a:xfrm>
-          <a:prstGeom prst="rect">
-            <a:avLst/>
-          </a:prstGeom>
-        </p:spPr>
-        <p:txBody>
-          <a:bodyPr wrap="square" lIns="0" tIns="0" rIns="0" bIns="0">
-            <a:spAutoFit/>
-          </a:bodyPr>
-          <a:lstStyle>
-            <a:lvl1pPr eaLnBrk="1" hangingPunct="1">
-              <a:defRPr>
-                <a:latin typeface="+mj-lt"/>
-                <a:ea typeface="+mj-ea"/>
-                <a:cs typeface="+mj-cs"/>
-              </a:defRPr>
-            </a:lvl1pPr>
-          </a:lstStyle>
-          <a:p>
-            <a:r>
-              <a:rPr lang="en-US" sz="2800" b="1" kern="0" dirty="0">
-                <a:solidFill>
-                  <a:schemeClr val="tx2"/>
-                </a:solidFill>
-                <a:latin typeface="Arial Black"/>
-                <a:cs typeface="Arial Black"/>
-              </a:rPr>
-              <a:t>Overview of RUMP Workflow</a:t>
-            </a:r>
-          </a:p>
-        </p:txBody>
-      </p:sp>
-      <p:pic>
-        <p:nvPicPr>
-          <p:cNvPr id="20" name="Picture 19">
+          </p:spPr>
+        </p:pic>
+        <p:sp>
+          <p:nvSpPr>
+            <p:cNvPr id="8" name="Rounded Rectangle 7">
+              <a:extLst>
+                <a:ext uri="{FF2B5EF4-FFF2-40B4-BE49-F238E27FC236}">
+                  <a16:creationId xmlns:a16="http://schemas.microsoft.com/office/drawing/2014/main" id="{A2480433-DB85-A445-ADED-1CFA8D4F26DB}"/>
+                </a:ext>
+              </a:extLst>
+            </p:cNvPr>
+            <p:cNvSpPr/>
+            <p:nvPr/>
+          </p:nvSpPr>
+          <p:spPr>
+            <a:xfrm>
+              <a:off x="1603399" y="5713362"/>
+              <a:ext cx="991981" cy="1379095"/>
+            </a:xfrm>
+            <a:prstGeom prst="roundRect">
+              <a:avLst/>
+            </a:prstGeom>
+            <a:ln w="38100">
+              <a:solidFill>
+                <a:srgbClr val="FF0000"/>
+              </a:solidFill>
+            </a:ln>
+          </p:spPr>
+          <p:style>
+            <a:lnRef idx="2">
+              <a:schemeClr val="accent2"/>
+            </a:lnRef>
+            <a:fillRef idx="1">
+              <a:schemeClr val="lt1"/>
+            </a:fillRef>
+            <a:effectRef idx="0">
+              <a:schemeClr val="accent2"/>
+            </a:effectRef>
+            <a:fontRef idx="minor">
+              <a:schemeClr val="dk1"/>
+            </a:fontRef>
+          </p:style>
+          <p:txBody>
+            <a:bodyPr rtlCol="0" anchor="ctr"/>
+            <a:lstStyle/>
+            <a:p>
+              <a:pPr algn="ctr"/>
+              <a:endParaRPr lang="en-US" sz="1100" dirty="0"/>
+            </a:p>
+            <a:p>
+              <a:pPr algn="ctr"/>
+              <a:endParaRPr lang="en-US" sz="1100" dirty="0"/>
+            </a:p>
+            <a:p>
+              <a:pPr algn="ctr"/>
+              <a:endParaRPr lang="en-US" sz="1100" dirty="0"/>
+            </a:p>
+            <a:p>
+              <a:pPr algn="ctr"/>
+              <a:endParaRPr lang="en-US" sz="1100" dirty="0"/>
+            </a:p>
+            <a:p>
+              <a:pPr algn="ctr"/>
+              <a:endParaRPr lang="en-US" sz="1100" dirty="0"/>
+            </a:p>
+            <a:p>
+              <a:pPr algn="ctr"/>
+              <a:r>
+                <a:rPr lang="en-US" sz="1100" dirty="0"/>
+                <a:t>LC-HRMS</a:t>
+              </a:r>
+            </a:p>
+          </p:txBody>
+        </p:sp>
+        <p:pic>
+          <p:nvPicPr>
+            <p:cNvPr id="9" name="Picture 8" descr="https://documents.lucidchart.com/documents/966fbf01-d9b7-4749-8747-a6a4ed470af1/pages/0_0?a=435&amp;x=962&amp;y=324&amp;w=189&amp;h=290&amp;store=1&amp;accept=image%2F*&amp;auth=LCA%2053be1e64f183a5e47bd79ffbf0a3e005a81eb5da-ts%3D1587754664">
+              <a:extLst>
+                <a:ext uri="{FF2B5EF4-FFF2-40B4-BE49-F238E27FC236}">
+                  <a16:creationId xmlns:a16="http://schemas.microsoft.com/office/drawing/2014/main" id="{5B0912DC-C223-A045-AE6F-3B3D4E5E69F1}"/>
+                </a:ext>
+              </a:extLst>
+            </p:cNvPr>
+            <p:cNvPicPr>
+              <a:picLocks noChangeAspect="1" noChangeArrowheads="1"/>
+            </p:cNvPicPr>
+            <p:nvPr/>
+          </p:nvPicPr>
+          <p:blipFill>
+            <a:blip r:embed="rId3">
+              <a:extLst>
+                <a:ext uri="{28A0092B-C50C-407E-A947-70E740481C1C}">
+                  <a14:useLocalDpi xmlns:a14="http://schemas.microsoft.com/office/drawing/2010/main" val="0"/>
+                </a:ext>
+              </a:extLst>
+            </a:blip>
+            <a:srcRect/>
+            <a:stretch>
+              <a:fillRect/>
+            </a:stretch>
+          </p:blipFill>
+          <p:spPr bwMode="auto">
+            <a:xfrm>
+              <a:off x="1805597" y="5806009"/>
+              <a:ext cx="619027" cy="950337"/>
+            </a:xfrm>
+            <a:prstGeom prst="rect">
+              <a:avLst/>
+            </a:prstGeom>
+            <a:noFill/>
             <a:extLst>
-              <a:ext uri="{FF2B5EF4-FFF2-40B4-BE49-F238E27FC236}">
-                <a16:creationId xmlns:a16="http://schemas.microsoft.com/office/drawing/2014/main" id="{95F404A4-DCC7-FA44-84B7-D62479761F76}"/>
+              <a:ext uri="{909E8E84-426E-40DD-AFC4-6F175D3DCCD1}">
+                <a14:hiddenFill xmlns:a14="http://schemas.microsoft.com/office/drawing/2010/main">
+                  <a:solidFill>
+                    <a:srgbClr val="FFFFFF"/>
+                  </a:solidFill>
+                </a14:hiddenFill>
               </a:ext>
             </a:extLst>
-          </p:cNvPr>
-          <p:cNvPicPr/>
-          <p:nvPr/>
-        </p:nvPicPr>
-        <p:blipFill>
-          <a:blip r:embed="rId3">
+          </p:spPr>
+        </p:pic>
+        <p:sp>
+          <p:nvSpPr>
+            <p:cNvPr id="10" name="Rounded Rectangle 9">
+              <a:extLst>
+                <a:ext uri="{FF2B5EF4-FFF2-40B4-BE49-F238E27FC236}">
+                  <a16:creationId xmlns:a16="http://schemas.microsoft.com/office/drawing/2014/main" id="{5D7FEFD8-C1A9-0946-A33F-6659D8560752}"/>
+                </a:ext>
+              </a:extLst>
+            </p:cNvPr>
+            <p:cNvSpPr/>
+            <p:nvPr/>
+          </p:nvSpPr>
+          <p:spPr>
+            <a:xfrm>
+              <a:off x="4925719" y="3556416"/>
+              <a:ext cx="1648019" cy="1379095"/>
+            </a:xfrm>
+            <a:prstGeom prst="roundRect">
+              <a:avLst/>
+            </a:prstGeom>
+            <a:ln w="38100">
+              <a:solidFill>
+                <a:srgbClr val="FF0000"/>
+              </a:solidFill>
+            </a:ln>
+          </p:spPr>
+          <p:style>
+            <a:lnRef idx="2">
+              <a:schemeClr val="accent2"/>
+            </a:lnRef>
+            <a:fillRef idx="1">
+              <a:schemeClr val="lt1"/>
+            </a:fillRef>
+            <a:effectRef idx="0">
+              <a:schemeClr val="accent2"/>
+            </a:effectRef>
+            <a:fontRef idx="minor">
+              <a:schemeClr val="dk1"/>
+            </a:fontRef>
+          </p:style>
+          <p:txBody>
+            <a:bodyPr rtlCol="0" anchor="ctr"/>
+            <a:lstStyle/>
+            <a:p>
+              <a:pPr algn="ctr"/>
+              <a:endParaRPr lang="en-US" sz="1100" dirty="0"/>
+            </a:p>
+            <a:p>
+              <a:pPr algn="ctr"/>
+              <a:endParaRPr lang="en-US" sz="1100" dirty="0"/>
+            </a:p>
+            <a:p>
+              <a:pPr algn="ctr"/>
+              <a:endParaRPr lang="en-US" sz="1100" dirty="0"/>
+            </a:p>
+            <a:p>
+              <a:pPr algn="ctr"/>
+              <a:endParaRPr lang="en-US" sz="1100" dirty="0"/>
+            </a:p>
+            <a:p>
+              <a:pPr algn="ctr"/>
+              <a:endParaRPr lang="en-US" sz="1100" dirty="0"/>
+            </a:p>
+            <a:p>
+              <a:pPr algn="ctr"/>
+              <a:r>
+                <a:rPr lang="en-US" sz="1100" dirty="0"/>
+                <a:t>Converted Files</a:t>
+              </a:r>
+            </a:p>
+          </p:txBody>
+        </p:sp>
+        <p:pic>
+          <p:nvPicPr>
+            <p:cNvPr id="11" name="Picture 10">
+              <a:extLst>
+                <a:ext uri="{FF2B5EF4-FFF2-40B4-BE49-F238E27FC236}">
+                  <a16:creationId xmlns:a16="http://schemas.microsoft.com/office/drawing/2014/main" id="{F02BE101-BE64-8A45-9B0B-AD0043D0D815}"/>
+                </a:ext>
+              </a:extLst>
+            </p:cNvPr>
+            <p:cNvPicPr>
+              <a:picLocks noChangeAspect="1"/>
+            </p:cNvPicPr>
+            <p:nvPr/>
+          </p:nvPicPr>
+          <p:blipFill>
+            <a:blip r:embed="rId4"/>
+            <a:stretch>
+              <a:fillRect/>
+            </a:stretch>
+          </p:blipFill>
+          <p:spPr>
+            <a:xfrm>
+              <a:off x="5068788" y="3745248"/>
+              <a:ext cx="1337310" cy="786653"/>
+            </a:xfrm>
+            <a:prstGeom prst="rect">
+              <a:avLst/>
+            </a:prstGeom>
+          </p:spPr>
+        </p:pic>
+        <p:sp>
+          <p:nvSpPr>
+            <p:cNvPr id="12" name="Rounded Rectangle 11">
+              <a:extLst>
+                <a:ext uri="{FF2B5EF4-FFF2-40B4-BE49-F238E27FC236}">
+                  <a16:creationId xmlns:a16="http://schemas.microsoft.com/office/drawing/2014/main" id="{622975C3-FFFE-884E-8F6B-CDE29F8CFD80}"/>
+                </a:ext>
+              </a:extLst>
+            </p:cNvPr>
+            <p:cNvSpPr/>
+            <p:nvPr/>
+          </p:nvSpPr>
+          <p:spPr>
+            <a:xfrm>
+              <a:off x="6904589" y="3865292"/>
+              <a:ext cx="1913404" cy="1003208"/>
+            </a:xfrm>
+            <a:prstGeom prst="roundRect">
+              <a:avLst/>
+            </a:prstGeom>
+            <a:ln w="38100">
+              <a:solidFill>
+                <a:srgbClr val="FF0000"/>
+              </a:solidFill>
+            </a:ln>
+          </p:spPr>
+          <p:style>
+            <a:lnRef idx="2">
+              <a:schemeClr val="accent2"/>
+            </a:lnRef>
+            <a:fillRef idx="1">
+              <a:schemeClr val="lt1"/>
+            </a:fillRef>
+            <a:effectRef idx="0">
+              <a:schemeClr val="accent2"/>
+            </a:effectRef>
+            <a:fontRef idx="minor">
+              <a:schemeClr val="dk1"/>
+            </a:fontRef>
+          </p:style>
+          <p:txBody>
+            <a:bodyPr rtlCol="0" anchor="ctr"/>
+            <a:lstStyle/>
+            <a:p>
+              <a:pPr algn="ctr"/>
+              <a:endParaRPr lang="en-US" sz="1100" dirty="0"/>
+            </a:p>
+            <a:p>
+              <a:pPr algn="ctr"/>
+              <a:endParaRPr lang="en-US" sz="1100" dirty="0"/>
+            </a:p>
+            <a:p>
+              <a:pPr algn="ctr"/>
+              <a:endParaRPr lang="en-US" sz="1100" dirty="0"/>
+            </a:p>
+            <a:p>
+              <a:pPr algn="ctr"/>
+              <a:r>
+                <a:rPr lang="en-US" sz="1100" dirty="0"/>
+                <a:t>Data Processing</a:t>
+              </a:r>
+            </a:p>
+          </p:txBody>
+        </p:sp>
+        <p:pic>
+          <p:nvPicPr>
+            <p:cNvPr id="13" name="Picture 18" descr="Image result for MzMine logo">
+              <a:extLst>
+                <a:ext uri="{FF2B5EF4-FFF2-40B4-BE49-F238E27FC236}">
+                  <a16:creationId xmlns:a16="http://schemas.microsoft.com/office/drawing/2014/main" id="{E2CF9AAB-E679-654A-A80D-793D181E18F9}"/>
+                </a:ext>
+              </a:extLst>
+            </p:cNvPr>
+            <p:cNvPicPr>
+              <a:picLocks noChangeAspect="1" noChangeArrowheads="1"/>
+            </p:cNvPicPr>
+            <p:nvPr/>
+          </p:nvPicPr>
+          <p:blipFill>
+            <a:blip r:embed="rId5">
+              <a:extLst>
+                <a:ext uri="{28A0092B-C50C-407E-A947-70E740481C1C}">
+                  <a14:useLocalDpi xmlns:a14="http://schemas.microsoft.com/office/drawing/2010/main" val="0"/>
+                </a:ext>
+              </a:extLst>
+            </a:blip>
+            <a:srcRect/>
+            <a:stretch>
+              <a:fillRect/>
+            </a:stretch>
+          </p:blipFill>
+          <p:spPr bwMode="auto">
+            <a:xfrm>
+              <a:off x="7039310" y="4113966"/>
+              <a:ext cx="988736" cy="229299"/>
+            </a:xfrm>
+            <a:prstGeom prst="rect">
+              <a:avLst/>
+            </a:prstGeom>
+            <a:noFill/>
             <a:extLst>
-              <a:ext uri="{28A0092B-C50C-407E-A947-70E740481C1C}">
-                <a14:useLocalDpi xmlns:a14="http://schemas.microsoft.com/office/drawing/2010/main" val="0"/>
+              <a:ext uri="{909E8E84-426E-40DD-AFC4-6F175D3DCCD1}">
+                <a14:hiddenFill xmlns:a14="http://schemas.microsoft.com/office/drawing/2010/main">
+                  <a:solidFill>
+                    <a:srgbClr val="FFFFFF"/>
+                  </a:solidFill>
+                </a14:hiddenFill>
               </a:ext>
             </a:extLst>
-          </a:blip>
-          <a:stretch>
-            <a:fillRect/>
-          </a:stretch>
-        </p:blipFill>
-        <p:spPr>
-          <a:xfrm>
-            <a:off x="1143000" y="724737"/>
-            <a:ext cx="9906000" cy="5408525"/>
-          </a:xfrm>
-          <a:prstGeom prst="rect">
-            <a:avLst/>
-          </a:prstGeom>
-        </p:spPr>
-      </p:pic>
+          </p:spPr>
+        </p:pic>
+        <p:sp>
+          <p:nvSpPr>
+            <p:cNvPr id="14" name="Rounded Rectangle 13">
+              <a:extLst>
+                <a:ext uri="{FF2B5EF4-FFF2-40B4-BE49-F238E27FC236}">
+                  <a16:creationId xmlns:a16="http://schemas.microsoft.com/office/drawing/2014/main" id="{07641EEC-DCF3-514B-B8E5-FA1E103548AA}"/>
+                </a:ext>
+              </a:extLst>
+            </p:cNvPr>
+            <p:cNvSpPr/>
+            <p:nvPr/>
+          </p:nvSpPr>
+          <p:spPr>
+            <a:xfrm>
+              <a:off x="9287906" y="3742197"/>
+              <a:ext cx="1648019" cy="1070219"/>
+            </a:xfrm>
+            <a:prstGeom prst="roundRect">
+              <a:avLst/>
+            </a:prstGeom>
+            <a:ln w="38100">
+              <a:solidFill>
+                <a:srgbClr val="FF0000"/>
+              </a:solidFill>
+            </a:ln>
+          </p:spPr>
+          <p:style>
+            <a:lnRef idx="2">
+              <a:schemeClr val="accent2"/>
+            </a:lnRef>
+            <a:fillRef idx="1">
+              <a:schemeClr val="lt1"/>
+            </a:fillRef>
+            <a:effectRef idx="0">
+              <a:schemeClr val="accent2"/>
+            </a:effectRef>
+            <a:fontRef idx="minor">
+              <a:schemeClr val="dk1"/>
+            </a:fontRef>
+          </p:style>
+          <p:txBody>
+            <a:bodyPr rtlCol="0" anchor="ctr"/>
+            <a:lstStyle/>
+            <a:p>
+              <a:pPr algn="ctr"/>
+              <a:endParaRPr lang="en-US" sz="1100" dirty="0"/>
+            </a:p>
+            <a:p>
+              <a:pPr algn="ctr"/>
+              <a:endParaRPr lang="en-US" sz="1100" dirty="0"/>
+            </a:p>
+            <a:p>
+              <a:pPr algn="ctr"/>
+              <a:endParaRPr lang="en-US" sz="1100" dirty="0"/>
+            </a:p>
+            <a:p>
+              <a:pPr algn="ctr"/>
+              <a:r>
+                <a:rPr lang="en-US" sz="1100" dirty="0"/>
+                <a:t>File Format Transformation</a:t>
+              </a:r>
+            </a:p>
+          </p:txBody>
+        </p:sp>
+        <p:pic>
+          <p:nvPicPr>
+            <p:cNvPr id="15" name="Picture 10" descr="The Python Logo | Python Software Foundation">
+              <a:extLst>
+                <a:ext uri="{FF2B5EF4-FFF2-40B4-BE49-F238E27FC236}">
+                  <a16:creationId xmlns:a16="http://schemas.microsoft.com/office/drawing/2014/main" id="{2805A162-ADA0-CD4F-A40E-3E8B3E9F83B8}"/>
+                </a:ext>
+              </a:extLst>
+            </p:cNvPr>
+            <p:cNvPicPr>
+              <a:picLocks noChangeAspect="1" noChangeArrowheads="1"/>
+            </p:cNvPicPr>
+            <p:nvPr/>
+          </p:nvPicPr>
+          <p:blipFill>
+            <a:blip r:embed="rId6">
+              <a:extLst>
+                <a:ext uri="{28A0092B-C50C-407E-A947-70E740481C1C}">
+                  <a14:useLocalDpi xmlns:a14="http://schemas.microsoft.com/office/drawing/2010/main" val="0"/>
+                </a:ext>
+              </a:extLst>
+            </a:blip>
+            <a:srcRect/>
+            <a:stretch>
+              <a:fillRect/>
+            </a:stretch>
+          </p:blipFill>
+          <p:spPr bwMode="auto">
+            <a:xfrm>
+              <a:off x="9358246" y="3807926"/>
+              <a:ext cx="1518973" cy="513064"/>
+            </a:xfrm>
+            <a:prstGeom prst="rect">
+              <a:avLst/>
+            </a:prstGeom>
+            <a:noFill/>
+            <a:extLst>
+              <a:ext uri="{909E8E84-426E-40DD-AFC4-6F175D3DCCD1}">
+                <a14:hiddenFill xmlns:a14="http://schemas.microsoft.com/office/drawing/2010/main">
+                  <a:solidFill>
+                    <a:srgbClr val="FFFFFF"/>
+                  </a:solidFill>
+                </a14:hiddenFill>
+              </a:ext>
+            </a:extLst>
+          </p:spPr>
+        </p:pic>
+        <p:sp>
+          <p:nvSpPr>
+            <p:cNvPr id="16" name="Rounded Rectangle 15">
+              <a:extLst>
+                <a:ext uri="{FF2B5EF4-FFF2-40B4-BE49-F238E27FC236}">
+                  <a16:creationId xmlns:a16="http://schemas.microsoft.com/office/drawing/2014/main" id="{5526F4C7-DF0C-9343-8588-8566E054BE75}"/>
+                </a:ext>
+              </a:extLst>
+            </p:cNvPr>
+            <p:cNvSpPr/>
+            <p:nvPr/>
+          </p:nvSpPr>
+          <p:spPr>
+            <a:xfrm>
+              <a:off x="6904589" y="2335773"/>
+              <a:ext cx="1648019" cy="1070219"/>
+            </a:xfrm>
+            <a:prstGeom prst="roundRect">
+              <a:avLst/>
+            </a:prstGeom>
+            <a:ln w="38100">
+              <a:solidFill>
+                <a:srgbClr val="FF0000"/>
+              </a:solidFill>
+            </a:ln>
+          </p:spPr>
+          <p:style>
+            <a:lnRef idx="2">
+              <a:schemeClr val="accent2"/>
+            </a:lnRef>
+            <a:fillRef idx="1">
+              <a:schemeClr val="lt1"/>
+            </a:fillRef>
+            <a:effectRef idx="0">
+              <a:schemeClr val="accent2"/>
+            </a:effectRef>
+            <a:fontRef idx="minor">
+              <a:schemeClr val="dk1"/>
+            </a:fontRef>
+          </p:style>
+          <p:txBody>
+            <a:bodyPr rtlCol="0" anchor="ctr"/>
+            <a:lstStyle/>
+            <a:p>
+              <a:pPr algn="ctr"/>
+              <a:endParaRPr lang="en-US" sz="1100" dirty="0"/>
+            </a:p>
+            <a:p>
+              <a:pPr algn="ctr"/>
+              <a:endParaRPr lang="en-US" sz="1100" dirty="0"/>
+            </a:p>
+            <a:p>
+              <a:pPr algn="ctr"/>
+              <a:endParaRPr lang="en-US" sz="1100" dirty="0"/>
+            </a:p>
+            <a:p>
+              <a:pPr algn="ctr"/>
+              <a:r>
+                <a:rPr lang="en-US" sz="1100" dirty="0"/>
+                <a:t>Blank Subtraction &amp; Statistical Analysis</a:t>
+              </a:r>
+            </a:p>
+          </p:txBody>
+        </p:sp>
+        <p:pic>
+          <p:nvPicPr>
+            <p:cNvPr id="17" name="Picture 10" descr="The Python Logo | Python Software Foundation">
+              <a:extLst>
+                <a:ext uri="{FF2B5EF4-FFF2-40B4-BE49-F238E27FC236}">
+                  <a16:creationId xmlns:a16="http://schemas.microsoft.com/office/drawing/2014/main" id="{F93E638C-06B8-8D49-978B-F91AE3939213}"/>
+                </a:ext>
+              </a:extLst>
+            </p:cNvPr>
+            <p:cNvPicPr>
+              <a:picLocks noChangeAspect="1" noChangeArrowheads="1"/>
+            </p:cNvPicPr>
+            <p:nvPr/>
+          </p:nvPicPr>
+          <p:blipFill>
+            <a:blip r:embed="rId6">
+              <a:extLst>
+                <a:ext uri="{28A0092B-C50C-407E-A947-70E740481C1C}">
+                  <a14:useLocalDpi xmlns:a14="http://schemas.microsoft.com/office/drawing/2010/main" val="0"/>
+                </a:ext>
+              </a:extLst>
+            </a:blip>
+            <a:srcRect/>
+            <a:stretch>
+              <a:fillRect/>
+            </a:stretch>
+          </p:blipFill>
+          <p:spPr bwMode="auto">
+            <a:xfrm>
+              <a:off x="6974929" y="2401502"/>
+              <a:ext cx="1518973" cy="513064"/>
+            </a:xfrm>
+            <a:prstGeom prst="rect">
+              <a:avLst/>
+            </a:prstGeom>
+            <a:noFill/>
+            <a:extLst>
+              <a:ext uri="{909E8E84-426E-40DD-AFC4-6F175D3DCCD1}">
+                <a14:hiddenFill xmlns:a14="http://schemas.microsoft.com/office/drawing/2010/main">
+                  <a:solidFill>
+                    <a:srgbClr val="FFFFFF"/>
+                  </a:solidFill>
+                </a14:hiddenFill>
+              </a:ext>
+            </a:extLst>
+          </p:spPr>
+        </p:pic>
+        <p:sp>
+          <p:nvSpPr>
+            <p:cNvPr id="18" name="Rounded Rectangle 17">
+              <a:extLst>
+                <a:ext uri="{FF2B5EF4-FFF2-40B4-BE49-F238E27FC236}">
+                  <a16:creationId xmlns:a16="http://schemas.microsoft.com/office/drawing/2014/main" id="{C50C5A3A-0235-FE46-9634-A86E543B0774}"/>
+                </a:ext>
+              </a:extLst>
+            </p:cNvPr>
+            <p:cNvSpPr/>
+            <p:nvPr/>
+          </p:nvSpPr>
+          <p:spPr>
+            <a:xfrm>
+              <a:off x="9287906" y="2335773"/>
+              <a:ext cx="1648019" cy="1070219"/>
+            </a:xfrm>
+            <a:prstGeom prst="roundRect">
+              <a:avLst/>
+            </a:prstGeom>
+            <a:ln w="38100">
+              <a:solidFill>
+                <a:srgbClr val="FF0000"/>
+              </a:solidFill>
+            </a:ln>
+          </p:spPr>
+          <p:style>
+            <a:lnRef idx="2">
+              <a:schemeClr val="accent2"/>
+            </a:lnRef>
+            <a:fillRef idx="1">
+              <a:schemeClr val="lt1"/>
+            </a:fillRef>
+            <a:effectRef idx="0">
+              <a:schemeClr val="accent2"/>
+            </a:effectRef>
+            <a:fontRef idx="minor">
+              <a:schemeClr val="dk1"/>
+            </a:fontRef>
+          </p:style>
+          <p:txBody>
+            <a:bodyPr rtlCol="0" anchor="ctr"/>
+            <a:lstStyle/>
+            <a:p>
+              <a:pPr algn="ctr"/>
+              <a:endParaRPr lang="en-US" sz="1100" dirty="0"/>
+            </a:p>
+            <a:p>
+              <a:pPr algn="ctr"/>
+              <a:endParaRPr lang="en-US" sz="1100" dirty="0"/>
+            </a:p>
+            <a:p>
+              <a:pPr algn="ctr"/>
+              <a:endParaRPr lang="en-US" sz="1100" dirty="0"/>
+            </a:p>
+            <a:p>
+              <a:pPr algn="ctr"/>
+              <a:r>
+                <a:rPr lang="en-US" sz="1100" dirty="0"/>
+                <a:t>Unidentified Metabolites Search</a:t>
+              </a:r>
+            </a:p>
+          </p:txBody>
+        </p:sp>
+        <p:sp>
+          <p:nvSpPr>
+            <p:cNvPr id="19" name="Rounded Rectangle 18">
+              <a:extLst>
+                <a:ext uri="{FF2B5EF4-FFF2-40B4-BE49-F238E27FC236}">
+                  <a16:creationId xmlns:a16="http://schemas.microsoft.com/office/drawing/2014/main" id="{D3AA062A-9262-7641-B994-4905FA58968A}"/>
+                </a:ext>
+              </a:extLst>
+            </p:cNvPr>
+            <p:cNvSpPr/>
+            <p:nvPr/>
+          </p:nvSpPr>
+          <p:spPr>
+            <a:xfrm>
+              <a:off x="8562978" y="5205987"/>
+              <a:ext cx="1648019" cy="1070219"/>
+            </a:xfrm>
+            <a:prstGeom prst="roundRect">
+              <a:avLst/>
+            </a:prstGeom>
+            <a:ln w="38100">
+              <a:solidFill>
+                <a:srgbClr val="FF0000"/>
+              </a:solidFill>
+            </a:ln>
+          </p:spPr>
+          <p:style>
+            <a:lnRef idx="2">
+              <a:schemeClr val="accent2"/>
+            </a:lnRef>
+            <a:fillRef idx="1">
+              <a:schemeClr val="lt1"/>
+            </a:fillRef>
+            <a:effectRef idx="0">
+              <a:schemeClr val="accent2"/>
+            </a:effectRef>
+            <a:fontRef idx="minor">
+              <a:schemeClr val="dk1"/>
+            </a:fontRef>
+          </p:style>
+          <p:txBody>
+            <a:bodyPr rtlCol="0" anchor="ctr"/>
+            <a:lstStyle/>
+            <a:p>
+              <a:pPr algn="ctr"/>
+              <a:endParaRPr lang="en-US" sz="1100" dirty="0"/>
+            </a:p>
+            <a:p>
+              <a:pPr algn="ctr"/>
+              <a:endParaRPr lang="en-US" sz="1100" dirty="0"/>
+            </a:p>
+            <a:p>
+              <a:pPr algn="ctr"/>
+              <a:endParaRPr lang="en-US" sz="1100" dirty="0"/>
+            </a:p>
+            <a:p>
+              <a:pPr algn="ctr"/>
+              <a:r>
+                <a:rPr lang="en-US" sz="1100" dirty="0"/>
+                <a:t>Report Generation</a:t>
+              </a:r>
+            </a:p>
+          </p:txBody>
+        </p:sp>
+        <p:pic>
+          <p:nvPicPr>
+            <p:cNvPr id="20" name="Picture 2" descr="Image result for multiqc logo">
+              <a:extLst>
+                <a:ext uri="{FF2B5EF4-FFF2-40B4-BE49-F238E27FC236}">
+                  <a16:creationId xmlns:a16="http://schemas.microsoft.com/office/drawing/2014/main" id="{C7ADD682-70FC-ED4D-B169-F04150C288DC}"/>
+                </a:ext>
+              </a:extLst>
+            </p:cNvPr>
+            <p:cNvPicPr>
+              <a:picLocks noChangeAspect="1" noChangeArrowheads="1"/>
+            </p:cNvPicPr>
+            <p:nvPr/>
+          </p:nvPicPr>
+          <p:blipFill>
+            <a:blip r:embed="rId7">
+              <a:extLst>
+                <a:ext uri="{28A0092B-C50C-407E-A947-70E740481C1C}">
+                  <a14:useLocalDpi xmlns:a14="http://schemas.microsoft.com/office/drawing/2010/main" val="0"/>
+                </a:ext>
+              </a:extLst>
+            </a:blip>
+            <a:srcRect/>
+            <a:stretch>
+              <a:fillRect/>
+            </a:stretch>
+          </p:blipFill>
+          <p:spPr bwMode="auto">
+            <a:xfrm>
+              <a:off x="8723366" y="5418246"/>
+              <a:ext cx="1347047" cy="358019"/>
+            </a:xfrm>
+            <a:prstGeom prst="rect">
+              <a:avLst/>
+            </a:prstGeom>
+            <a:noFill/>
+            <a:extLst>
+              <a:ext uri="{909E8E84-426E-40DD-AFC4-6F175D3DCCD1}">
+                <a14:hiddenFill xmlns:a14="http://schemas.microsoft.com/office/drawing/2010/main">
+                  <a:solidFill>
+                    <a:srgbClr val="FFFFFF"/>
+                  </a:solidFill>
+                </a14:hiddenFill>
+              </a:ext>
+            </a:extLst>
+          </p:spPr>
+        </p:pic>
+        <p:sp>
+          <p:nvSpPr>
+            <p:cNvPr id="21" name="Rounded Rectangle 20">
+              <a:extLst>
+                <a:ext uri="{FF2B5EF4-FFF2-40B4-BE49-F238E27FC236}">
+                  <a16:creationId xmlns:a16="http://schemas.microsoft.com/office/drawing/2014/main" id="{A756B541-EEA6-E64B-BB58-DB7EEF3F6363}"/>
+                </a:ext>
+              </a:extLst>
+            </p:cNvPr>
+            <p:cNvSpPr/>
+            <p:nvPr/>
+          </p:nvSpPr>
+          <p:spPr>
+            <a:xfrm>
+              <a:off x="10525525" y="5205987"/>
+              <a:ext cx="1648019" cy="1070219"/>
+            </a:xfrm>
+            <a:prstGeom prst="roundRect">
+              <a:avLst/>
+            </a:prstGeom>
+            <a:ln w="38100">
+              <a:solidFill>
+                <a:srgbClr val="FF0000"/>
+              </a:solidFill>
+            </a:ln>
+          </p:spPr>
+          <p:style>
+            <a:lnRef idx="2">
+              <a:schemeClr val="accent2"/>
+            </a:lnRef>
+            <a:fillRef idx="1">
+              <a:schemeClr val="lt1"/>
+            </a:fillRef>
+            <a:effectRef idx="0">
+              <a:schemeClr val="accent2"/>
+            </a:effectRef>
+            <a:fontRef idx="minor">
+              <a:schemeClr val="dk1"/>
+            </a:fontRef>
+          </p:style>
+          <p:txBody>
+            <a:bodyPr rtlCol="0" anchor="ctr"/>
+            <a:lstStyle/>
+            <a:p>
+              <a:pPr algn="ctr"/>
+              <a:endParaRPr lang="en-US" sz="1100" dirty="0"/>
+            </a:p>
+            <a:p>
+              <a:pPr algn="ctr"/>
+              <a:endParaRPr lang="en-US" sz="1100" dirty="0"/>
+            </a:p>
+            <a:p>
+              <a:pPr algn="ctr"/>
+              <a:endParaRPr lang="en-US" sz="1100" dirty="0"/>
+            </a:p>
+            <a:p>
+              <a:pPr algn="ctr"/>
+              <a:r>
+                <a:rPr lang="en-US" sz="1100" dirty="0"/>
+                <a:t>Pathway Analysis</a:t>
+              </a:r>
+            </a:p>
+          </p:txBody>
+        </p:sp>
+        <p:pic>
+          <p:nvPicPr>
+            <p:cNvPr id="22" name="Picture 21">
+              <a:extLst>
+                <a:ext uri="{FF2B5EF4-FFF2-40B4-BE49-F238E27FC236}">
+                  <a16:creationId xmlns:a16="http://schemas.microsoft.com/office/drawing/2014/main" id="{56346796-D5DB-C642-81C6-1208E0C29AAE}"/>
+                </a:ext>
+              </a:extLst>
+            </p:cNvPr>
+            <p:cNvPicPr>
+              <a:picLocks noChangeAspect="1"/>
+            </p:cNvPicPr>
+            <p:nvPr/>
+          </p:nvPicPr>
+          <p:blipFill>
+            <a:blip r:embed="rId8"/>
+            <a:stretch>
+              <a:fillRect/>
+            </a:stretch>
+          </p:blipFill>
+          <p:spPr>
+            <a:xfrm>
+              <a:off x="10607188" y="5297984"/>
+              <a:ext cx="1484692" cy="598541"/>
+            </a:xfrm>
+            <a:prstGeom prst="rect">
+              <a:avLst/>
+            </a:prstGeom>
+          </p:spPr>
+        </p:pic>
+        <p:sp>
+          <p:nvSpPr>
+            <p:cNvPr id="23" name="Notched Right Arrow 22">
+              <a:extLst>
+                <a:ext uri="{FF2B5EF4-FFF2-40B4-BE49-F238E27FC236}">
+                  <a16:creationId xmlns:a16="http://schemas.microsoft.com/office/drawing/2014/main" id="{9E95BAA5-41EA-7542-B103-C3E84DF75CBA}"/>
+                </a:ext>
+              </a:extLst>
+            </p:cNvPr>
+            <p:cNvSpPr/>
+            <p:nvPr/>
+          </p:nvSpPr>
+          <p:spPr>
+            <a:xfrm>
+              <a:off x="1351315" y="6291343"/>
+              <a:ext cx="218229" cy="297432"/>
+            </a:xfrm>
+            <a:prstGeom prst="notchedRightArrow">
+              <a:avLst/>
+            </a:prstGeom>
+            <a:noFill/>
+            <a:ln w="28575" cap="flat" cmpd="sng" algn="ctr">
+              <a:solidFill>
+                <a:srgbClr val="002060"/>
+              </a:solidFill>
+              <a:prstDash val="solid"/>
+              <a:round/>
+              <a:headEnd type="none" w="med" len="med"/>
+              <a:tailEnd type="none" w="med" len="med"/>
+            </a:ln>
+          </p:spPr>
+          <p:style>
+            <a:lnRef idx="0">
+              <a:scrgbClr r="0" g="0" b="0"/>
+            </a:lnRef>
+            <a:fillRef idx="0">
+              <a:scrgbClr r="0" g="0" b="0"/>
+            </a:fillRef>
+            <a:effectRef idx="0">
+              <a:scrgbClr r="0" g="0" b="0"/>
+            </a:effectRef>
+            <a:fontRef idx="minor">
+              <a:schemeClr val="dk1"/>
+            </a:fontRef>
+          </p:style>
+          <p:txBody>
+            <a:bodyPr rtlCol="0" anchor="ctr"/>
+            <a:lstStyle/>
+            <a:p>
+              <a:pPr algn="ctr"/>
+              <a:endParaRPr lang="en-US"/>
+            </a:p>
+          </p:txBody>
+        </p:sp>
+        <p:sp>
+          <p:nvSpPr>
+            <p:cNvPr id="25" name="Notched Right Arrow 24">
+              <a:extLst>
+                <a:ext uri="{FF2B5EF4-FFF2-40B4-BE49-F238E27FC236}">
+                  <a16:creationId xmlns:a16="http://schemas.microsoft.com/office/drawing/2014/main" id="{4DCB6190-8D00-1A4B-A250-4AE3544F008A}"/>
+                </a:ext>
+              </a:extLst>
+            </p:cNvPr>
+            <p:cNvSpPr/>
+            <p:nvPr/>
+          </p:nvSpPr>
+          <p:spPr>
+            <a:xfrm>
+              <a:off x="6635376" y="4154117"/>
+              <a:ext cx="218229" cy="297432"/>
+            </a:xfrm>
+            <a:prstGeom prst="notchedRightArrow">
+              <a:avLst/>
+            </a:prstGeom>
+            <a:noFill/>
+            <a:ln w="28575" cap="flat" cmpd="sng" algn="ctr">
+              <a:solidFill>
+                <a:srgbClr val="002060"/>
+              </a:solidFill>
+              <a:prstDash val="solid"/>
+              <a:round/>
+              <a:headEnd type="none" w="med" len="med"/>
+              <a:tailEnd type="none" w="med" len="med"/>
+            </a:ln>
+          </p:spPr>
+          <p:style>
+            <a:lnRef idx="0">
+              <a:scrgbClr r="0" g="0" b="0"/>
+            </a:lnRef>
+            <a:fillRef idx="0">
+              <a:scrgbClr r="0" g="0" b="0"/>
+            </a:fillRef>
+            <a:effectRef idx="0">
+              <a:scrgbClr r="0" g="0" b="0"/>
+            </a:effectRef>
+            <a:fontRef idx="minor">
+              <a:schemeClr val="dk1"/>
+            </a:fontRef>
+          </p:style>
+          <p:txBody>
+            <a:bodyPr rtlCol="0" anchor="ctr"/>
+            <a:lstStyle/>
+            <a:p>
+              <a:pPr algn="ctr"/>
+              <a:endParaRPr lang="en-US"/>
+            </a:p>
+          </p:txBody>
+        </p:sp>
+        <p:sp>
+          <p:nvSpPr>
+            <p:cNvPr id="26" name="Notched Right Arrow 25">
+              <a:extLst>
+                <a:ext uri="{FF2B5EF4-FFF2-40B4-BE49-F238E27FC236}">
+                  <a16:creationId xmlns:a16="http://schemas.microsoft.com/office/drawing/2014/main" id="{172C0563-5CDC-6348-9B93-97BC7D126133}"/>
+                </a:ext>
+              </a:extLst>
+            </p:cNvPr>
+            <p:cNvSpPr/>
+            <p:nvPr/>
+          </p:nvSpPr>
+          <p:spPr>
+            <a:xfrm rot="16200000">
+              <a:off x="7660614" y="3489091"/>
+              <a:ext cx="218229" cy="297432"/>
+            </a:xfrm>
+            <a:prstGeom prst="notchedRightArrow">
+              <a:avLst/>
+            </a:prstGeom>
+            <a:noFill/>
+            <a:ln w="28575" cap="flat" cmpd="sng" algn="ctr">
+              <a:solidFill>
+                <a:srgbClr val="002060"/>
+              </a:solidFill>
+              <a:prstDash val="solid"/>
+              <a:round/>
+              <a:headEnd type="none" w="med" len="med"/>
+              <a:tailEnd type="none" w="med" len="med"/>
+            </a:ln>
+          </p:spPr>
+          <p:style>
+            <a:lnRef idx="0">
+              <a:scrgbClr r="0" g="0" b="0"/>
+            </a:lnRef>
+            <a:fillRef idx="0">
+              <a:scrgbClr r="0" g="0" b="0"/>
+            </a:fillRef>
+            <a:effectRef idx="0">
+              <a:scrgbClr r="0" g="0" b="0"/>
+            </a:effectRef>
+            <a:fontRef idx="minor">
+              <a:schemeClr val="dk1"/>
+            </a:fontRef>
+          </p:style>
+          <p:txBody>
+            <a:bodyPr rtlCol="0" anchor="ctr"/>
+            <a:lstStyle/>
+            <a:p>
+              <a:pPr algn="ctr"/>
+              <a:endParaRPr lang="en-US"/>
+            </a:p>
+          </p:txBody>
+        </p:sp>
+        <p:sp>
+          <p:nvSpPr>
+            <p:cNvPr id="27" name="Notched Right Arrow 26">
+              <a:extLst>
+                <a:ext uri="{FF2B5EF4-FFF2-40B4-BE49-F238E27FC236}">
+                  <a16:creationId xmlns:a16="http://schemas.microsoft.com/office/drawing/2014/main" id="{2FE24ECB-6D57-EE47-B874-4C51038C0688}"/>
+                </a:ext>
+              </a:extLst>
+            </p:cNvPr>
+            <p:cNvSpPr/>
+            <p:nvPr/>
+          </p:nvSpPr>
+          <p:spPr>
+            <a:xfrm rot="16200000">
+              <a:off x="9994788" y="3424140"/>
+              <a:ext cx="218229" cy="297432"/>
+            </a:xfrm>
+            <a:prstGeom prst="notchedRightArrow">
+              <a:avLst/>
+            </a:prstGeom>
+            <a:noFill/>
+            <a:ln w="28575" cap="flat" cmpd="sng" algn="ctr">
+              <a:solidFill>
+                <a:srgbClr val="002060"/>
+              </a:solidFill>
+              <a:prstDash val="solid"/>
+              <a:round/>
+              <a:headEnd type="none" w="med" len="med"/>
+              <a:tailEnd type="none" w="med" len="med"/>
+            </a:ln>
+          </p:spPr>
+          <p:style>
+            <a:lnRef idx="0">
+              <a:scrgbClr r="0" g="0" b="0"/>
+            </a:lnRef>
+            <a:fillRef idx="0">
+              <a:scrgbClr r="0" g="0" b="0"/>
+            </a:fillRef>
+            <a:effectRef idx="0">
+              <a:scrgbClr r="0" g="0" b="0"/>
+            </a:effectRef>
+            <a:fontRef idx="minor">
+              <a:schemeClr val="dk1"/>
+            </a:fontRef>
+          </p:style>
+          <p:txBody>
+            <a:bodyPr rtlCol="0" anchor="ctr"/>
+            <a:lstStyle/>
+            <a:p>
+              <a:pPr algn="ctr"/>
+              <a:endParaRPr lang="en-US"/>
+            </a:p>
+          </p:txBody>
+        </p:sp>
+        <p:sp>
+          <p:nvSpPr>
+            <p:cNvPr id="28" name="Notched Right Arrow 27">
+              <a:extLst>
+                <a:ext uri="{FF2B5EF4-FFF2-40B4-BE49-F238E27FC236}">
+                  <a16:creationId xmlns:a16="http://schemas.microsoft.com/office/drawing/2014/main" id="{3BD8CA26-5E40-264C-867E-05B0E329B9DF}"/>
+                </a:ext>
+              </a:extLst>
+            </p:cNvPr>
+            <p:cNvSpPr/>
+            <p:nvPr/>
+          </p:nvSpPr>
+          <p:spPr>
+            <a:xfrm rot="2416297">
+              <a:off x="8808547" y="3444765"/>
+              <a:ext cx="218229" cy="297432"/>
+            </a:xfrm>
+            <a:prstGeom prst="notchedRightArrow">
+              <a:avLst/>
+            </a:prstGeom>
+            <a:noFill/>
+            <a:ln w="28575" cap="flat" cmpd="sng" algn="ctr">
+              <a:solidFill>
+                <a:srgbClr val="002060"/>
+              </a:solidFill>
+              <a:prstDash val="solid"/>
+              <a:round/>
+              <a:headEnd type="none" w="med" len="med"/>
+              <a:tailEnd type="none" w="med" len="med"/>
+            </a:ln>
+          </p:spPr>
+          <p:style>
+            <a:lnRef idx="0">
+              <a:scrgbClr r="0" g="0" b="0"/>
+            </a:lnRef>
+            <a:fillRef idx="0">
+              <a:scrgbClr r="0" g="0" b="0"/>
+            </a:fillRef>
+            <a:effectRef idx="0">
+              <a:scrgbClr r="0" g="0" b="0"/>
+            </a:effectRef>
+            <a:fontRef idx="minor">
+              <a:schemeClr val="dk1"/>
+            </a:fontRef>
+          </p:style>
+          <p:txBody>
+            <a:bodyPr rtlCol="0" anchor="ctr"/>
+            <a:lstStyle/>
+            <a:p>
+              <a:pPr algn="ctr"/>
+              <a:endParaRPr lang="en-US"/>
+            </a:p>
+          </p:txBody>
+        </p:sp>
+        <p:sp>
+          <p:nvSpPr>
+            <p:cNvPr id="29" name="Notched Right Arrow 28">
+              <a:extLst>
+                <a:ext uri="{FF2B5EF4-FFF2-40B4-BE49-F238E27FC236}">
+                  <a16:creationId xmlns:a16="http://schemas.microsoft.com/office/drawing/2014/main" id="{052BA353-71BE-394C-A9CE-7DBC63D95142}"/>
+                </a:ext>
+              </a:extLst>
+            </p:cNvPr>
+            <p:cNvSpPr/>
+            <p:nvPr/>
+          </p:nvSpPr>
+          <p:spPr>
+            <a:xfrm rot="6539232">
+              <a:off x="9563495" y="4871348"/>
+              <a:ext cx="218229" cy="297432"/>
+            </a:xfrm>
+            <a:prstGeom prst="notchedRightArrow">
+              <a:avLst/>
+            </a:prstGeom>
+            <a:noFill/>
+            <a:ln w="28575" cap="flat" cmpd="sng" algn="ctr">
+              <a:solidFill>
+                <a:srgbClr val="002060"/>
+              </a:solidFill>
+              <a:prstDash val="solid"/>
+              <a:round/>
+              <a:headEnd type="none" w="med" len="med"/>
+              <a:tailEnd type="none" w="med" len="med"/>
+            </a:ln>
+          </p:spPr>
+          <p:style>
+            <a:lnRef idx="0">
+              <a:scrgbClr r="0" g="0" b="0"/>
+            </a:lnRef>
+            <a:fillRef idx="0">
+              <a:scrgbClr r="0" g="0" b="0"/>
+            </a:fillRef>
+            <a:effectRef idx="0">
+              <a:scrgbClr r="0" g="0" b="0"/>
+            </a:effectRef>
+            <a:fontRef idx="minor">
+              <a:schemeClr val="dk1"/>
+            </a:fontRef>
+          </p:style>
+          <p:txBody>
+            <a:bodyPr rtlCol="0" anchor="ctr"/>
+            <a:lstStyle/>
+            <a:p>
+              <a:pPr algn="ctr"/>
+              <a:endParaRPr lang="en-US"/>
+            </a:p>
+          </p:txBody>
+        </p:sp>
+        <p:sp>
+          <p:nvSpPr>
+            <p:cNvPr id="30" name="Notched Right Arrow 29">
+              <a:extLst>
+                <a:ext uri="{FF2B5EF4-FFF2-40B4-BE49-F238E27FC236}">
+                  <a16:creationId xmlns:a16="http://schemas.microsoft.com/office/drawing/2014/main" id="{55092603-A325-9D48-A549-CDBB8A31D79B}"/>
+                </a:ext>
+              </a:extLst>
+            </p:cNvPr>
+            <p:cNvSpPr/>
+            <p:nvPr/>
+          </p:nvSpPr>
+          <p:spPr>
+            <a:xfrm rot="2807306">
+              <a:off x="11006697" y="4826591"/>
+              <a:ext cx="218229" cy="297432"/>
+            </a:xfrm>
+            <a:prstGeom prst="notchedRightArrow">
+              <a:avLst/>
+            </a:prstGeom>
+            <a:noFill/>
+            <a:ln w="28575" cap="flat" cmpd="sng" algn="ctr">
+              <a:solidFill>
+                <a:srgbClr val="002060"/>
+              </a:solidFill>
+              <a:prstDash val="solid"/>
+              <a:round/>
+              <a:headEnd type="none" w="med" len="med"/>
+              <a:tailEnd type="none" w="med" len="med"/>
+            </a:ln>
+          </p:spPr>
+          <p:style>
+            <a:lnRef idx="0">
+              <a:scrgbClr r="0" g="0" b="0"/>
+            </a:lnRef>
+            <a:fillRef idx="0">
+              <a:scrgbClr r="0" g="0" b="0"/>
+            </a:fillRef>
+            <a:effectRef idx="0">
+              <a:scrgbClr r="0" g="0" b="0"/>
+            </a:effectRef>
+            <a:fontRef idx="minor">
+              <a:schemeClr val="dk1"/>
+            </a:fontRef>
+          </p:style>
+          <p:txBody>
+            <a:bodyPr rtlCol="0" anchor="ctr"/>
+            <a:lstStyle/>
+            <a:p>
+              <a:pPr algn="ctr"/>
+              <a:endParaRPr lang="en-US"/>
+            </a:p>
+          </p:txBody>
+        </p:sp>
+        <p:pic>
+          <p:nvPicPr>
+            <p:cNvPr id="31" name="Picture 4" descr="Image result for docker logo">
+              <a:extLst>
+                <a:ext uri="{FF2B5EF4-FFF2-40B4-BE49-F238E27FC236}">
+                  <a16:creationId xmlns:a16="http://schemas.microsoft.com/office/drawing/2014/main" id="{8E418795-00D5-B344-8371-324BC12B2C28}"/>
+                </a:ext>
+              </a:extLst>
+            </p:cNvPr>
+            <p:cNvPicPr>
+              <a:picLocks noChangeAspect="1" noChangeArrowheads="1"/>
+            </p:cNvPicPr>
+            <p:nvPr/>
+          </p:nvPicPr>
+          <p:blipFill>
+            <a:blip r:embed="rId9">
+              <a:extLst>
+                <a:ext uri="{28A0092B-C50C-407E-A947-70E740481C1C}">
+                  <a14:useLocalDpi xmlns:a14="http://schemas.microsoft.com/office/drawing/2010/main" val="0"/>
+                </a:ext>
+              </a:extLst>
+            </a:blip>
+            <a:srcRect/>
+            <a:stretch>
+              <a:fillRect/>
+            </a:stretch>
+          </p:blipFill>
+          <p:spPr bwMode="auto">
+            <a:xfrm>
+              <a:off x="11459154" y="3599651"/>
+              <a:ext cx="1446923" cy="1237816"/>
+            </a:xfrm>
+            <a:prstGeom prst="rect">
+              <a:avLst/>
+            </a:prstGeom>
+            <a:noFill/>
+            <a:extLst>
+              <a:ext uri="{909E8E84-426E-40DD-AFC4-6F175D3DCCD1}">
+                <a14:hiddenFill xmlns:a14="http://schemas.microsoft.com/office/drawing/2010/main">
+                  <a:solidFill>
+                    <a:srgbClr val="FFFFFF"/>
+                  </a:solidFill>
+                </a14:hiddenFill>
+              </a:ext>
+            </a:extLst>
+          </p:spPr>
+        </p:pic>
+        <p:pic>
+          <p:nvPicPr>
+            <p:cNvPr id="32" name="Picture 16" descr="https://documents.lucidchart.com/documents/6368cd09-01fe-4ea0-83a3-f9698b687ee4/pages/0_0?a=1699&amp;x=1030&amp;y=970&amp;w=228&amp;h=228&amp;store=1&amp;accept=image%2F*&amp;auth=LCA%20cdeee157b25ee3ce4fa4fca389a8398edca29a4f-ts%3D1571535957">
+              <a:extLst>
+                <a:ext uri="{FF2B5EF4-FFF2-40B4-BE49-F238E27FC236}">
+                  <a16:creationId xmlns:a16="http://schemas.microsoft.com/office/drawing/2014/main" id="{6C89038E-A2FA-8E4F-8BE3-2709E0A142B9}"/>
+                </a:ext>
+              </a:extLst>
+            </p:cNvPr>
+            <p:cNvPicPr>
+              <a:picLocks noChangeAspect="1" noChangeArrowheads="1"/>
+            </p:cNvPicPr>
+            <p:nvPr/>
+          </p:nvPicPr>
+          <p:blipFill>
+            <a:blip r:embed="rId10">
+              <a:extLst>
+                <a:ext uri="{28A0092B-C50C-407E-A947-70E740481C1C}">
+                  <a14:useLocalDpi xmlns:a14="http://schemas.microsoft.com/office/drawing/2010/main" val="0"/>
+                </a:ext>
+              </a:extLst>
+            </a:blip>
+            <a:srcRect/>
+            <a:stretch>
+              <a:fillRect/>
+            </a:stretch>
+          </p:blipFill>
+          <p:spPr bwMode="auto">
+            <a:xfrm>
+              <a:off x="11376427" y="1986345"/>
+              <a:ext cx="1559060" cy="1559060"/>
+            </a:xfrm>
+            <a:prstGeom prst="rect">
+              <a:avLst/>
+            </a:prstGeom>
+            <a:noFill/>
+            <a:extLst>
+              <a:ext uri="{909E8E84-426E-40DD-AFC4-6F175D3DCCD1}">
+                <a14:hiddenFill xmlns:a14="http://schemas.microsoft.com/office/drawing/2010/main">
+                  <a:solidFill>
+                    <a:srgbClr val="FFFFFF"/>
+                  </a:solidFill>
+                </a14:hiddenFill>
+              </a:ext>
+            </a:extLst>
+          </p:spPr>
+        </p:pic>
+        <p:pic>
+          <p:nvPicPr>
+            <p:cNvPr id="33" name="Picture 2" descr="Image result for nextflow logo">
+              <a:extLst>
+                <a:ext uri="{FF2B5EF4-FFF2-40B4-BE49-F238E27FC236}">
+                  <a16:creationId xmlns:a16="http://schemas.microsoft.com/office/drawing/2014/main" id="{347C7C42-08DB-4E45-A6BD-575D39855C6B}"/>
+                </a:ext>
+              </a:extLst>
+            </p:cNvPr>
+            <p:cNvPicPr>
+              <a:picLocks noChangeAspect="1" noChangeArrowheads="1"/>
+            </p:cNvPicPr>
+            <p:nvPr/>
+          </p:nvPicPr>
+          <p:blipFill>
+            <a:blip r:embed="rId11">
+              <a:extLst>
+                <a:ext uri="{28A0092B-C50C-407E-A947-70E740481C1C}">
+                  <a14:useLocalDpi xmlns:a14="http://schemas.microsoft.com/office/drawing/2010/main" val="0"/>
+                </a:ext>
+              </a:extLst>
+            </a:blip>
+            <a:srcRect/>
+            <a:stretch>
+              <a:fillRect/>
+            </a:stretch>
+          </p:blipFill>
+          <p:spPr bwMode="auto">
+            <a:xfrm>
+              <a:off x="4832363" y="5016795"/>
+              <a:ext cx="3506096" cy="704713"/>
+            </a:xfrm>
+            <a:prstGeom prst="rect">
+              <a:avLst/>
+            </a:prstGeom>
+            <a:noFill/>
+            <a:extLst>
+              <a:ext uri="{909E8E84-426E-40DD-AFC4-6F175D3DCCD1}">
+                <a14:hiddenFill xmlns:a14="http://schemas.microsoft.com/office/drawing/2010/main">
+                  <a:solidFill>
+                    <a:srgbClr val="FFFFFF"/>
+                  </a:solidFill>
+                </a14:hiddenFill>
+              </a:ext>
+            </a:extLst>
+          </p:spPr>
+        </p:pic>
+        <p:pic>
+          <p:nvPicPr>
+            <p:cNvPr id="34" name="Picture 16" descr="@bionitio-team">
+              <a:extLst>
+                <a:ext uri="{FF2B5EF4-FFF2-40B4-BE49-F238E27FC236}">
+                  <a16:creationId xmlns:a16="http://schemas.microsoft.com/office/drawing/2014/main" id="{FDCE81EE-CA95-B048-9190-728C7516F7BD}"/>
+                </a:ext>
+              </a:extLst>
+            </p:cNvPr>
+            <p:cNvPicPr>
+              <a:picLocks noChangeAspect="1" noChangeArrowheads="1"/>
+            </p:cNvPicPr>
+            <p:nvPr/>
+          </p:nvPicPr>
+          <p:blipFill>
+            <a:blip r:embed="rId12">
+              <a:extLst>
+                <a:ext uri="{28A0092B-C50C-407E-A947-70E740481C1C}">
+                  <a14:useLocalDpi xmlns:a14="http://schemas.microsoft.com/office/drawing/2010/main" val="0"/>
+                </a:ext>
+              </a:extLst>
+            </a:blip>
+            <a:srcRect/>
+            <a:stretch>
+              <a:fillRect/>
+            </a:stretch>
+          </p:blipFill>
+          <p:spPr bwMode="auto">
+            <a:xfrm>
+              <a:off x="4485518" y="5664240"/>
+              <a:ext cx="1372774" cy="1372774"/>
+            </a:xfrm>
+            <a:prstGeom prst="rect">
+              <a:avLst/>
+            </a:prstGeom>
+            <a:noFill/>
+            <a:extLst>
+              <a:ext uri="{909E8E84-426E-40DD-AFC4-6F175D3DCCD1}">
+                <a14:hiddenFill xmlns:a14="http://schemas.microsoft.com/office/drawing/2010/main">
+                  <a:solidFill>
+                    <a:srgbClr val="FFFFFF"/>
+                  </a:solidFill>
+                </a14:hiddenFill>
+              </a:ext>
+            </a:extLst>
+          </p:spPr>
+        </p:pic>
+        <p:pic>
+          <p:nvPicPr>
+            <p:cNvPr id="35" name="Picture 2" descr="CEMBIO logo header">
+              <a:extLst>
+                <a:ext uri="{FF2B5EF4-FFF2-40B4-BE49-F238E27FC236}">
+                  <a16:creationId xmlns:a16="http://schemas.microsoft.com/office/drawing/2014/main" id="{81180D7A-5D6E-7F46-9EDD-681F3DED223A}"/>
+                </a:ext>
+              </a:extLst>
+            </p:cNvPr>
+            <p:cNvPicPr>
+              <a:picLocks noChangeAspect="1" noChangeArrowheads="1"/>
+            </p:cNvPicPr>
+            <p:nvPr/>
+          </p:nvPicPr>
+          <p:blipFill>
+            <a:blip r:embed="rId13">
+              <a:extLst>
+                <a:ext uri="{28A0092B-C50C-407E-A947-70E740481C1C}">
+                  <a14:useLocalDpi xmlns:a14="http://schemas.microsoft.com/office/drawing/2010/main" val="0"/>
+                </a:ext>
+              </a:extLst>
+            </a:blip>
+            <a:srcRect/>
+            <a:stretch>
+              <a:fillRect/>
+            </a:stretch>
+          </p:blipFill>
+          <p:spPr bwMode="auto">
+            <a:xfrm>
+              <a:off x="9440153" y="2433806"/>
+              <a:ext cx="1343523" cy="480760"/>
+            </a:xfrm>
+            <a:prstGeom prst="rect">
+              <a:avLst/>
+            </a:prstGeom>
+            <a:noFill/>
+            <a:extLst>
+              <a:ext uri="{909E8E84-426E-40DD-AFC4-6F175D3DCCD1}">
+                <a14:hiddenFill xmlns:a14="http://schemas.microsoft.com/office/drawing/2010/main">
+                  <a:solidFill>
+                    <a:srgbClr val="FFFFFF"/>
+                  </a:solidFill>
+                </a14:hiddenFill>
+              </a:ext>
+            </a:extLst>
+          </p:spPr>
+        </p:pic>
+        <p:pic>
+          <p:nvPicPr>
+            <p:cNvPr id="36" name="Picture 35" descr="A close up of a logo&#10;&#10;Description automatically generated">
+              <a:extLst>
+                <a:ext uri="{FF2B5EF4-FFF2-40B4-BE49-F238E27FC236}">
+                  <a16:creationId xmlns:a16="http://schemas.microsoft.com/office/drawing/2014/main" id="{BB8273E9-9D47-2042-93A6-0790BC20F45E}"/>
+                </a:ext>
+              </a:extLst>
+            </p:cNvPr>
+            <p:cNvPicPr>
+              <a:picLocks noChangeAspect="1"/>
+            </p:cNvPicPr>
+            <p:nvPr/>
+          </p:nvPicPr>
+          <p:blipFill>
+            <a:blip r:embed="rId14"/>
+            <a:stretch>
+              <a:fillRect/>
+            </a:stretch>
+          </p:blipFill>
+          <p:spPr>
+            <a:xfrm>
+              <a:off x="554817" y="1493529"/>
+              <a:ext cx="1980419" cy="1980419"/>
+            </a:xfrm>
+            <a:prstGeom prst="rect">
+              <a:avLst/>
+            </a:prstGeom>
+          </p:spPr>
+        </p:pic>
+        <p:sp>
+          <p:nvSpPr>
+            <p:cNvPr id="39" name="Rounded Rectangle 38">
+              <a:extLst>
+                <a:ext uri="{FF2B5EF4-FFF2-40B4-BE49-F238E27FC236}">
+                  <a16:creationId xmlns:a16="http://schemas.microsoft.com/office/drawing/2014/main" id="{595D6B8A-7066-C749-B62D-BBCA53CF5B38}"/>
+                </a:ext>
+              </a:extLst>
+            </p:cNvPr>
+            <p:cNvSpPr/>
+            <p:nvPr/>
+          </p:nvSpPr>
+          <p:spPr>
+            <a:xfrm>
+              <a:off x="3169792" y="3574489"/>
+              <a:ext cx="1438051" cy="1379095"/>
+            </a:xfrm>
+            <a:prstGeom prst="roundRect">
+              <a:avLst/>
+            </a:prstGeom>
+            <a:ln w="38100">
+              <a:solidFill>
+                <a:srgbClr val="FF0000"/>
+              </a:solidFill>
+            </a:ln>
+          </p:spPr>
+          <p:style>
+            <a:lnRef idx="2">
+              <a:schemeClr val="accent2"/>
+            </a:lnRef>
+            <a:fillRef idx="1">
+              <a:schemeClr val="lt1"/>
+            </a:fillRef>
+            <a:effectRef idx="0">
+              <a:schemeClr val="accent2"/>
+            </a:effectRef>
+            <a:fontRef idx="minor">
+              <a:schemeClr val="dk1"/>
+            </a:fontRef>
+          </p:style>
+          <p:txBody>
+            <a:bodyPr rtlCol="0" anchor="ctr"/>
+            <a:lstStyle/>
+            <a:p>
+              <a:pPr algn="ctr"/>
+              <a:endParaRPr lang="en-US" sz="1100" dirty="0"/>
+            </a:p>
+            <a:p>
+              <a:pPr algn="ctr"/>
+              <a:endParaRPr lang="en-US" sz="1100" dirty="0"/>
+            </a:p>
+            <a:p>
+              <a:pPr algn="ctr"/>
+              <a:endParaRPr lang="en-US" sz="1100" dirty="0"/>
+            </a:p>
+            <a:p>
+              <a:pPr algn="ctr"/>
+              <a:endParaRPr lang="en-US" sz="1100" dirty="0"/>
+            </a:p>
+            <a:p>
+              <a:pPr algn="ctr"/>
+              <a:r>
+                <a:rPr lang="en-US" sz="1100" dirty="0"/>
+                <a:t>Data Format Conversion</a:t>
+              </a:r>
+            </a:p>
+          </p:txBody>
+        </p:sp>
+        <p:pic>
+          <p:nvPicPr>
+            <p:cNvPr id="1026" name="Picture 2">
+              <a:extLst>
+                <a:ext uri="{FF2B5EF4-FFF2-40B4-BE49-F238E27FC236}">
+                  <a16:creationId xmlns:a16="http://schemas.microsoft.com/office/drawing/2014/main" id="{A3DFEEE8-B40F-324C-A9C4-FBDDAF3CE304}"/>
+                </a:ext>
+              </a:extLst>
+            </p:cNvPr>
+            <p:cNvPicPr>
+              <a:picLocks noChangeAspect="1" noChangeArrowheads="1"/>
+            </p:cNvPicPr>
+            <p:nvPr/>
+          </p:nvPicPr>
+          <p:blipFill>
+            <a:blip r:embed="rId15">
+              <a:extLst>
+                <a:ext uri="{28A0092B-C50C-407E-A947-70E740481C1C}">
+                  <a14:useLocalDpi xmlns:a14="http://schemas.microsoft.com/office/drawing/2010/main" val="0"/>
+                </a:ext>
+              </a:extLst>
+            </a:blip>
+            <a:srcRect/>
+            <a:stretch>
+              <a:fillRect/>
+            </a:stretch>
+          </p:blipFill>
+          <p:spPr bwMode="auto">
+            <a:xfrm>
+              <a:off x="3386988" y="3799308"/>
+              <a:ext cx="978223" cy="528769"/>
+            </a:xfrm>
+            <a:prstGeom prst="rect">
+              <a:avLst/>
+            </a:prstGeom>
+            <a:noFill/>
+            <a:extLst>
+              <a:ext uri="{909E8E84-426E-40DD-AFC4-6F175D3DCCD1}">
+                <a14:hiddenFill xmlns:a14="http://schemas.microsoft.com/office/drawing/2010/main">
+                  <a:solidFill>
+                    <a:srgbClr val="FFFFFF"/>
+                  </a:solidFill>
+                </a14:hiddenFill>
+              </a:ext>
+            </a:extLst>
+          </p:spPr>
+        </p:pic>
+        <p:sp>
+          <p:nvSpPr>
+            <p:cNvPr id="41" name="Notched Right Arrow 40">
+              <a:extLst>
+                <a:ext uri="{FF2B5EF4-FFF2-40B4-BE49-F238E27FC236}">
+                  <a16:creationId xmlns:a16="http://schemas.microsoft.com/office/drawing/2014/main" id="{11A9C795-63E3-6440-8695-6CA499947452}"/>
+                </a:ext>
+              </a:extLst>
+            </p:cNvPr>
+            <p:cNvSpPr/>
+            <p:nvPr/>
+          </p:nvSpPr>
+          <p:spPr>
+            <a:xfrm>
+              <a:off x="4655935" y="4163576"/>
+              <a:ext cx="218229" cy="297432"/>
+            </a:xfrm>
+            <a:prstGeom prst="notchedRightArrow">
+              <a:avLst/>
+            </a:prstGeom>
+            <a:noFill/>
+            <a:ln w="28575" cap="flat" cmpd="sng" algn="ctr">
+              <a:solidFill>
+                <a:srgbClr val="002060"/>
+              </a:solidFill>
+              <a:prstDash val="solid"/>
+              <a:round/>
+              <a:headEnd type="none" w="med" len="med"/>
+              <a:tailEnd type="none" w="med" len="med"/>
+            </a:ln>
+          </p:spPr>
+          <p:style>
+            <a:lnRef idx="0">
+              <a:scrgbClr r="0" g="0" b="0"/>
+            </a:lnRef>
+            <a:fillRef idx="0">
+              <a:scrgbClr r="0" g="0" b="0"/>
+            </a:fillRef>
+            <a:effectRef idx="0">
+              <a:scrgbClr r="0" g="0" b="0"/>
+            </a:effectRef>
+            <a:fontRef idx="minor">
+              <a:schemeClr val="dk1"/>
+            </a:fontRef>
+          </p:style>
+          <p:txBody>
+            <a:bodyPr rtlCol="0" anchor="ctr"/>
+            <a:lstStyle/>
+            <a:p>
+              <a:pPr algn="ctr"/>
+              <a:endParaRPr lang="en-US"/>
+            </a:p>
+          </p:txBody>
+        </p:sp>
+        <p:sp>
+          <p:nvSpPr>
+            <p:cNvPr id="42" name="Rounded Rectangle 41">
+              <a:extLst>
+                <a:ext uri="{FF2B5EF4-FFF2-40B4-BE49-F238E27FC236}">
+                  <a16:creationId xmlns:a16="http://schemas.microsoft.com/office/drawing/2014/main" id="{AAE4E384-AE1C-E445-B310-D85A9D26CF47}"/>
+                </a:ext>
+              </a:extLst>
+            </p:cNvPr>
+            <p:cNvSpPr/>
+            <p:nvPr/>
+          </p:nvSpPr>
+          <p:spPr>
+            <a:xfrm>
+              <a:off x="282397" y="3579255"/>
+              <a:ext cx="2364166" cy="1916491"/>
+            </a:xfrm>
+            <a:prstGeom prst="roundRect">
+              <a:avLst/>
+            </a:prstGeom>
+            <a:ln w="38100">
+              <a:solidFill>
+                <a:srgbClr val="FF0000"/>
+              </a:solidFill>
+            </a:ln>
+          </p:spPr>
+          <p:style>
+            <a:lnRef idx="2">
+              <a:schemeClr val="accent2"/>
+            </a:lnRef>
+            <a:fillRef idx="1">
+              <a:schemeClr val="lt1"/>
+            </a:fillRef>
+            <a:effectRef idx="0">
+              <a:schemeClr val="accent2"/>
+            </a:effectRef>
+            <a:fontRef idx="minor">
+              <a:schemeClr val="dk1"/>
+            </a:fontRef>
+          </p:style>
+          <p:txBody>
+            <a:bodyPr rtlCol="0" anchor="ctr"/>
+            <a:lstStyle/>
+            <a:p>
+              <a:pPr algn="ctr"/>
+              <a:endParaRPr lang="en-US" sz="1100" dirty="0"/>
+            </a:p>
+            <a:p>
+              <a:pPr algn="ctr"/>
+              <a:endParaRPr lang="en-US" sz="1100" dirty="0"/>
+            </a:p>
+            <a:p>
+              <a:pPr algn="ctr"/>
+              <a:endParaRPr lang="en-US" sz="1100" dirty="0"/>
+            </a:p>
+            <a:p>
+              <a:pPr algn="ctr"/>
+              <a:endParaRPr lang="en-US" sz="1100" dirty="0"/>
+            </a:p>
+            <a:p>
+              <a:pPr algn="ctr"/>
+              <a:endParaRPr lang="en-US" sz="1100" dirty="0"/>
+            </a:p>
+            <a:p>
+              <a:pPr algn="ctr"/>
+              <a:endParaRPr lang="en-US" sz="1100" dirty="0"/>
+            </a:p>
+            <a:p>
+              <a:pPr algn="ctr"/>
+              <a:endParaRPr lang="en-US" sz="1100" dirty="0"/>
+            </a:p>
+            <a:p>
+              <a:pPr algn="ctr"/>
+              <a:endParaRPr lang="en-US" sz="1100" dirty="0"/>
+            </a:p>
+            <a:p>
+              <a:pPr algn="ctr"/>
+              <a:r>
+                <a:rPr lang="en-US" sz="1100" dirty="0"/>
+                <a:t>Data Deposited to Public Repositories</a:t>
+              </a:r>
+            </a:p>
+          </p:txBody>
+        </p:sp>
+        <p:pic>
+          <p:nvPicPr>
+            <p:cNvPr id="1028" name="Picture 4" descr="Congratulations! Dr. Shankar Subramaniam, on winning a major NIH grant on Metabolomics  Workbench! | Bioengineering">
+              <a:extLst>
+                <a:ext uri="{FF2B5EF4-FFF2-40B4-BE49-F238E27FC236}">
+                  <a16:creationId xmlns:a16="http://schemas.microsoft.com/office/drawing/2014/main" id="{BB69FFBB-E35A-A847-A0D6-96F5FA79E461}"/>
+                </a:ext>
+              </a:extLst>
+            </p:cNvPr>
+            <p:cNvPicPr>
+              <a:picLocks noChangeAspect="1" noChangeArrowheads="1"/>
+            </p:cNvPicPr>
+            <p:nvPr/>
+          </p:nvPicPr>
+          <p:blipFill>
+            <a:blip r:embed="rId16">
+              <a:extLst>
+                <a:ext uri="{28A0092B-C50C-407E-A947-70E740481C1C}">
+                  <a14:useLocalDpi xmlns:a14="http://schemas.microsoft.com/office/drawing/2010/main" val="0"/>
+                </a:ext>
+              </a:extLst>
+            </a:blip>
+            <a:srcRect/>
+            <a:stretch>
+              <a:fillRect/>
+            </a:stretch>
+          </p:blipFill>
+          <p:spPr bwMode="auto">
+            <a:xfrm>
+              <a:off x="945727" y="3698133"/>
+              <a:ext cx="942316" cy="717764"/>
+            </a:xfrm>
+            <a:prstGeom prst="rect">
+              <a:avLst/>
+            </a:prstGeom>
+            <a:noFill/>
+            <a:extLst>
+              <a:ext uri="{909E8E84-426E-40DD-AFC4-6F175D3DCCD1}">
+                <a14:hiddenFill xmlns:a14="http://schemas.microsoft.com/office/drawing/2010/main">
+                  <a:solidFill>
+                    <a:srgbClr val="FFFFFF"/>
+                  </a:solidFill>
+                </a14:hiddenFill>
+              </a:ext>
+            </a:extLst>
+          </p:spPr>
+        </p:pic>
+        <p:pic>
+          <p:nvPicPr>
+            <p:cNvPr id="44" name="Picture 43" descr="A picture containing logo&#10;&#10;Description automatically generated">
+              <a:extLst>
+                <a:ext uri="{FF2B5EF4-FFF2-40B4-BE49-F238E27FC236}">
+                  <a16:creationId xmlns:a16="http://schemas.microsoft.com/office/drawing/2014/main" id="{9D6B7019-CFD5-9C44-9A3E-4813748A5D1A}"/>
+                </a:ext>
+              </a:extLst>
+            </p:cNvPr>
+            <p:cNvPicPr>
+              <a:picLocks noChangeAspect="1"/>
+            </p:cNvPicPr>
+            <p:nvPr/>
+          </p:nvPicPr>
+          <p:blipFill>
+            <a:blip r:embed="rId17"/>
+            <a:stretch>
+              <a:fillRect/>
+            </a:stretch>
+          </p:blipFill>
+          <p:spPr>
+            <a:xfrm>
+              <a:off x="495330" y="4455646"/>
+              <a:ext cx="1861546" cy="483888"/>
+            </a:xfrm>
+            <a:prstGeom prst="rect">
+              <a:avLst/>
+            </a:prstGeom>
+          </p:spPr>
+        </p:pic>
+        <p:sp>
+          <p:nvSpPr>
+            <p:cNvPr id="51" name="Notched Right Arrow 50">
+              <a:extLst>
+                <a:ext uri="{FF2B5EF4-FFF2-40B4-BE49-F238E27FC236}">
+                  <a16:creationId xmlns:a16="http://schemas.microsoft.com/office/drawing/2014/main" id="{51CF68B5-B6E1-5643-9CD6-DB2E2B89161D}"/>
+                </a:ext>
+              </a:extLst>
+            </p:cNvPr>
+            <p:cNvSpPr/>
+            <p:nvPr/>
+          </p:nvSpPr>
+          <p:spPr>
+            <a:xfrm>
+              <a:off x="2772326" y="4836637"/>
+              <a:ext cx="218229" cy="297432"/>
+            </a:xfrm>
+            <a:prstGeom prst="notchedRightArrow">
+              <a:avLst/>
+            </a:prstGeom>
+            <a:noFill/>
+            <a:ln w="28575" cap="flat" cmpd="sng" algn="ctr">
+              <a:solidFill>
+                <a:srgbClr val="002060"/>
+              </a:solidFill>
+              <a:prstDash val="solid"/>
+              <a:round/>
+              <a:headEnd type="none" w="med" len="med"/>
+              <a:tailEnd type="none" w="med" len="med"/>
+            </a:ln>
+          </p:spPr>
+          <p:style>
+            <a:lnRef idx="0">
+              <a:scrgbClr r="0" g="0" b="0"/>
+            </a:lnRef>
+            <a:fillRef idx="0">
+              <a:scrgbClr r="0" g="0" b="0"/>
+            </a:fillRef>
+            <a:effectRef idx="0">
+              <a:scrgbClr r="0" g="0" b="0"/>
+            </a:effectRef>
+            <a:fontRef idx="minor">
+              <a:schemeClr val="dk1"/>
+            </a:fontRef>
+          </p:style>
+          <p:txBody>
+            <a:bodyPr rtlCol="0" anchor="ctr"/>
+            <a:lstStyle/>
+            <a:p>
+              <a:pPr algn="ctr"/>
+              <a:endParaRPr lang="en-US"/>
+            </a:p>
+          </p:txBody>
+        </p:sp>
+        <p:sp>
+          <p:nvSpPr>
+            <p:cNvPr id="52" name="Rounded Rectangle 51">
+              <a:extLst>
+                <a:ext uri="{FF2B5EF4-FFF2-40B4-BE49-F238E27FC236}">
+                  <a16:creationId xmlns:a16="http://schemas.microsoft.com/office/drawing/2014/main" id="{71D28937-6D75-9F4F-9561-E4C1945A217C}"/>
+                </a:ext>
+              </a:extLst>
+            </p:cNvPr>
+            <p:cNvSpPr/>
+            <p:nvPr/>
+          </p:nvSpPr>
+          <p:spPr>
+            <a:xfrm>
+              <a:off x="3191726" y="5102958"/>
+              <a:ext cx="1416118" cy="737648"/>
+            </a:xfrm>
+            <a:prstGeom prst="roundRect">
+              <a:avLst/>
+            </a:prstGeom>
+            <a:ln w="38100">
+              <a:solidFill>
+                <a:srgbClr val="FF0000"/>
+              </a:solidFill>
+            </a:ln>
+          </p:spPr>
+          <p:style>
+            <a:lnRef idx="2">
+              <a:schemeClr val="accent2"/>
+            </a:lnRef>
+            <a:fillRef idx="1">
+              <a:schemeClr val="lt1"/>
+            </a:fillRef>
+            <a:effectRef idx="0">
+              <a:schemeClr val="accent2"/>
+            </a:effectRef>
+            <a:fontRef idx="minor">
+              <a:schemeClr val="dk1"/>
+            </a:fontRef>
+          </p:style>
+          <p:txBody>
+            <a:bodyPr rtlCol="0" anchor="ctr"/>
+            <a:lstStyle/>
+            <a:p>
+              <a:pPr algn="ctr"/>
+              <a:r>
+                <a:rPr lang="en-US" sz="1100" dirty="0"/>
+                <a:t>MODIS Data Quality </a:t>
+              </a:r>
+              <a:r>
+                <a:rPr lang="en-US" sz="1100" dirty="0" err="1"/>
+                <a:t>Qssessment</a:t>
+              </a:r>
+              <a:endParaRPr lang="en-US" sz="1100" dirty="0"/>
+            </a:p>
+          </p:txBody>
+        </p:sp>
+        <p:pic>
+          <p:nvPicPr>
+            <p:cNvPr id="1032" name="Picture 8" descr="GitHub logo PNG">
+              <a:extLst>
+                <a:ext uri="{FF2B5EF4-FFF2-40B4-BE49-F238E27FC236}">
+                  <a16:creationId xmlns:a16="http://schemas.microsoft.com/office/drawing/2014/main" id="{1BBAA3FC-3DE5-5745-A70E-01FB132BE8FF}"/>
+                </a:ext>
+              </a:extLst>
+            </p:cNvPr>
+            <p:cNvPicPr>
+              <a:picLocks noChangeAspect="1" noChangeArrowheads="1"/>
+            </p:cNvPicPr>
+            <p:nvPr/>
+          </p:nvPicPr>
+          <p:blipFill>
+            <a:blip r:embed="rId18">
+              <a:extLst>
+                <a:ext uri="{28A0092B-C50C-407E-A947-70E740481C1C}">
+                  <a14:useLocalDpi xmlns:a14="http://schemas.microsoft.com/office/drawing/2010/main" val="0"/>
+                </a:ext>
+              </a:extLst>
+            </a:blip>
+            <a:srcRect/>
+            <a:stretch>
+              <a:fillRect/>
+            </a:stretch>
+          </p:blipFill>
+          <p:spPr bwMode="auto">
+            <a:xfrm>
+              <a:off x="3540176" y="2154198"/>
+              <a:ext cx="3144162" cy="1271245"/>
+            </a:xfrm>
+            <a:prstGeom prst="rect">
+              <a:avLst/>
+            </a:prstGeom>
+            <a:noFill/>
+            <a:extLst>
+              <a:ext uri="{909E8E84-426E-40DD-AFC4-6F175D3DCCD1}">
+                <a14:hiddenFill xmlns:a14="http://schemas.microsoft.com/office/drawing/2010/main">
+                  <a:solidFill>
+                    <a:srgbClr val="FFFFFF"/>
+                  </a:solidFill>
+                </a14:hiddenFill>
+              </a:ext>
+            </a:extLst>
+          </p:spPr>
+        </p:pic>
+        <p:pic>
+          <p:nvPicPr>
+            <p:cNvPr id="1034" name="Picture 10" descr="Zenodo">
+              <a:extLst>
+                <a:ext uri="{FF2B5EF4-FFF2-40B4-BE49-F238E27FC236}">
+                  <a16:creationId xmlns:a16="http://schemas.microsoft.com/office/drawing/2014/main" id="{6614A27F-AC98-204B-860D-8B8DCBFB5117}"/>
+                </a:ext>
+              </a:extLst>
+            </p:cNvPr>
+            <p:cNvPicPr>
+              <a:picLocks noChangeAspect="1" noChangeArrowheads="1"/>
+            </p:cNvPicPr>
+            <p:nvPr/>
+          </p:nvPicPr>
+          <p:blipFill>
+            <a:blip r:embed="rId19">
+              <a:extLst>
+                <a:ext uri="{28A0092B-C50C-407E-A947-70E740481C1C}">
+                  <a14:useLocalDpi xmlns:a14="http://schemas.microsoft.com/office/drawing/2010/main" val="0"/>
+                </a:ext>
+              </a:extLst>
+            </a:blip>
+            <a:srcRect/>
+            <a:stretch>
+              <a:fillRect/>
+            </a:stretch>
+          </p:blipFill>
+          <p:spPr bwMode="auto">
+            <a:xfrm>
+              <a:off x="5253895" y="5576474"/>
+              <a:ext cx="3841436" cy="1536752"/>
+            </a:xfrm>
+            <a:prstGeom prst="rect">
+              <a:avLst/>
+            </a:prstGeom>
+            <a:noFill/>
+            <a:extLst>
+              <a:ext uri="{909E8E84-426E-40DD-AFC4-6F175D3DCCD1}">
+                <a14:hiddenFill xmlns:a14="http://schemas.microsoft.com/office/drawing/2010/main">
+                  <a:solidFill>
+                    <a:srgbClr val="FFFFFF"/>
+                  </a:solidFill>
+                </a14:hiddenFill>
+              </a:ext>
+            </a:extLst>
+          </p:spPr>
+        </p:pic>
+        <p:pic>
+          <p:nvPicPr>
+            <p:cNvPr id="1036" name="Picture 12" descr="GitHub - sneumann/xcms: This is the git repository matching the  Bioconductor package xcms: LC/MS and GC/MS Data Analysis">
+              <a:extLst>
+                <a:ext uri="{FF2B5EF4-FFF2-40B4-BE49-F238E27FC236}">
+                  <a16:creationId xmlns:a16="http://schemas.microsoft.com/office/drawing/2014/main" id="{B79623D6-6FB4-8C46-8045-A6A11C14E722}"/>
+                </a:ext>
+              </a:extLst>
+            </p:cNvPr>
+            <p:cNvPicPr>
+              <a:picLocks noChangeAspect="1" noChangeArrowheads="1"/>
+            </p:cNvPicPr>
+            <p:nvPr/>
+          </p:nvPicPr>
+          <p:blipFill>
+            <a:blip r:embed="rId20">
+              <a:extLst>
+                <a:ext uri="{28A0092B-C50C-407E-A947-70E740481C1C}">
+                  <a14:useLocalDpi xmlns:a14="http://schemas.microsoft.com/office/drawing/2010/main" val="0"/>
+                </a:ext>
+              </a:extLst>
+            </a:blip>
+            <a:srcRect/>
+            <a:stretch>
+              <a:fillRect/>
+            </a:stretch>
+          </p:blipFill>
+          <p:spPr bwMode="auto">
+            <a:xfrm>
+              <a:off x="8158571" y="3929470"/>
+              <a:ext cx="528896" cy="612622"/>
+            </a:xfrm>
+            <a:prstGeom prst="rect">
+              <a:avLst/>
+            </a:prstGeom>
+            <a:noFill/>
+            <a:extLst>
+              <a:ext uri="{909E8E84-426E-40DD-AFC4-6F175D3DCCD1}">
+                <a14:hiddenFill xmlns:a14="http://schemas.microsoft.com/office/drawing/2010/main">
+                  <a:solidFill>
+                    <a:srgbClr val="FFFFFF"/>
+                  </a:solidFill>
+                </a14:hiddenFill>
+              </a:ext>
+            </a:extLst>
+          </p:spPr>
+        </p:pic>
+        <p:sp>
+          <p:nvSpPr>
+            <p:cNvPr id="45" name="Oval 44">
+              <a:extLst>
+                <a:ext uri="{FF2B5EF4-FFF2-40B4-BE49-F238E27FC236}">
+                  <a16:creationId xmlns:a16="http://schemas.microsoft.com/office/drawing/2014/main" id="{0C41E37F-F97F-8F49-8CA9-51EE8BE5C5E5}"/>
+                </a:ext>
+              </a:extLst>
+            </p:cNvPr>
+            <p:cNvSpPr/>
+            <p:nvPr/>
+          </p:nvSpPr>
+          <p:spPr>
+            <a:xfrm>
+              <a:off x="187207" y="3509486"/>
+              <a:ext cx="362857" cy="362857"/>
+            </a:xfrm>
+            <a:prstGeom prst="ellipse">
+              <a:avLst/>
+            </a:prstGeom>
+            <a:solidFill>
+              <a:schemeClr val="accent2"/>
+            </a:solidFill>
+            <a:ln w="19050">
+              <a:solidFill>
+                <a:schemeClr val="bg1"/>
+              </a:solidFill>
+            </a:ln>
+          </p:spPr>
+          <p:style>
+            <a:lnRef idx="2">
+              <a:schemeClr val="accent1">
+                <a:shade val="50000"/>
+              </a:schemeClr>
+            </a:lnRef>
+            <a:fillRef idx="1">
+              <a:schemeClr val="accent1"/>
+            </a:fillRef>
+            <a:effectRef idx="0">
+              <a:schemeClr val="accent1"/>
+            </a:effectRef>
+            <a:fontRef idx="minor">
+              <a:schemeClr val="lt1"/>
+            </a:fontRef>
+          </p:style>
+          <p:txBody>
+            <a:bodyPr rtlCol="0" anchor="ctr"/>
+            <a:lstStyle/>
+            <a:p>
+              <a:pPr algn="ctr"/>
+              <a:r>
+                <a:rPr lang="en-US" dirty="0"/>
+                <a:t>a</a:t>
+              </a:r>
+            </a:p>
+          </p:txBody>
+        </p:sp>
+        <p:sp>
+          <p:nvSpPr>
+            <p:cNvPr id="58" name="Oval 57">
+              <a:extLst>
+                <a:ext uri="{FF2B5EF4-FFF2-40B4-BE49-F238E27FC236}">
+                  <a16:creationId xmlns:a16="http://schemas.microsoft.com/office/drawing/2014/main" id="{9E5E814E-0344-8645-9BD3-8E81B623E67D}"/>
+                </a:ext>
+              </a:extLst>
+            </p:cNvPr>
+            <p:cNvSpPr/>
+            <p:nvPr/>
+          </p:nvSpPr>
+          <p:spPr>
+            <a:xfrm>
+              <a:off x="146762" y="5622579"/>
+              <a:ext cx="362857" cy="362857"/>
+            </a:xfrm>
+            <a:prstGeom prst="ellipse">
+              <a:avLst/>
+            </a:prstGeom>
+            <a:solidFill>
+              <a:schemeClr val="accent2"/>
+            </a:solidFill>
+            <a:ln w="19050">
+              <a:solidFill>
+                <a:schemeClr val="bg1"/>
+              </a:solidFill>
+            </a:ln>
+          </p:spPr>
+          <p:style>
+            <a:lnRef idx="2">
+              <a:schemeClr val="accent1">
+                <a:shade val="50000"/>
+              </a:schemeClr>
+            </a:lnRef>
+            <a:fillRef idx="1">
+              <a:schemeClr val="accent1"/>
+            </a:fillRef>
+            <a:effectRef idx="0">
+              <a:schemeClr val="accent1"/>
+            </a:effectRef>
+            <a:fontRef idx="minor">
+              <a:schemeClr val="lt1"/>
+            </a:fontRef>
+          </p:style>
+          <p:txBody>
+            <a:bodyPr rtlCol="0" anchor="ctr"/>
+            <a:lstStyle/>
+            <a:p>
+              <a:pPr algn="ctr"/>
+              <a:r>
+                <a:rPr lang="en-US" dirty="0"/>
+                <a:t>b</a:t>
+              </a:r>
+            </a:p>
+          </p:txBody>
+        </p:sp>
+        <p:sp>
+          <p:nvSpPr>
+            <p:cNvPr id="59" name="Oval 58">
+              <a:extLst>
+                <a:ext uri="{FF2B5EF4-FFF2-40B4-BE49-F238E27FC236}">
+                  <a16:creationId xmlns:a16="http://schemas.microsoft.com/office/drawing/2014/main" id="{A426D99B-DF87-A94C-A4B2-7FFF96C7B91E}"/>
+                </a:ext>
+              </a:extLst>
+            </p:cNvPr>
+            <p:cNvSpPr/>
+            <p:nvPr/>
+          </p:nvSpPr>
+          <p:spPr>
+            <a:xfrm>
+              <a:off x="1502613" y="5604751"/>
+              <a:ext cx="362857" cy="362857"/>
+            </a:xfrm>
+            <a:prstGeom prst="ellipse">
+              <a:avLst/>
+            </a:prstGeom>
+            <a:solidFill>
+              <a:schemeClr val="accent2"/>
+            </a:solidFill>
+            <a:ln w="19050">
+              <a:solidFill>
+                <a:schemeClr val="bg1"/>
+              </a:solidFill>
+            </a:ln>
+          </p:spPr>
+          <p:style>
+            <a:lnRef idx="2">
+              <a:schemeClr val="accent1">
+                <a:shade val="50000"/>
+              </a:schemeClr>
+            </a:lnRef>
+            <a:fillRef idx="1">
+              <a:schemeClr val="accent1"/>
+            </a:fillRef>
+            <a:effectRef idx="0">
+              <a:schemeClr val="accent1"/>
+            </a:effectRef>
+            <a:fontRef idx="minor">
+              <a:schemeClr val="lt1"/>
+            </a:fontRef>
+          </p:style>
+          <p:txBody>
+            <a:bodyPr rtlCol="0" anchor="ctr"/>
+            <a:lstStyle/>
+            <a:p>
+              <a:pPr algn="ctr"/>
+              <a:r>
+                <a:rPr lang="en-US" dirty="0"/>
+                <a:t>c</a:t>
+              </a:r>
+            </a:p>
+          </p:txBody>
+        </p:sp>
+        <p:sp>
+          <p:nvSpPr>
+            <p:cNvPr id="60" name="Oval 59">
+              <a:extLst>
+                <a:ext uri="{FF2B5EF4-FFF2-40B4-BE49-F238E27FC236}">
+                  <a16:creationId xmlns:a16="http://schemas.microsoft.com/office/drawing/2014/main" id="{BAED49B4-4C03-C541-B645-ACA2F514A630}"/>
+                </a:ext>
+              </a:extLst>
+            </p:cNvPr>
+            <p:cNvSpPr/>
+            <p:nvPr/>
+          </p:nvSpPr>
+          <p:spPr>
+            <a:xfrm>
+              <a:off x="3121252" y="3473949"/>
+              <a:ext cx="362857" cy="362857"/>
+            </a:xfrm>
+            <a:prstGeom prst="ellipse">
+              <a:avLst/>
+            </a:prstGeom>
+            <a:solidFill>
+              <a:schemeClr val="accent2"/>
+            </a:solidFill>
+            <a:ln w="19050">
+              <a:solidFill>
+                <a:schemeClr val="bg1"/>
+              </a:solidFill>
+            </a:ln>
+          </p:spPr>
+          <p:style>
+            <a:lnRef idx="2">
+              <a:schemeClr val="accent1">
+                <a:shade val="50000"/>
+              </a:schemeClr>
+            </a:lnRef>
+            <a:fillRef idx="1">
+              <a:schemeClr val="accent1"/>
+            </a:fillRef>
+            <a:effectRef idx="0">
+              <a:schemeClr val="accent1"/>
+            </a:effectRef>
+            <a:fontRef idx="minor">
+              <a:schemeClr val="lt1"/>
+            </a:fontRef>
+          </p:style>
+          <p:txBody>
+            <a:bodyPr rtlCol="0" anchor="ctr"/>
+            <a:lstStyle/>
+            <a:p>
+              <a:pPr algn="ctr"/>
+              <a:r>
+                <a:rPr lang="en-US" dirty="0"/>
+                <a:t>d</a:t>
+              </a:r>
+            </a:p>
+          </p:txBody>
+        </p:sp>
+        <p:sp>
+          <p:nvSpPr>
+            <p:cNvPr id="61" name="Oval 60">
+              <a:extLst>
+                <a:ext uri="{FF2B5EF4-FFF2-40B4-BE49-F238E27FC236}">
+                  <a16:creationId xmlns:a16="http://schemas.microsoft.com/office/drawing/2014/main" id="{5CFDB74A-4358-4342-AA5C-D2A23524B960}"/>
+                </a:ext>
+              </a:extLst>
+            </p:cNvPr>
+            <p:cNvSpPr/>
+            <p:nvPr/>
+          </p:nvSpPr>
+          <p:spPr>
+            <a:xfrm>
+              <a:off x="3128509" y="5614802"/>
+              <a:ext cx="362857" cy="362857"/>
+            </a:xfrm>
+            <a:prstGeom prst="ellipse">
+              <a:avLst/>
+            </a:prstGeom>
+            <a:solidFill>
+              <a:schemeClr val="accent2"/>
+            </a:solidFill>
+            <a:ln w="19050">
+              <a:solidFill>
+                <a:schemeClr val="bg1"/>
+              </a:solidFill>
+            </a:ln>
+          </p:spPr>
+          <p:style>
+            <a:lnRef idx="2">
+              <a:schemeClr val="accent1">
+                <a:shade val="50000"/>
+              </a:schemeClr>
+            </a:lnRef>
+            <a:fillRef idx="1">
+              <a:schemeClr val="accent1"/>
+            </a:fillRef>
+            <a:effectRef idx="0">
+              <a:schemeClr val="accent1"/>
+            </a:effectRef>
+            <a:fontRef idx="minor">
+              <a:schemeClr val="lt1"/>
+            </a:fontRef>
+          </p:style>
+          <p:txBody>
+            <a:bodyPr rtlCol="0" anchor="ctr"/>
+            <a:lstStyle/>
+            <a:p>
+              <a:pPr algn="ctr"/>
+              <a:r>
+                <a:rPr lang="en-US" dirty="0"/>
+                <a:t>e</a:t>
+              </a:r>
+            </a:p>
+          </p:txBody>
+        </p:sp>
+        <p:sp>
+          <p:nvSpPr>
+            <p:cNvPr id="62" name="Oval 61">
+              <a:extLst>
+                <a:ext uri="{FF2B5EF4-FFF2-40B4-BE49-F238E27FC236}">
+                  <a16:creationId xmlns:a16="http://schemas.microsoft.com/office/drawing/2014/main" id="{86185C73-C388-6747-8721-855C438DD736}"/>
+                </a:ext>
+              </a:extLst>
+            </p:cNvPr>
+            <p:cNvSpPr/>
+            <p:nvPr/>
+          </p:nvSpPr>
+          <p:spPr>
+            <a:xfrm>
+              <a:off x="4862674" y="3473948"/>
+              <a:ext cx="362857" cy="362857"/>
+            </a:xfrm>
+            <a:prstGeom prst="ellipse">
+              <a:avLst/>
+            </a:prstGeom>
+            <a:solidFill>
+              <a:schemeClr val="accent2"/>
+            </a:solidFill>
+            <a:ln w="19050">
+              <a:solidFill>
+                <a:schemeClr val="bg1"/>
+              </a:solidFill>
+            </a:ln>
+          </p:spPr>
+          <p:style>
+            <a:lnRef idx="2">
+              <a:schemeClr val="accent1">
+                <a:shade val="50000"/>
+              </a:schemeClr>
+            </a:lnRef>
+            <a:fillRef idx="1">
+              <a:schemeClr val="accent1"/>
+            </a:fillRef>
+            <a:effectRef idx="0">
+              <a:schemeClr val="accent1"/>
+            </a:effectRef>
+            <a:fontRef idx="minor">
+              <a:schemeClr val="lt1"/>
+            </a:fontRef>
+          </p:style>
+          <p:txBody>
+            <a:bodyPr rtlCol="0" anchor="ctr"/>
+            <a:lstStyle/>
+            <a:p>
+              <a:pPr algn="ctr"/>
+              <a:r>
+                <a:rPr lang="en-US" dirty="0"/>
+                <a:t>f</a:t>
+              </a:r>
+            </a:p>
+          </p:txBody>
+        </p:sp>
+        <p:sp>
+          <p:nvSpPr>
+            <p:cNvPr id="63" name="Oval 62">
+              <a:extLst>
+                <a:ext uri="{FF2B5EF4-FFF2-40B4-BE49-F238E27FC236}">
+                  <a16:creationId xmlns:a16="http://schemas.microsoft.com/office/drawing/2014/main" id="{F4B75D1B-9119-F74D-9811-94FA4BF714B4}"/>
+                </a:ext>
+              </a:extLst>
+            </p:cNvPr>
+            <p:cNvSpPr/>
+            <p:nvPr/>
+          </p:nvSpPr>
+          <p:spPr>
+            <a:xfrm>
+              <a:off x="6772381" y="3742197"/>
+              <a:ext cx="362857" cy="362857"/>
+            </a:xfrm>
+            <a:prstGeom prst="ellipse">
+              <a:avLst/>
+            </a:prstGeom>
+            <a:solidFill>
+              <a:schemeClr val="accent2"/>
+            </a:solidFill>
+            <a:ln w="19050">
+              <a:solidFill>
+                <a:schemeClr val="bg1"/>
+              </a:solidFill>
+            </a:ln>
+          </p:spPr>
+          <p:style>
+            <a:lnRef idx="2">
+              <a:schemeClr val="accent1">
+                <a:shade val="50000"/>
+              </a:schemeClr>
+            </a:lnRef>
+            <a:fillRef idx="1">
+              <a:schemeClr val="accent1"/>
+            </a:fillRef>
+            <a:effectRef idx="0">
+              <a:schemeClr val="accent1"/>
+            </a:effectRef>
+            <a:fontRef idx="minor">
+              <a:schemeClr val="lt1"/>
+            </a:fontRef>
+          </p:style>
+          <p:txBody>
+            <a:bodyPr rtlCol="0" anchor="ctr"/>
+            <a:lstStyle/>
+            <a:p>
+              <a:pPr algn="ctr"/>
+              <a:r>
+                <a:rPr lang="en-US" dirty="0"/>
+                <a:t>g</a:t>
+              </a:r>
+            </a:p>
+          </p:txBody>
+        </p:sp>
+        <p:sp>
+          <p:nvSpPr>
+            <p:cNvPr id="64" name="Oval 63">
+              <a:extLst>
+                <a:ext uri="{FF2B5EF4-FFF2-40B4-BE49-F238E27FC236}">
+                  <a16:creationId xmlns:a16="http://schemas.microsoft.com/office/drawing/2014/main" id="{07B17F90-1586-654C-97EA-D917849D18B2}"/>
+                </a:ext>
+              </a:extLst>
+            </p:cNvPr>
+            <p:cNvSpPr/>
+            <p:nvPr/>
+          </p:nvSpPr>
+          <p:spPr>
+            <a:xfrm>
+              <a:off x="6774205" y="2253207"/>
+              <a:ext cx="362857" cy="362857"/>
+            </a:xfrm>
+            <a:prstGeom prst="ellipse">
+              <a:avLst/>
+            </a:prstGeom>
+            <a:solidFill>
+              <a:schemeClr val="accent2"/>
+            </a:solidFill>
+            <a:ln w="19050">
+              <a:solidFill>
+                <a:schemeClr val="bg1"/>
+              </a:solidFill>
+            </a:ln>
+          </p:spPr>
+          <p:style>
+            <a:lnRef idx="2">
+              <a:schemeClr val="accent1">
+                <a:shade val="50000"/>
+              </a:schemeClr>
+            </a:lnRef>
+            <a:fillRef idx="1">
+              <a:schemeClr val="accent1"/>
+            </a:fillRef>
+            <a:effectRef idx="0">
+              <a:schemeClr val="accent1"/>
+            </a:effectRef>
+            <a:fontRef idx="minor">
+              <a:schemeClr val="lt1"/>
+            </a:fontRef>
+          </p:style>
+          <p:txBody>
+            <a:bodyPr rtlCol="0" anchor="ctr"/>
+            <a:lstStyle/>
+            <a:p>
+              <a:pPr algn="ctr"/>
+              <a:r>
+                <a:rPr lang="en-US" dirty="0"/>
+                <a:t>h</a:t>
+              </a:r>
+            </a:p>
+          </p:txBody>
+        </p:sp>
+        <p:sp>
+          <p:nvSpPr>
+            <p:cNvPr id="65" name="Oval 64">
+              <a:extLst>
+                <a:ext uri="{FF2B5EF4-FFF2-40B4-BE49-F238E27FC236}">
+                  <a16:creationId xmlns:a16="http://schemas.microsoft.com/office/drawing/2014/main" id="{4431C35E-8B52-B44C-BBEA-067F9439BD12}"/>
+                </a:ext>
+              </a:extLst>
+            </p:cNvPr>
+            <p:cNvSpPr/>
+            <p:nvPr/>
+          </p:nvSpPr>
+          <p:spPr>
+            <a:xfrm>
+              <a:off x="9176817" y="2248995"/>
+              <a:ext cx="362857" cy="362857"/>
+            </a:xfrm>
+            <a:prstGeom prst="ellipse">
+              <a:avLst/>
+            </a:prstGeom>
+            <a:solidFill>
+              <a:schemeClr val="accent2"/>
+            </a:solidFill>
+            <a:ln w="19050">
+              <a:solidFill>
+                <a:schemeClr val="bg1"/>
+              </a:solidFill>
+            </a:ln>
+          </p:spPr>
+          <p:style>
+            <a:lnRef idx="2">
+              <a:schemeClr val="accent1">
+                <a:shade val="50000"/>
+              </a:schemeClr>
+            </a:lnRef>
+            <a:fillRef idx="1">
+              <a:schemeClr val="accent1"/>
+            </a:fillRef>
+            <a:effectRef idx="0">
+              <a:schemeClr val="accent1"/>
+            </a:effectRef>
+            <a:fontRef idx="minor">
+              <a:schemeClr val="lt1"/>
+            </a:fontRef>
+          </p:style>
+          <p:txBody>
+            <a:bodyPr rtlCol="0" anchor="ctr"/>
+            <a:lstStyle/>
+            <a:p>
+              <a:pPr algn="ctr"/>
+              <a:r>
+                <a:rPr lang="en-US" dirty="0"/>
+                <a:t>i</a:t>
+              </a:r>
+            </a:p>
+          </p:txBody>
+        </p:sp>
+        <p:sp>
+          <p:nvSpPr>
+            <p:cNvPr id="66" name="Oval 65">
+              <a:extLst>
+                <a:ext uri="{FF2B5EF4-FFF2-40B4-BE49-F238E27FC236}">
+                  <a16:creationId xmlns:a16="http://schemas.microsoft.com/office/drawing/2014/main" id="{61CC64F9-3590-BB49-8AD8-B594738D5B4A}"/>
+                </a:ext>
+              </a:extLst>
+            </p:cNvPr>
+            <p:cNvSpPr/>
+            <p:nvPr/>
+          </p:nvSpPr>
+          <p:spPr>
+            <a:xfrm>
+              <a:off x="9182749" y="3618720"/>
+              <a:ext cx="362857" cy="362857"/>
+            </a:xfrm>
+            <a:prstGeom prst="ellipse">
+              <a:avLst/>
+            </a:prstGeom>
+            <a:solidFill>
+              <a:schemeClr val="accent2"/>
+            </a:solidFill>
+            <a:ln w="19050">
+              <a:solidFill>
+                <a:schemeClr val="bg1"/>
+              </a:solidFill>
+            </a:ln>
+          </p:spPr>
+          <p:style>
+            <a:lnRef idx="2">
+              <a:schemeClr val="accent1">
+                <a:shade val="50000"/>
+              </a:schemeClr>
+            </a:lnRef>
+            <a:fillRef idx="1">
+              <a:schemeClr val="accent1"/>
+            </a:fillRef>
+            <a:effectRef idx="0">
+              <a:schemeClr val="accent1"/>
+            </a:effectRef>
+            <a:fontRef idx="minor">
+              <a:schemeClr val="lt1"/>
+            </a:fontRef>
+          </p:style>
+          <p:txBody>
+            <a:bodyPr rtlCol="0" anchor="ctr"/>
+            <a:lstStyle/>
+            <a:p>
+              <a:pPr algn="ctr"/>
+              <a:r>
+                <a:rPr lang="en-US" sz="1500" dirty="0"/>
+                <a:t>j</a:t>
+              </a:r>
+            </a:p>
+          </p:txBody>
+        </p:sp>
+        <p:sp>
+          <p:nvSpPr>
+            <p:cNvPr id="67" name="Oval 66">
+              <a:extLst>
+                <a:ext uri="{FF2B5EF4-FFF2-40B4-BE49-F238E27FC236}">
+                  <a16:creationId xmlns:a16="http://schemas.microsoft.com/office/drawing/2014/main" id="{4E3545F7-BF69-CB41-9BF2-40658345BB28}"/>
+                </a:ext>
+              </a:extLst>
+            </p:cNvPr>
+            <p:cNvSpPr/>
+            <p:nvPr/>
+          </p:nvSpPr>
+          <p:spPr>
+            <a:xfrm>
+              <a:off x="8405482" y="5044873"/>
+              <a:ext cx="362857" cy="362857"/>
+            </a:xfrm>
+            <a:prstGeom prst="ellipse">
+              <a:avLst/>
+            </a:prstGeom>
+            <a:solidFill>
+              <a:schemeClr val="accent2"/>
+            </a:solidFill>
+            <a:ln w="19050">
+              <a:solidFill>
+                <a:schemeClr val="bg1"/>
+              </a:solidFill>
+            </a:ln>
+          </p:spPr>
+          <p:style>
+            <a:lnRef idx="2">
+              <a:schemeClr val="accent1">
+                <a:shade val="50000"/>
+              </a:schemeClr>
+            </a:lnRef>
+            <a:fillRef idx="1">
+              <a:schemeClr val="accent1"/>
+            </a:fillRef>
+            <a:effectRef idx="0">
+              <a:schemeClr val="accent1"/>
+            </a:effectRef>
+            <a:fontRef idx="minor">
+              <a:schemeClr val="lt1"/>
+            </a:fontRef>
+          </p:style>
+          <p:txBody>
+            <a:bodyPr rtlCol="0" anchor="ctr"/>
+            <a:lstStyle/>
+            <a:p>
+              <a:pPr algn="ctr"/>
+              <a:r>
+                <a:rPr lang="en-US" sz="1500" dirty="0"/>
+                <a:t>k</a:t>
+              </a:r>
+            </a:p>
+          </p:txBody>
+        </p:sp>
+        <p:sp>
+          <p:nvSpPr>
+            <p:cNvPr id="68" name="Oval 67">
+              <a:extLst>
+                <a:ext uri="{FF2B5EF4-FFF2-40B4-BE49-F238E27FC236}">
+                  <a16:creationId xmlns:a16="http://schemas.microsoft.com/office/drawing/2014/main" id="{51C0A75E-E49A-444B-A8BD-0461FBB2FC32}"/>
+                </a:ext>
+              </a:extLst>
+            </p:cNvPr>
+            <p:cNvSpPr/>
+            <p:nvPr/>
+          </p:nvSpPr>
+          <p:spPr>
+            <a:xfrm>
+              <a:off x="10373008" y="5041932"/>
+              <a:ext cx="362857" cy="362857"/>
+            </a:xfrm>
+            <a:prstGeom prst="ellipse">
+              <a:avLst/>
+            </a:prstGeom>
+            <a:solidFill>
+              <a:schemeClr val="accent2"/>
+            </a:solidFill>
+            <a:ln w="19050">
+              <a:solidFill>
+                <a:schemeClr val="bg1"/>
+              </a:solidFill>
+            </a:ln>
+          </p:spPr>
+          <p:style>
+            <a:lnRef idx="2">
+              <a:schemeClr val="accent1">
+                <a:shade val="50000"/>
+              </a:schemeClr>
+            </a:lnRef>
+            <a:fillRef idx="1">
+              <a:schemeClr val="accent1"/>
+            </a:fillRef>
+            <a:effectRef idx="0">
+              <a:schemeClr val="accent1"/>
+            </a:effectRef>
+            <a:fontRef idx="minor">
+              <a:schemeClr val="lt1"/>
+            </a:fontRef>
+          </p:style>
+          <p:txBody>
+            <a:bodyPr rtlCol="0" anchor="ctr"/>
+            <a:lstStyle/>
+            <a:p>
+              <a:pPr algn="ctr"/>
+              <a:r>
+                <a:rPr lang="en-US" sz="1500" dirty="0"/>
+                <a:t>l</a:t>
+              </a:r>
+            </a:p>
+          </p:txBody>
+        </p:sp>
+        <p:sp>
+          <p:nvSpPr>
+            <p:cNvPr id="53" name="Rounded Rectangle 52">
+              <a:extLst>
+                <a:ext uri="{FF2B5EF4-FFF2-40B4-BE49-F238E27FC236}">
+                  <a16:creationId xmlns:a16="http://schemas.microsoft.com/office/drawing/2014/main" id="{1C48A9DF-5283-CE44-B267-6987835D6773}"/>
+                </a:ext>
+              </a:extLst>
+            </p:cNvPr>
+            <p:cNvSpPr/>
+            <p:nvPr/>
+          </p:nvSpPr>
+          <p:spPr>
+            <a:xfrm>
+              <a:off x="129151" y="3425442"/>
+              <a:ext cx="2638812" cy="3764603"/>
+            </a:xfrm>
+            <a:prstGeom prst="roundRect">
+              <a:avLst/>
+            </a:prstGeom>
+            <a:noFill/>
+            <a:ln w="28575">
+              <a:solidFill>
+                <a:srgbClr val="002060"/>
+              </a:solidFill>
+              <a:prstDash val="dash"/>
+            </a:ln>
+          </p:spPr>
+          <p:style>
+            <a:lnRef idx="2">
+              <a:schemeClr val="accent1">
+                <a:shade val="50000"/>
+              </a:schemeClr>
+            </a:lnRef>
+            <a:fillRef idx="1">
+              <a:schemeClr val="accent1"/>
+            </a:fillRef>
+            <a:effectRef idx="0">
+              <a:schemeClr val="accent1"/>
+            </a:effectRef>
+            <a:fontRef idx="minor">
+              <a:schemeClr val="lt1"/>
+            </a:fontRef>
+          </p:style>
+          <p:txBody>
+            <a:bodyPr rtlCol="0" anchor="ctr"/>
+            <a:lstStyle/>
+            <a:p>
+              <a:pPr algn="ctr"/>
+              <a:endParaRPr lang="en-US"/>
+            </a:p>
+          </p:txBody>
+        </p:sp>
+        <p:sp>
+          <p:nvSpPr>
+            <p:cNvPr id="72" name="Notched Right Arrow 71">
+              <a:extLst>
+                <a:ext uri="{FF2B5EF4-FFF2-40B4-BE49-F238E27FC236}">
+                  <a16:creationId xmlns:a16="http://schemas.microsoft.com/office/drawing/2014/main" id="{65CE5948-C535-A04B-BF2F-322A0C44A82D}"/>
+                </a:ext>
+              </a:extLst>
+            </p:cNvPr>
+            <p:cNvSpPr/>
+            <p:nvPr/>
+          </p:nvSpPr>
+          <p:spPr>
+            <a:xfrm rot="16200000">
+              <a:off x="2011714" y="5456775"/>
+              <a:ext cx="218229" cy="297432"/>
+            </a:xfrm>
+            <a:prstGeom prst="notchedRightArrow">
+              <a:avLst/>
+            </a:prstGeom>
+            <a:noFill/>
+            <a:ln w="28575" cap="flat" cmpd="sng" algn="ctr">
+              <a:solidFill>
+                <a:srgbClr val="002060"/>
+              </a:solidFill>
+              <a:prstDash val="solid"/>
+              <a:round/>
+              <a:headEnd type="none" w="med" len="med"/>
+              <a:tailEnd type="none" w="med" len="med"/>
+            </a:ln>
+          </p:spPr>
+          <p:style>
+            <a:lnRef idx="0">
+              <a:scrgbClr r="0" g="0" b="0"/>
+            </a:lnRef>
+            <a:fillRef idx="0">
+              <a:scrgbClr r="0" g="0" b="0"/>
+            </a:fillRef>
+            <a:effectRef idx="0">
+              <a:scrgbClr r="0" g="0" b="0"/>
+            </a:effectRef>
+            <a:fontRef idx="minor">
+              <a:schemeClr val="dk1"/>
+            </a:fontRef>
+          </p:style>
+          <p:txBody>
+            <a:bodyPr rtlCol="0" anchor="ctr"/>
+            <a:lstStyle/>
+            <a:p>
+              <a:pPr algn="ctr"/>
+              <a:endParaRPr lang="en-US"/>
+            </a:p>
+          </p:txBody>
+        </p:sp>
+      </p:grpSp>
     </p:spTree>
     <p:extLst>
       <p:ext uri="{BB962C8B-B14F-4D97-AF65-F5344CB8AC3E}">
-        <p14:creationId xmlns:p14="http://schemas.microsoft.com/office/powerpoint/2010/main" val="2138084591"/>
+        <p14:creationId xmlns:p14="http://schemas.microsoft.com/office/powerpoint/2010/main" val="1358485073"/>
       </p:ext>
     </p:extLst>
   </p:cSld>
   <p:clrMapOvr>
     <a:masterClrMapping/>
   </p:clrMapOvr>
-  <mc:AlternateContent xmlns:mc="http://schemas.openxmlformats.org/markup-compatibility/2006" xmlns:p14="http://schemas.microsoft.com/office/powerpoint/2010/main">
-    <mc:Choice Requires="p14">
-      <p:transition spd="med" p14:dur="700">
-        <p:fade/>
-      </p:transition>
-    </mc:Choice>
-    <mc:Fallback xmlns="">
-      <p:transition spd="med">
-        <p:fade/>
-      </p:transition>
-    </mc:Fallback>
-  </mc:AlternateContent>
 </p:sld>
 </file>
 
 <file path=ppt/theme/theme1.xml><?xml version="1.0" encoding="utf-8"?>
 <a:theme xmlns:a="http://schemas.openxmlformats.org/drawingml/2006/main" name="Office Theme">
   <a:themeElements>
-    <a:clrScheme name="Office">
+    <a:clrScheme name="Office Theme">
       <a:dk1>
         <a:sysClr val="windowText" lastClr="000000"/>
       </a:dk1>
@@ -5274,7 +7799,7 @@
         <a:srgbClr val="954F72"/>
       </a:folHlink>
     </a:clrScheme>
-    <a:fontScheme name="Office">
+    <a:fontScheme name="Office Theme">
       <a:majorFont>
         <a:latin typeface="Calibri Light" panose="020F0302020204030204"/>
         <a:ea typeface=""/>
@@ -5309,23 +7834,6 @@
         <a:font script="Viet" typeface="Times New Roman"/>
         <a:font script="Uigh" typeface="Microsoft Uighur"/>
         <a:font script="Geor" typeface="Sylfaen"/>
-        <a:font script="Armn" typeface="Arial"/>
-        <a:font script="Bugi" typeface="Leelawadee UI"/>
-        <a:font script="Bopo" typeface="Microsoft JhengHei"/>
-        <a:font script="Java" typeface="Javanese Text"/>
-        <a:font script="Lisu" typeface="Segoe UI"/>
-        <a:font script="Mymr" typeface="Myanmar Text"/>
-        <a:font script="Nkoo" typeface="Ebrima"/>
-        <a:font script="Olck" typeface="Nirmala UI"/>
-        <a:font script="Osma" typeface="Ebrima"/>
-        <a:font script="Phag" typeface="Phagspa"/>
-        <a:font script="Syrn" typeface="Estrangelo Edessa"/>
-        <a:font script="Syrj" typeface="Estrangelo Edessa"/>
-        <a:font script="Syre" typeface="Estrangelo Edessa"/>
-        <a:font script="Sora" typeface="Nirmala UI"/>
-        <a:font script="Tale" typeface="Microsoft Tai Le"/>
-        <a:font script="Talu" typeface="Microsoft New Tai Lue"/>
-        <a:font script="Tfng" typeface="Ebrima"/>
       </a:majorFont>
       <a:minorFont>
         <a:latin typeface="Calibri" panose="020F0502020204030204"/>
@@ -5361,26 +7869,9 @@
         <a:font script="Viet" typeface="Arial"/>
         <a:font script="Uigh" typeface="Microsoft Uighur"/>
         <a:font script="Geor" typeface="Sylfaen"/>
-        <a:font script="Armn" typeface="Arial"/>
-        <a:font script="Bugi" typeface="Leelawadee UI"/>
-        <a:font script="Bopo" typeface="Microsoft JhengHei"/>
-        <a:font script="Java" typeface="Javanese Text"/>
-        <a:font script="Lisu" typeface="Segoe UI"/>
-        <a:font script="Mymr" typeface="Myanmar Text"/>
-        <a:font script="Nkoo" typeface="Ebrima"/>
-        <a:font script="Olck" typeface="Nirmala UI"/>
-        <a:font script="Osma" typeface="Ebrima"/>
-        <a:font script="Phag" typeface="Phagspa"/>
-        <a:font script="Syrn" typeface="Estrangelo Edessa"/>
-        <a:font script="Syrj" typeface="Estrangelo Edessa"/>
-        <a:font script="Syre" typeface="Estrangelo Edessa"/>
-        <a:font script="Sora" typeface="Nirmala UI"/>
-        <a:font script="Tale" typeface="Microsoft Tai Le"/>
-        <a:font script="Talu" typeface="Microsoft New Tai Lue"/>
-        <a:font script="Tfng" typeface="Ebrima"/>
       </a:minorFont>
     </a:fontScheme>
-    <a:fmtScheme name="Office">
+    <a:fmtScheme name="Office Theme">
       <a:fillStyleLst>
         <a:solidFill>
           <a:schemeClr val="phClr"/>

--- a/figs/workflow.pptx
+++ b/figs/workflow.pptx
@@ -244,7 +244,7 @@
           <a:p>
             <a:fld id="{C415CA74-3952-BD4B-AE8D-88D35F82BC16}" type="datetimeFigureOut">
               <a:rPr lang="en-US" smtClean="0"/>
-              <a:t>9/30/20</a:t>
+              <a:t>1/28/21</a:t>
             </a:fld>
             <a:endParaRPr lang="en-US"/>
           </a:p>
@@ -414,7 +414,7 @@
           <a:p>
             <a:fld id="{C415CA74-3952-BD4B-AE8D-88D35F82BC16}" type="datetimeFigureOut">
               <a:rPr lang="en-US" smtClean="0"/>
-              <a:t>9/30/20</a:t>
+              <a:t>1/28/21</a:t>
             </a:fld>
             <a:endParaRPr lang="en-US"/>
           </a:p>
@@ -594,7 +594,7 @@
           <a:p>
             <a:fld id="{C415CA74-3952-BD4B-AE8D-88D35F82BC16}" type="datetimeFigureOut">
               <a:rPr lang="en-US" smtClean="0"/>
-              <a:t>9/30/20</a:t>
+              <a:t>1/28/21</a:t>
             </a:fld>
             <a:endParaRPr lang="en-US"/>
           </a:p>
@@ -764,7 +764,7 @@
           <a:p>
             <a:fld id="{C415CA74-3952-BD4B-AE8D-88D35F82BC16}" type="datetimeFigureOut">
               <a:rPr lang="en-US" smtClean="0"/>
-              <a:t>9/30/20</a:t>
+              <a:t>1/28/21</a:t>
             </a:fld>
             <a:endParaRPr lang="en-US"/>
           </a:p>
@@ -1008,7 +1008,7 @@
           <a:p>
             <a:fld id="{C415CA74-3952-BD4B-AE8D-88D35F82BC16}" type="datetimeFigureOut">
               <a:rPr lang="en-US" smtClean="0"/>
-              <a:t>9/30/20</a:t>
+              <a:t>1/28/21</a:t>
             </a:fld>
             <a:endParaRPr lang="en-US"/>
           </a:p>
@@ -1240,7 +1240,7 @@
           <a:p>
             <a:fld id="{C415CA74-3952-BD4B-AE8D-88D35F82BC16}" type="datetimeFigureOut">
               <a:rPr lang="en-US" smtClean="0"/>
-              <a:t>9/30/20</a:t>
+              <a:t>1/28/21</a:t>
             </a:fld>
             <a:endParaRPr lang="en-US"/>
           </a:p>
@@ -1607,7 +1607,7 @@
           <a:p>
             <a:fld id="{C415CA74-3952-BD4B-AE8D-88D35F82BC16}" type="datetimeFigureOut">
               <a:rPr lang="en-US" smtClean="0"/>
-              <a:t>9/30/20</a:t>
+              <a:t>1/28/21</a:t>
             </a:fld>
             <a:endParaRPr lang="en-US"/>
           </a:p>
@@ -1725,7 +1725,7 @@
           <a:p>
             <a:fld id="{C415CA74-3952-BD4B-AE8D-88D35F82BC16}" type="datetimeFigureOut">
               <a:rPr lang="en-US" smtClean="0"/>
-              <a:t>9/30/20</a:t>
+              <a:t>1/28/21</a:t>
             </a:fld>
             <a:endParaRPr lang="en-US"/>
           </a:p>
@@ -1820,7 +1820,7 @@
           <a:p>
             <a:fld id="{C415CA74-3952-BD4B-AE8D-88D35F82BC16}" type="datetimeFigureOut">
               <a:rPr lang="en-US" smtClean="0"/>
-              <a:t>9/30/20</a:t>
+              <a:t>1/28/21</a:t>
             </a:fld>
             <a:endParaRPr lang="en-US"/>
           </a:p>
@@ -2097,7 +2097,7 @@
           <a:p>
             <a:fld id="{C415CA74-3952-BD4B-AE8D-88D35F82BC16}" type="datetimeFigureOut">
               <a:rPr lang="en-US" smtClean="0"/>
-              <a:t>9/30/20</a:t>
+              <a:t>1/28/21</a:t>
             </a:fld>
             <a:endParaRPr lang="en-US"/>
           </a:p>
@@ -2354,7 +2354,7 @@
           <a:p>
             <a:fld id="{C415CA74-3952-BD4B-AE8D-88D35F82BC16}" type="datetimeFigureOut">
               <a:rPr lang="en-US" smtClean="0"/>
-              <a:t>9/30/20</a:t>
+              <a:t>1/28/21</a:t>
             </a:fld>
             <a:endParaRPr lang="en-US"/>
           </a:p>
@@ -2567,7 +2567,7 @@
           <a:p>
             <a:fld id="{C415CA74-3952-BD4B-AE8D-88D35F82BC16}" type="datetimeFigureOut">
               <a:rPr lang="en-US" smtClean="0"/>
-              <a:t>9/30/20</a:t>
+              <a:t>1/28/21</a:t>
             </a:fld>
             <a:endParaRPr lang="en-US"/>
           </a:p>
@@ -4655,37 +4655,37 @@
             </a:extLst>
           </p:spPr>
         </p:pic>
-        <p:pic>
-          <p:nvPicPr>
-            <p:cNvPr id="5" name="Picture 4" descr="A close up of a logo&#10;&#10;Description automatically generated">
-              <a:extLst>
-                <a:ext uri="{FF2B5EF4-FFF2-40B4-BE49-F238E27FC236}">
-                  <a16:creationId xmlns:a16="http://schemas.microsoft.com/office/drawing/2014/main" id="{BE6B8959-2FB8-BE49-BFB9-B0678B847F28}"/>
-                </a:ext>
-              </a:extLst>
-            </p:cNvPr>
-            <p:cNvPicPr>
-              <a:picLocks noChangeAspect="1"/>
-            </p:cNvPicPr>
-            <p:nvPr/>
-          </p:nvPicPr>
-          <p:blipFill>
-            <a:blip r:embed="rId14"/>
-            <a:stretch>
-              <a:fillRect/>
-            </a:stretch>
-          </p:blipFill>
-          <p:spPr>
-            <a:xfrm>
-              <a:off x="750327" y="651624"/>
-              <a:ext cx="2152515" cy="2152515"/>
-            </a:xfrm>
-            <a:prstGeom prst="rect">
-              <a:avLst/>
-            </a:prstGeom>
-          </p:spPr>
-        </p:pic>
       </p:grpSp>
+      <p:pic>
+        <p:nvPicPr>
+          <p:cNvPr id="10" name="Picture 9" descr="Logo&#10;&#10;Description automatically generated">
+            <a:extLst>
+              <a:ext uri="{FF2B5EF4-FFF2-40B4-BE49-F238E27FC236}">
+                <a16:creationId xmlns:a16="http://schemas.microsoft.com/office/drawing/2014/main" id="{63A1423B-2CDE-4A45-9C77-22DF9D64199B}"/>
+              </a:ext>
+            </a:extLst>
+          </p:cNvPr>
+          <p:cNvPicPr>
+            <a:picLocks noChangeAspect="1"/>
+          </p:cNvPicPr>
+          <p:nvPr/>
+        </p:nvPicPr>
+        <p:blipFill>
+          <a:blip r:embed="rId14"/>
+          <a:stretch>
+            <a:fillRect/>
+          </a:stretch>
+        </p:blipFill>
+        <p:spPr>
+          <a:xfrm>
+            <a:off x="1283292" y="2313753"/>
+            <a:ext cx="2410650" cy="1279728"/>
+          </a:xfrm>
+          <a:prstGeom prst="rect">
+            <a:avLst/>
+          </a:prstGeom>
+        </p:spPr>
+      </p:pic>
     </p:spTree>
     <p:extLst>
       <p:ext uri="{BB962C8B-B14F-4D97-AF65-F5344CB8AC3E}">

--- a/figs/workflow.pptx
+++ b/figs/workflow.pptx
@@ -244,7 +244,7 @@
           <a:p>
             <a:fld id="{C415CA74-3952-BD4B-AE8D-88D35F82BC16}" type="datetimeFigureOut">
               <a:rPr lang="en-US" smtClean="0"/>
-              <a:t>1/28/21</a:t>
+              <a:t>1/29/21</a:t>
             </a:fld>
             <a:endParaRPr lang="en-US"/>
           </a:p>
@@ -414,7 +414,7 @@
           <a:p>
             <a:fld id="{C415CA74-3952-BD4B-AE8D-88D35F82BC16}" type="datetimeFigureOut">
               <a:rPr lang="en-US" smtClean="0"/>
-              <a:t>1/28/21</a:t>
+              <a:t>1/29/21</a:t>
             </a:fld>
             <a:endParaRPr lang="en-US"/>
           </a:p>
@@ -594,7 +594,7 @@
           <a:p>
             <a:fld id="{C415CA74-3952-BD4B-AE8D-88D35F82BC16}" type="datetimeFigureOut">
               <a:rPr lang="en-US" smtClean="0"/>
-              <a:t>1/28/21</a:t>
+              <a:t>1/29/21</a:t>
             </a:fld>
             <a:endParaRPr lang="en-US"/>
           </a:p>
@@ -764,7 +764,7 @@
           <a:p>
             <a:fld id="{C415CA74-3952-BD4B-AE8D-88D35F82BC16}" type="datetimeFigureOut">
               <a:rPr lang="en-US" smtClean="0"/>
-              <a:t>1/28/21</a:t>
+              <a:t>1/29/21</a:t>
             </a:fld>
             <a:endParaRPr lang="en-US"/>
           </a:p>
@@ -1008,7 +1008,7 @@
           <a:p>
             <a:fld id="{C415CA74-3952-BD4B-AE8D-88D35F82BC16}" type="datetimeFigureOut">
               <a:rPr lang="en-US" smtClean="0"/>
-              <a:t>1/28/21</a:t>
+              <a:t>1/29/21</a:t>
             </a:fld>
             <a:endParaRPr lang="en-US"/>
           </a:p>
@@ -1240,7 +1240,7 @@
           <a:p>
             <a:fld id="{C415CA74-3952-BD4B-AE8D-88D35F82BC16}" type="datetimeFigureOut">
               <a:rPr lang="en-US" smtClean="0"/>
-              <a:t>1/28/21</a:t>
+              <a:t>1/29/21</a:t>
             </a:fld>
             <a:endParaRPr lang="en-US"/>
           </a:p>
@@ -1607,7 +1607,7 @@
           <a:p>
             <a:fld id="{C415CA74-3952-BD4B-AE8D-88D35F82BC16}" type="datetimeFigureOut">
               <a:rPr lang="en-US" smtClean="0"/>
-              <a:t>1/28/21</a:t>
+              <a:t>1/29/21</a:t>
             </a:fld>
             <a:endParaRPr lang="en-US"/>
           </a:p>
@@ -1725,7 +1725,7 @@
           <a:p>
             <a:fld id="{C415CA74-3952-BD4B-AE8D-88D35F82BC16}" type="datetimeFigureOut">
               <a:rPr lang="en-US" smtClean="0"/>
-              <a:t>1/28/21</a:t>
+              <a:t>1/29/21</a:t>
             </a:fld>
             <a:endParaRPr lang="en-US"/>
           </a:p>
@@ -1820,7 +1820,7 @@
           <a:p>
             <a:fld id="{C415CA74-3952-BD4B-AE8D-88D35F82BC16}" type="datetimeFigureOut">
               <a:rPr lang="en-US" smtClean="0"/>
-              <a:t>1/28/21</a:t>
+              <a:t>1/29/21</a:t>
             </a:fld>
             <a:endParaRPr lang="en-US"/>
           </a:p>
@@ -2097,7 +2097,7 @@
           <a:p>
             <a:fld id="{C415CA74-3952-BD4B-AE8D-88D35F82BC16}" type="datetimeFigureOut">
               <a:rPr lang="en-US" smtClean="0"/>
-              <a:t>1/28/21</a:t>
+              <a:t>1/29/21</a:t>
             </a:fld>
             <a:endParaRPr lang="en-US"/>
           </a:p>
@@ -2354,7 +2354,7 @@
           <a:p>
             <a:fld id="{C415CA74-3952-BD4B-AE8D-88D35F82BC16}" type="datetimeFigureOut">
               <a:rPr lang="en-US" smtClean="0"/>
-              <a:t>1/28/21</a:t>
+              <a:t>1/29/21</a:t>
             </a:fld>
             <a:endParaRPr lang="en-US"/>
           </a:p>
@@ -2567,7 +2567,7 @@
           <a:p>
             <a:fld id="{C415CA74-3952-BD4B-AE8D-88D35F82BC16}" type="datetimeFigureOut">
               <a:rPr lang="en-US" smtClean="0"/>
-              <a:t>1/28/21</a:t>
+              <a:t>1/29/21</a:t>
             </a:fld>
             <a:endParaRPr lang="en-US"/>
           </a:p>
@@ -4730,10 +4730,10 @@
         </p:nvGrpSpPr>
         <p:grpSpPr>
           <a:xfrm>
-            <a:off x="129151" y="1493529"/>
-            <a:ext cx="13246839" cy="5696516"/>
-            <a:chOff x="129151" y="1493529"/>
-            <a:chExt cx="13246839" cy="5696516"/>
+            <a:off x="129151" y="1812918"/>
+            <a:ext cx="13246839" cy="5377127"/>
+            <a:chOff x="129151" y="1812918"/>
+            <a:chExt cx="13246839" cy="5377127"/>
           </a:xfrm>
         </p:grpSpPr>
         <p:sp>
@@ -6341,36 +6341,6 @@
             </a:extLst>
           </p:spPr>
         </p:pic>
-        <p:pic>
-          <p:nvPicPr>
-            <p:cNvPr id="36" name="Picture 35" descr="A close up of a logo&#10;&#10;Description automatically generated">
-              <a:extLst>
-                <a:ext uri="{FF2B5EF4-FFF2-40B4-BE49-F238E27FC236}">
-                  <a16:creationId xmlns:a16="http://schemas.microsoft.com/office/drawing/2014/main" id="{BB8273E9-9D47-2042-93A6-0790BC20F45E}"/>
-                </a:ext>
-              </a:extLst>
-            </p:cNvPr>
-            <p:cNvPicPr>
-              <a:picLocks noChangeAspect="1"/>
-            </p:cNvPicPr>
-            <p:nvPr/>
-          </p:nvPicPr>
-          <p:blipFill>
-            <a:blip r:embed="rId14"/>
-            <a:stretch>
-              <a:fillRect/>
-            </a:stretch>
-          </p:blipFill>
-          <p:spPr>
-            <a:xfrm>
-              <a:off x="554817" y="1493529"/>
-              <a:ext cx="1980419" cy="1980419"/>
-            </a:xfrm>
-            <a:prstGeom prst="rect">
-              <a:avLst/>
-            </a:prstGeom>
-          </p:spPr>
-        </p:pic>
         <p:sp>
           <p:nvSpPr>
             <p:cNvPr id="39" name="Rounded Rectangle 38">
@@ -6454,7 +6424,7 @@
             <p:nvPr/>
           </p:nvPicPr>
           <p:blipFill>
-            <a:blip r:embed="rId15">
+            <a:blip r:embed="rId14">
               <a:extLst>
                 <a:ext uri="{28A0092B-C50C-407E-A947-70E740481C1C}">
                   <a14:useLocalDpi xmlns:a14="http://schemas.microsoft.com/office/drawing/2010/main" val="0"/>
@@ -6639,7 +6609,7 @@
             <p:nvPr/>
           </p:nvPicPr>
           <p:blipFill>
-            <a:blip r:embed="rId16">
+            <a:blip r:embed="rId15">
               <a:extLst>
                 <a:ext uri="{28A0092B-C50C-407E-A947-70E740481C1C}">
                   <a14:useLocalDpi xmlns:a14="http://schemas.microsoft.com/office/drawing/2010/main" val="0"/>
@@ -6686,7 +6656,7 @@
             <p:nvPr/>
           </p:nvPicPr>
           <p:blipFill>
-            <a:blip r:embed="rId17"/>
+            <a:blip r:embed="rId16"/>
             <a:stretch>
               <a:fillRect/>
             </a:stretch>
@@ -6827,7 +6797,7 @@
             <p:nvPr/>
           </p:nvPicPr>
           <p:blipFill>
-            <a:blip r:embed="rId18">
+            <a:blip r:embed="rId17">
               <a:extLst>
                 <a:ext uri="{28A0092B-C50C-407E-A947-70E740481C1C}">
                   <a14:useLocalDpi xmlns:a14="http://schemas.microsoft.com/office/drawing/2010/main" val="0"/>
@@ -6874,7 +6844,7 @@
             <p:nvPr/>
           </p:nvPicPr>
           <p:blipFill>
-            <a:blip r:embed="rId19">
+            <a:blip r:embed="rId18">
               <a:extLst>
                 <a:ext uri="{28A0092B-C50C-407E-A947-70E740481C1C}">
                   <a14:useLocalDpi xmlns:a14="http://schemas.microsoft.com/office/drawing/2010/main" val="0"/>
@@ -6921,7 +6891,7 @@
             <p:nvPr/>
           </p:nvPicPr>
           <p:blipFill>
-            <a:blip r:embed="rId20">
+            <a:blip r:embed="rId19">
               <a:extLst>
                 <a:ext uri="{28A0092B-C50C-407E-A947-70E740481C1C}">
                   <a14:useLocalDpi xmlns:a14="http://schemas.microsoft.com/office/drawing/2010/main" val="0"/>
@@ -7745,6 +7715,36 @@
           </p:txBody>
         </p:sp>
       </p:grpSp>
+      <p:pic>
+        <p:nvPicPr>
+          <p:cNvPr id="69" name="Picture 68" descr="Logo&#10;&#10;Description automatically generated">
+            <a:extLst>
+              <a:ext uri="{FF2B5EF4-FFF2-40B4-BE49-F238E27FC236}">
+                <a16:creationId xmlns:a16="http://schemas.microsoft.com/office/drawing/2014/main" id="{8E4F07AB-7B47-2F4A-993D-931DE67710C7}"/>
+              </a:ext>
+            </a:extLst>
+          </p:cNvPr>
+          <p:cNvPicPr>
+            <a:picLocks noChangeAspect="1"/>
+          </p:cNvPicPr>
+          <p:nvPr/>
+        </p:nvPicPr>
+        <p:blipFill>
+          <a:blip r:embed="rId20"/>
+          <a:stretch>
+            <a:fillRect/>
+          </a:stretch>
+        </p:blipFill>
+        <p:spPr>
+          <a:xfrm>
+            <a:off x="190630" y="1796646"/>
+            <a:ext cx="2410650" cy="1279728"/>
+          </a:xfrm>
+          <a:prstGeom prst="rect">
+            <a:avLst/>
+          </a:prstGeom>
+        </p:spPr>
+      </p:pic>
     </p:spTree>
     <p:extLst>
       <p:ext uri="{BB962C8B-B14F-4D97-AF65-F5344CB8AC3E}">
